--- a/Dokumente/Präsentation.pptx
+++ b/Dokumente/Präsentation.pptx
@@ -31,6 +31,7 @@
     <p:sldId id="276" r:id="rId27"/>
     <p:sldId id="277" r:id="rId28"/>
     <p:sldId id="278" r:id="rId29"/>
+    <p:sldId id="279" r:id="rId30"/>
   </p:sldIdLst>
   <p:sldSz cy="5143500" cx="9144000"/>
   <p:notesSz cx="6858000" cy="9144000"/>
@@ -812,7 +813,7 @@
   <p:cSld>
     <p:spTree>
       <p:nvGrpSpPr>
-        <p:cNvPr id="129" name="Shape 129"/>
+        <p:cNvPr id="124" name="Shape 124"/>
         <p:cNvGrpSpPr/>
         <p:nvPr/>
       </p:nvGrpSpPr>
@@ -826,7 +827,7 @@
       </p:grpSpPr>
       <p:sp>
         <p:nvSpPr>
-          <p:cNvPr id="130" name="Google Shape;130;g7098441950_0_22:notes"/>
+          <p:cNvPr id="125" name="Google Shape;125;g7098441950_0_17:notes"/>
           <p:cNvSpPr/>
           <p:nvPr>
             <p:ph idx="2" type="sldImg"/>
@@ -861,7 +862,7 @@
       </p:sp>
       <p:sp>
         <p:nvSpPr>
-          <p:cNvPr id="131" name="Google Shape;131;g7098441950_0_22:notes"/>
+          <p:cNvPr id="126" name="Google Shape;126;g7098441950_0_17:notes"/>
           <p:cNvSpPr txBox="1"/>
           <p:nvPr>
             <p:ph idx="1" type="body"/>
@@ -911,7 +912,7 @@
   <p:cSld>
     <p:spTree>
       <p:nvGrpSpPr>
-        <p:cNvPr id="135" name="Shape 135"/>
+        <p:cNvPr id="139" name="Shape 139"/>
         <p:cNvGrpSpPr/>
         <p:nvPr/>
       </p:nvGrpSpPr>
@@ -925,7 +926,7 @@
       </p:grpSpPr>
       <p:sp>
         <p:nvSpPr>
-          <p:cNvPr id="136" name="Google Shape;136;g7098441950_0_27:notes"/>
+          <p:cNvPr id="140" name="Google Shape;140;g65c5f8b641_2_5:notes"/>
           <p:cNvSpPr/>
           <p:nvPr>
             <p:ph idx="2" type="sldImg"/>
@@ -960,7 +961,7 @@
       </p:sp>
       <p:sp>
         <p:nvSpPr>
-          <p:cNvPr id="137" name="Google Shape;137;g7098441950_0_27:notes"/>
+          <p:cNvPr id="141" name="Google Shape;141;g65c5f8b641_2_5:notes"/>
           <p:cNvSpPr txBox="1"/>
           <p:nvPr>
             <p:ph idx="1" type="body"/>
@@ -1010,7 +1011,7 @@
   <p:cSld>
     <p:spTree>
       <p:nvGrpSpPr>
-        <p:cNvPr id="141" name="Shape 141"/>
+        <p:cNvPr id="145" name="Shape 145"/>
         <p:cNvGrpSpPr/>
         <p:nvPr/>
       </p:nvGrpSpPr>
@@ -1024,7 +1025,7 @@
       </p:grpSpPr>
       <p:sp>
         <p:nvSpPr>
-          <p:cNvPr id="142" name="Google Shape;142;g65c5f8b641_3_0:notes"/>
+          <p:cNvPr id="146" name="Google Shape;146;g7098441950_0_22:notes"/>
           <p:cNvSpPr/>
           <p:nvPr>
             <p:ph idx="2" type="sldImg"/>
@@ -1059,7 +1060,7 @@
       </p:sp>
       <p:sp>
         <p:nvSpPr>
-          <p:cNvPr id="143" name="Google Shape;143;g65c5f8b641_3_0:notes"/>
+          <p:cNvPr id="147" name="Google Shape;147;g7098441950_0_22:notes"/>
           <p:cNvSpPr txBox="1"/>
           <p:nvPr>
             <p:ph idx="1" type="body"/>
@@ -1109,7 +1110,7 @@
   <p:cSld>
     <p:spTree>
       <p:nvGrpSpPr>
-        <p:cNvPr id="147" name="Shape 147"/>
+        <p:cNvPr id="151" name="Shape 151"/>
         <p:cNvGrpSpPr/>
         <p:nvPr/>
       </p:nvGrpSpPr>
@@ -1123,7 +1124,7 @@
       </p:grpSpPr>
       <p:sp>
         <p:nvSpPr>
-          <p:cNvPr id="148" name="Google Shape;148;g65c5f8b641_3_5:notes"/>
+          <p:cNvPr id="152" name="Google Shape;152;g7098441950_0_27:notes"/>
           <p:cNvSpPr/>
           <p:nvPr>
             <p:ph idx="2" type="sldImg"/>
@@ -1158,7 +1159,7 @@
       </p:sp>
       <p:sp>
         <p:nvSpPr>
-          <p:cNvPr id="149" name="Google Shape;149;g65c5f8b641_3_5:notes"/>
+          <p:cNvPr id="153" name="Google Shape;153;g7098441950_0_27:notes"/>
           <p:cNvSpPr txBox="1"/>
           <p:nvPr>
             <p:ph idx="1" type="body"/>
@@ -1208,7 +1209,7 @@
   <p:cSld>
     <p:spTree>
       <p:nvGrpSpPr>
-        <p:cNvPr id="155" name="Shape 155"/>
+        <p:cNvPr id="157" name="Shape 157"/>
         <p:cNvGrpSpPr/>
         <p:nvPr/>
       </p:nvGrpSpPr>
@@ -1222,7 +1223,7 @@
       </p:grpSpPr>
       <p:sp>
         <p:nvSpPr>
-          <p:cNvPr id="156" name="Google Shape;156;g65c5f8b641_3_12:notes"/>
+          <p:cNvPr id="158" name="Google Shape;158;g65c5f8b641_3_0:notes"/>
           <p:cNvSpPr/>
           <p:nvPr>
             <p:ph idx="2" type="sldImg"/>
@@ -1257,7 +1258,7 @@
       </p:sp>
       <p:sp>
         <p:nvSpPr>
-          <p:cNvPr id="157" name="Google Shape;157;g65c5f8b641_3_12:notes"/>
+          <p:cNvPr id="159" name="Google Shape;159;g65c5f8b641_3_0:notes"/>
           <p:cNvSpPr txBox="1"/>
           <p:nvPr>
             <p:ph idx="1" type="body"/>
@@ -1321,7 +1322,7 @@
       </p:grpSpPr>
       <p:sp>
         <p:nvSpPr>
-          <p:cNvPr id="164" name="Google Shape;164;g65c5f8b641_3_18:notes"/>
+          <p:cNvPr id="164" name="Google Shape;164;g65c5f8b641_3_5:notes"/>
           <p:cNvSpPr/>
           <p:nvPr>
             <p:ph idx="2" type="sldImg"/>
@@ -1356,7 +1357,7 @@
       </p:sp>
       <p:sp>
         <p:nvSpPr>
-          <p:cNvPr id="165" name="Google Shape;165;g65c5f8b641_3_18:notes"/>
+          <p:cNvPr id="165" name="Google Shape;165;g65c5f8b641_3_5:notes"/>
           <p:cNvSpPr txBox="1"/>
           <p:nvPr>
             <p:ph idx="1" type="body"/>
@@ -1406,7 +1407,7 @@
   <p:cSld>
     <p:spTree>
       <p:nvGrpSpPr>
-        <p:cNvPr id="170" name="Shape 170"/>
+        <p:cNvPr id="171" name="Shape 171"/>
         <p:cNvGrpSpPr/>
         <p:nvPr/>
       </p:nvGrpSpPr>
@@ -1420,7 +1421,7 @@
       </p:grpSpPr>
       <p:sp>
         <p:nvSpPr>
-          <p:cNvPr id="171" name="Google Shape;171;g65c5f8b641_3_27:notes"/>
+          <p:cNvPr id="172" name="Google Shape;172;g65c5f8b641_3_12:notes"/>
           <p:cNvSpPr/>
           <p:nvPr>
             <p:ph idx="2" type="sldImg"/>
@@ -1455,7 +1456,7 @@
       </p:sp>
       <p:sp>
         <p:nvSpPr>
-          <p:cNvPr id="172" name="Google Shape;172;g65c5f8b641_3_27:notes"/>
+          <p:cNvPr id="173" name="Google Shape;173;g65c5f8b641_3_12:notes"/>
           <p:cNvSpPr txBox="1"/>
           <p:nvPr>
             <p:ph idx="1" type="body"/>
@@ -1505,7 +1506,7 @@
   <p:cSld>
     <p:spTree>
       <p:nvGrpSpPr>
-        <p:cNvPr id="176" name="Shape 176"/>
+        <p:cNvPr id="179" name="Shape 179"/>
         <p:cNvGrpSpPr/>
         <p:nvPr/>
       </p:nvGrpSpPr>
@@ -1519,7 +1520,7 @@
       </p:grpSpPr>
       <p:sp>
         <p:nvSpPr>
-          <p:cNvPr id="177" name="Google Shape;177;g65c5f8b641_3_32:notes"/>
+          <p:cNvPr id="180" name="Google Shape;180;g65c5f8b641_3_18:notes"/>
           <p:cNvSpPr/>
           <p:nvPr>
             <p:ph idx="2" type="sldImg"/>
@@ -1554,7 +1555,7 @@
       </p:sp>
       <p:sp>
         <p:nvSpPr>
-          <p:cNvPr id="178" name="Google Shape;178;g65c5f8b641_3_32:notes"/>
+          <p:cNvPr id="181" name="Google Shape;181;g65c5f8b641_3_18:notes"/>
           <p:cNvSpPr txBox="1"/>
           <p:nvPr>
             <p:ph idx="1" type="body"/>
@@ -1604,7 +1605,7 @@
   <p:cSld>
     <p:spTree>
       <p:nvGrpSpPr>
-        <p:cNvPr id="183" name="Shape 183"/>
+        <p:cNvPr id="186" name="Shape 186"/>
         <p:cNvGrpSpPr/>
         <p:nvPr/>
       </p:nvGrpSpPr>
@@ -1618,7 +1619,7 @@
       </p:grpSpPr>
       <p:sp>
         <p:nvSpPr>
-          <p:cNvPr id="184" name="Google Shape;184;g65c5f8b641_3_38:notes"/>
+          <p:cNvPr id="187" name="Google Shape;187;g65c5f8b641_3_32:notes"/>
           <p:cNvSpPr/>
           <p:nvPr>
             <p:ph idx="2" type="sldImg"/>
@@ -1653,7 +1654,7 @@
       </p:sp>
       <p:sp>
         <p:nvSpPr>
-          <p:cNvPr id="185" name="Google Shape;185;g65c5f8b641_3_38:notes"/>
+          <p:cNvPr id="188" name="Google Shape;188;g65c5f8b641_3_32:notes"/>
           <p:cNvSpPr txBox="1"/>
           <p:nvPr>
             <p:ph idx="1" type="body"/>
@@ -1703,7 +1704,7 @@
   <p:cSld>
     <p:spTree>
       <p:nvGrpSpPr>
-        <p:cNvPr id="190" name="Shape 190"/>
+        <p:cNvPr id="193" name="Shape 193"/>
         <p:cNvGrpSpPr/>
         <p:nvPr/>
       </p:nvGrpSpPr>
@@ -1717,7 +1718,7 @@
       </p:grpSpPr>
       <p:sp>
         <p:nvSpPr>
-          <p:cNvPr id="191" name="Google Shape;191;g65c5f8b641_3_44:notes"/>
+          <p:cNvPr id="194" name="Google Shape;194;g65c5f8b641_3_38:notes"/>
           <p:cNvSpPr/>
           <p:nvPr>
             <p:ph idx="2" type="sldImg"/>
@@ -1752,7 +1753,7 @@
       </p:sp>
       <p:sp>
         <p:nvSpPr>
-          <p:cNvPr id="192" name="Google Shape;192;g65c5f8b641_3_44:notes"/>
+          <p:cNvPr id="195" name="Google Shape;195;g65c5f8b641_3_38:notes"/>
           <p:cNvSpPr txBox="1"/>
           <p:nvPr>
             <p:ph idx="1" type="body"/>
@@ -1901,7 +1902,7 @@
   <p:cSld>
     <p:spTree>
       <p:nvGrpSpPr>
-        <p:cNvPr id="197" name="Shape 197"/>
+        <p:cNvPr id="200" name="Shape 200"/>
         <p:cNvGrpSpPr/>
         <p:nvPr/>
       </p:nvGrpSpPr>
@@ -1915,7 +1916,7 @@
       </p:grpSpPr>
       <p:sp>
         <p:nvSpPr>
-          <p:cNvPr id="198" name="Google Shape;198;g65c5f8b641_3_50:notes"/>
+          <p:cNvPr id="201" name="Google Shape;201;g65c5f8b641_3_44:notes"/>
           <p:cNvSpPr/>
           <p:nvPr>
             <p:ph idx="2" type="sldImg"/>
@@ -1950,7 +1951,7 @@
       </p:sp>
       <p:sp>
         <p:nvSpPr>
-          <p:cNvPr id="199" name="Google Shape;199;g65c5f8b641_3_50:notes"/>
+          <p:cNvPr id="202" name="Google Shape;202;g65c5f8b641_3_44:notes"/>
           <p:cNvSpPr txBox="1"/>
           <p:nvPr>
             <p:ph idx="1" type="body"/>
@@ -2000,7 +2001,7 @@
   <p:cSld>
     <p:spTree>
       <p:nvGrpSpPr>
-        <p:cNvPr id="204" name="Shape 204"/>
+        <p:cNvPr id="207" name="Shape 207"/>
         <p:cNvGrpSpPr/>
         <p:nvPr/>
       </p:nvGrpSpPr>
@@ -2014,7 +2015,7 @@
       </p:grpSpPr>
       <p:sp>
         <p:nvSpPr>
-          <p:cNvPr id="205" name="Google Shape;205;g65c5f8b641_3_57:notes"/>
+          <p:cNvPr id="208" name="Google Shape;208;g65c5f8b641_3_50:notes"/>
           <p:cNvSpPr/>
           <p:nvPr>
             <p:ph idx="2" type="sldImg"/>
@@ -2049,7 +2050,7 @@
       </p:sp>
       <p:sp>
         <p:nvSpPr>
-          <p:cNvPr id="206" name="Google Shape;206;g65c5f8b641_3_57:notes"/>
+          <p:cNvPr id="209" name="Google Shape;209;g65c5f8b641_3_50:notes"/>
           <p:cNvSpPr txBox="1"/>
           <p:nvPr>
             <p:ph idx="1" type="body"/>
@@ -2099,7 +2100,7 @@
   <p:cSld>
     <p:spTree>
       <p:nvGrpSpPr>
-        <p:cNvPr id="211" name="Shape 211"/>
+        <p:cNvPr id="214" name="Shape 214"/>
         <p:cNvGrpSpPr/>
         <p:nvPr/>
       </p:nvGrpSpPr>
@@ -2113,7 +2114,7 @@
       </p:grpSpPr>
       <p:sp>
         <p:nvSpPr>
-          <p:cNvPr id="212" name="Google Shape;212;g65c5f8b641_3_63:notes"/>
+          <p:cNvPr id="215" name="Google Shape;215;g65c5f8b641_3_57:notes"/>
           <p:cNvSpPr/>
           <p:nvPr>
             <p:ph idx="2" type="sldImg"/>
@@ -2148,7 +2149,7 @@
       </p:sp>
       <p:sp>
         <p:nvSpPr>
-          <p:cNvPr id="213" name="Google Shape;213;g65c5f8b641_3_63:notes"/>
+          <p:cNvPr id="216" name="Google Shape;216;g65c5f8b641_3_57:notes"/>
           <p:cNvSpPr txBox="1"/>
           <p:nvPr>
             <p:ph idx="1" type="body"/>
@@ -2198,7 +2199,7 @@
   <p:cSld>
     <p:spTree>
       <p:nvGrpSpPr>
-        <p:cNvPr id="218" name="Shape 218"/>
+        <p:cNvPr id="221" name="Shape 221"/>
         <p:cNvGrpSpPr/>
         <p:nvPr/>
       </p:nvGrpSpPr>
@@ -2212,7 +2213,7 @@
       </p:grpSpPr>
       <p:sp>
         <p:nvSpPr>
-          <p:cNvPr id="219" name="Google Shape;219;g65c5f8b641_3_69:notes"/>
+          <p:cNvPr id="222" name="Google Shape;222;g65c5f8b641_3_63:notes"/>
           <p:cNvSpPr/>
           <p:nvPr>
             <p:ph idx="2" type="sldImg"/>
@@ -2247,7 +2248,106 @@
       </p:sp>
       <p:sp>
         <p:nvSpPr>
-          <p:cNvPr id="220" name="Google Shape;220;g65c5f8b641_3_69:notes"/>
+          <p:cNvPr id="223" name="Google Shape;223;g65c5f8b641_3_63:notes"/>
+          <p:cNvSpPr txBox="1"/>
+          <p:nvPr>
+            <p:ph idx="1" type="body"/>
+          </p:nvPr>
+        </p:nvSpPr>
+        <p:spPr>
+          <a:xfrm>
+            <a:off x="685800" y="4343400"/>
+            <a:ext cx="5486400" cy="4114800"/>
+          </a:xfrm>
+          <a:prstGeom prst="rect">
+            <a:avLst/>
+          </a:prstGeom>
+        </p:spPr>
+        <p:txBody>
+          <a:bodyPr anchorCtr="0" anchor="t" bIns="91425" lIns="91425" spcFirstLastPara="1" rIns="91425" wrap="square" tIns="91425">
+            <a:noAutofit/>
+          </a:bodyPr>
+          <a:lstStyle/>
+          <a:p>
+            <a:pPr indent="0" lvl="0" marL="0" rtl="0" algn="l">
+              <a:spcBef>
+                <a:spcPts val="0"/>
+              </a:spcBef>
+              <a:spcAft>
+                <a:spcPts val="0"/>
+              </a:spcAft>
+              <a:buNone/>
+            </a:pPr>
+            <a:r>
+              <a:t/>
+            </a:r>
+            <a:endParaRPr/>
+          </a:p>
+        </p:txBody>
+      </p:sp>
+    </p:spTree>
+  </p:cSld>
+  <p:clrMapOvr>
+    <a:masterClrMapping/>
+  </p:clrMapOvr>
+</p:notes>
+</file>
+
+<file path=ppt/notesSlides/notesSlide24.xml><?xml version="1.0" encoding="utf-8"?>
+<p:notes xmlns:a="http://schemas.openxmlformats.org/drawingml/2006/main" xmlns:r="http://schemas.openxmlformats.org/officeDocument/2006/relationships" xmlns:mc="http://schemas.openxmlformats.org/markup-compatibility/2006" xmlns:mv="urn:schemas-microsoft-com:mac:vml" xmlns:p="http://schemas.openxmlformats.org/presentationml/2006/main" xmlns:c="http://schemas.openxmlformats.org/drawingml/2006/chart" xmlns:dgm="http://schemas.openxmlformats.org/drawingml/2006/diagram" xmlns:o="urn:schemas-microsoft-com:office:office" xmlns:v="urn:schemas-microsoft-com:vml" xmlns:pvml="urn:schemas-microsoft-com:office:powerpoint" xmlns:com="http://schemas.openxmlformats.org/drawingml/2006/compatibility" xmlns:p14="http://schemas.microsoft.com/office/powerpoint/2010/main" xmlns:p15="http://schemas.microsoft.com/office/powerpoint/2012/main" showMasterPhAnim="0" showMasterSp="0">
+  <p:cSld>
+    <p:spTree>
+      <p:nvGrpSpPr>
+        <p:cNvPr id="228" name="Shape 228"/>
+        <p:cNvGrpSpPr/>
+        <p:nvPr/>
+      </p:nvGrpSpPr>
+      <p:grpSpPr>
+        <a:xfrm>
+          <a:off x="0" y="0"/>
+          <a:ext cx="0" cy="0"/>
+          <a:chOff x="0" y="0"/>
+          <a:chExt cx="0" cy="0"/>
+        </a:xfrm>
+      </p:grpSpPr>
+      <p:sp>
+        <p:nvSpPr>
+          <p:cNvPr id="229" name="Google Shape;229;g6afc9645fe_0_10:notes"/>
+          <p:cNvSpPr/>
+          <p:nvPr>
+            <p:ph idx="2" type="sldImg"/>
+          </p:nvPr>
+        </p:nvSpPr>
+        <p:spPr>
+          <a:xfrm>
+            <a:off x="381300" y="685800"/>
+            <a:ext cx="6096000" cy="3429000"/>
+          </a:xfrm>
+          <a:custGeom>
+            <a:rect b="b" l="l" r="r" t="t"/>
+            <a:pathLst>
+              <a:path extrusionOk="0" h="120000" w="120000">
+                <a:moveTo>
+                  <a:pt x="0" y="0"/>
+                </a:moveTo>
+                <a:lnTo>
+                  <a:pt x="120000" y="0"/>
+                </a:lnTo>
+                <a:lnTo>
+                  <a:pt x="120000" y="120000"/>
+                </a:lnTo>
+                <a:lnTo>
+                  <a:pt x="0" y="120000"/>
+                </a:lnTo>
+                <a:close/>
+              </a:path>
+            </a:pathLst>
+          </a:custGeom>
+        </p:spPr>
+      </p:sp>
+      <p:sp>
+        <p:nvSpPr>
+          <p:cNvPr id="230" name="Google Shape;230;g6afc9645fe_0_10:notes"/>
           <p:cNvSpPr txBox="1"/>
           <p:nvPr>
             <p:ph idx="1" type="body"/>
@@ -2509,7 +2609,7 @@
       </p:grpSpPr>
       <p:sp>
         <p:nvSpPr>
-          <p:cNvPr id="75" name="Google Shape;75;g7098441950_0_12:notes"/>
+          <p:cNvPr id="75" name="Google Shape;75;g6af62c87a4_0_0:notes"/>
           <p:cNvSpPr/>
           <p:nvPr>
             <p:ph idx="2" type="sldImg"/>
@@ -2544,7 +2644,7 @@
       </p:sp>
       <p:sp>
         <p:nvSpPr>
-          <p:cNvPr id="76" name="Google Shape;76;g7098441950_0_12:notes"/>
+          <p:cNvPr id="76" name="Google Shape;76;g6af62c87a4_0_0:notes"/>
           <p:cNvSpPr txBox="1"/>
           <p:nvPr>
             <p:ph idx="1" type="body"/>
@@ -2594,7 +2694,7 @@
   <p:cSld>
     <p:spTree>
       <p:nvGrpSpPr>
-        <p:cNvPr id="86" name="Shape 86"/>
+        <p:cNvPr id="80" name="Shape 80"/>
         <p:cNvGrpSpPr/>
         <p:nvPr/>
       </p:nvGrpSpPr>
@@ -2608,7 +2708,7 @@
       </p:grpSpPr>
       <p:sp>
         <p:nvSpPr>
-          <p:cNvPr id="87" name="Google Shape;87;g65c5f8b641_2_0:notes"/>
+          <p:cNvPr id="81" name="Google Shape;81;g6afc9645fe_0_2:notes"/>
           <p:cNvSpPr/>
           <p:nvPr>
             <p:ph idx="2" type="sldImg"/>
@@ -2643,7 +2743,7 @@
       </p:sp>
       <p:sp>
         <p:nvSpPr>
-          <p:cNvPr id="88" name="Google Shape;88;g65c5f8b641_2_0:notes"/>
+          <p:cNvPr id="82" name="Google Shape;82;g6afc9645fe_0_2:notes"/>
           <p:cNvSpPr txBox="1"/>
           <p:nvPr>
             <p:ph idx="1" type="body"/>
@@ -2693,7 +2793,7 @@
   <p:cSld>
     <p:spTree>
       <p:nvGrpSpPr>
-        <p:cNvPr id="98" name="Shape 98"/>
+        <p:cNvPr id="88" name="Shape 88"/>
         <p:cNvGrpSpPr/>
         <p:nvPr/>
       </p:nvGrpSpPr>
@@ -2707,7 +2807,7 @@
       </p:grpSpPr>
       <p:sp>
         <p:nvSpPr>
-          <p:cNvPr id="99" name="Google Shape;99;g65c5f8b641_5_24:notes"/>
+          <p:cNvPr id="89" name="Google Shape;89;g7098441950_0_12:notes"/>
           <p:cNvSpPr/>
           <p:nvPr>
             <p:ph idx="2" type="sldImg"/>
@@ -2742,7 +2842,7 @@
       </p:sp>
       <p:sp>
         <p:nvSpPr>
-          <p:cNvPr id="100" name="Google Shape;100;g65c5f8b641_5_24:notes"/>
+          <p:cNvPr id="90" name="Google Shape;90;g7098441950_0_12:notes"/>
           <p:cNvSpPr txBox="1"/>
           <p:nvPr>
             <p:ph idx="1" type="body"/>
@@ -2792,7 +2892,7 @@
   <p:cSld>
     <p:spTree>
       <p:nvGrpSpPr>
-        <p:cNvPr id="108" name="Shape 108"/>
+        <p:cNvPr id="101" name="Shape 101"/>
         <p:cNvGrpSpPr/>
         <p:nvPr/>
       </p:nvGrpSpPr>
@@ -2806,7 +2906,7 @@
       </p:grpSpPr>
       <p:sp>
         <p:nvSpPr>
-          <p:cNvPr id="109" name="Google Shape;109;g7098441950_0_17:notes"/>
+          <p:cNvPr id="102" name="Google Shape;102;g65c5f8b641_2_0:notes"/>
           <p:cNvSpPr/>
           <p:nvPr>
             <p:ph idx="2" type="sldImg"/>
@@ -2841,7 +2941,7 @@
       </p:sp>
       <p:sp>
         <p:nvSpPr>
-          <p:cNvPr id="110" name="Google Shape;110;g7098441950_0_17:notes"/>
+          <p:cNvPr id="103" name="Google Shape;103;g65c5f8b641_2_0:notes"/>
           <p:cNvSpPr txBox="1"/>
           <p:nvPr>
             <p:ph idx="1" type="body"/>
@@ -2891,7 +2991,7 @@
   <p:cSld>
     <p:spTree>
       <p:nvGrpSpPr>
-        <p:cNvPr id="123" name="Shape 123"/>
+        <p:cNvPr id="114" name="Shape 114"/>
         <p:cNvGrpSpPr/>
         <p:nvPr/>
       </p:nvGrpSpPr>
@@ -2905,7 +3005,7 @@
       </p:grpSpPr>
       <p:sp>
         <p:nvSpPr>
-          <p:cNvPr id="124" name="Google Shape;124;g65c5f8b641_2_5:notes"/>
+          <p:cNvPr id="115" name="Google Shape;115;g65c5f8b641_5_24:notes"/>
           <p:cNvSpPr/>
           <p:nvPr>
             <p:ph idx="2" type="sldImg"/>
@@ -2940,7 +3040,7 @@
       </p:sp>
       <p:sp>
         <p:nvSpPr>
-          <p:cNvPr id="125" name="Google Shape;125;g65c5f8b641_2_5:notes"/>
+          <p:cNvPr id="116" name="Google Shape;116;g65c5f8b641_5_24:notes"/>
           <p:cNvSpPr txBox="1"/>
           <p:nvPr>
             <p:ph idx="1" type="body"/>
@@ -7756,7 +7856,1297 @@
   <p:cSld>
     <p:spTree>
       <p:nvGrpSpPr>
-        <p:cNvPr id="132" name="Shape 132"/>
+        <p:cNvPr id="127" name="Shape 127"/>
+        <p:cNvGrpSpPr/>
+        <p:nvPr/>
+      </p:nvGrpSpPr>
+      <p:grpSpPr>
+        <a:xfrm>
+          <a:off x="0" y="0"/>
+          <a:ext cx="0" cy="0"/>
+          <a:chOff x="0" y="0"/>
+          <a:chExt cx="0" cy="0"/>
+        </a:xfrm>
+      </p:grpSpPr>
+      <p:pic>
+        <p:nvPicPr>
+          <p:cNvPr id="128" name="Google Shape;128;p22"/>
+          <p:cNvPicPr preferRelativeResize="0"/>
+          <p:nvPr/>
+        </p:nvPicPr>
+        <p:blipFill rotWithShape="1">
+          <a:blip r:embed="rId3">
+            <a:alphaModFix/>
+          </a:blip>
+          <a:srcRect b="0" l="-9500" r="9500" t="0"/>
+          <a:stretch/>
+        </p:blipFill>
+        <p:spPr>
+          <a:xfrm>
+            <a:off x="6579900" y="1483350"/>
+            <a:ext cx="2252400" cy="3660150"/>
+          </a:xfrm>
+          <a:prstGeom prst="rect">
+            <a:avLst/>
+          </a:prstGeom>
+          <a:noFill/>
+          <a:ln>
+            <a:noFill/>
+          </a:ln>
+        </p:spPr>
+      </p:pic>
+      <p:sp>
+        <p:nvSpPr>
+          <p:cNvPr id="129" name="Google Shape;129;p22"/>
+          <p:cNvSpPr txBox="1"/>
+          <p:nvPr>
+            <p:ph type="title"/>
+          </p:nvPr>
+        </p:nvSpPr>
+        <p:spPr>
+          <a:xfrm>
+            <a:off x="311700" y="445025"/>
+            <a:ext cx="8520600" cy="572700"/>
+          </a:xfrm>
+          <a:prstGeom prst="rect">
+            <a:avLst/>
+          </a:prstGeom>
+        </p:spPr>
+        <p:txBody>
+          <a:bodyPr anchorCtr="0" anchor="t" bIns="91425" lIns="91425" spcFirstLastPara="1" rIns="91425" wrap="square" tIns="91425">
+            <a:noAutofit/>
+          </a:bodyPr>
+          <a:lstStyle/>
+          <a:p>
+            <a:pPr indent="0" lvl="0" marL="0" rtl="0" algn="l">
+              <a:spcBef>
+                <a:spcPts val="0"/>
+              </a:spcBef>
+              <a:spcAft>
+                <a:spcPts val="0"/>
+              </a:spcAft>
+              <a:buNone/>
+            </a:pPr>
+            <a:r>
+              <a:rPr lang="de"/>
+              <a:t>Binomial Heaps</a:t>
+            </a:r>
+            <a:endParaRPr/>
+          </a:p>
+        </p:txBody>
+      </p:sp>
+      <p:sp>
+        <p:nvSpPr>
+          <p:cNvPr id="130" name="Google Shape;130;p22"/>
+          <p:cNvSpPr txBox="1"/>
+          <p:nvPr>
+            <p:ph idx="1" type="body"/>
+          </p:nvPr>
+        </p:nvSpPr>
+        <p:spPr>
+          <a:xfrm>
+            <a:off x="311700" y="1152475"/>
+            <a:ext cx="8520600" cy="3796500"/>
+          </a:xfrm>
+          <a:prstGeom prst="rect">
+            <a:avLst/>
+          </a:prstGeom>
+        </p:spPr>
+        <p:txBody>
+          <a:bodyPr anchorCtr="0" anchor="t" bIns="91425" lIns="91425" spcFirstLastPara="1" rIns="91425" wrap="square" tIns="91425">
+            <a:noAutofit/>
+          </a:bodyPr>
+          <a:lstStyle/>
+          <a:p>
+            <a:pPr indent="-342900" lvl="0" marL="457200" rtl="0" algn="l">
+              <a:lnSpc>
+                <a:spcPct val="115000"/>
+              </a:lnSpc>
+              <a:spcBef>
+                <a:spcPts val="0"/>
+              </a:spcBef>
+              <a:spcAft>
+                <a:spcPts val="0"/>
+              </a:spcAft>
+              <a:buSzPts val="1800"/>
+              <a:buChar char="➔"/>
+            </a:pPr>
+            <a:r>
+              <a:rPr lang="de"/>
+              <a:t>Binomial Heaps beschreibt man als die Menge verbundener Binomialbäume</a:t>
+            </a:r>
+            <a:endParaRPr/>
+          </a:p>
+          <a:p>
+            <a:pPr indent="-342900" lvl="0" marL="457200" rtl="0" algn="l">
+              <a:lnSpc>
+                <a:spcPct val="115000"/>
+              </a:lnSpc>
+              <a:spcBef>
+                <a:spcPts val="0"/>
+              </a:spcBef>
+              <a:spcAft>
+                <a:spcPts val="0"/>
+              </a:spcAft>
+              <a:buSzPts val="1800"/>
+              <a:buChar char="➔"/>
+            </a:pPr>
+            <a:r>
+              <a:rPr lang="de"/>
+              <a:t>Binomialbäume werden mit zwei Bedingungen definiert</a:t>
+            </a:r>
+            <a:endParaRPr/>
+          </a:p>
+          <a:p>
+            <a:pPr indent="-342900" lvl="0" marL="457200" rtl="0" algn="l">
+              <a:spcBef>
+                <a:spcPts val="0"/>
+              </a:spcBef>
+              <a:spcAft>
+                <a:spcPts val="0"/>
+              </a:spcAft>
+              <a:buSzPts val="1800"/>
+              <a:buChar char="➔"/>
+            </a:pPr>
+            <a:r>
+              <a:rPr lang="de"/>
+              <a:t>Ein Binomialbaum 0-ten Grades hat einen Knoten</a:t>
+            </a:r>
+            <a:endParaRPr/>
+          </a:p>
+          <a:p>
+            <a:pPr indent="-342900" lvl="0" marL="457200" rtl="0" algn="l">
+              <a:lnSpc>
+                <a:spcPct val="115000"/>
+              </a:lnSpc>
+              <a:spcBef>
+                <a:spcPts val="0"/>
+              </a:spcBef>
+              <a:spcAft>
+                <a:spcPts val="0"/>
+              </a:spcAft>
+              <a:buSzPts val="1800"/>
+              <a:buChar char="➔"/>
+            </a:pPr>
+            <a:r>
+              <a:rPr lang="de"/>
+              <a:t>Im Binomial Heap kann es nur einen Baum jeden Grades geben</a:t>
+            </a:r>
+            <a:endParaRPr/>
+          </a:p>
+          <a:p>
+            <a:pPr indent="-342900" lvl="0" marL="457200" rtl="0" algn="l">
+              <a:lnSpc>
+                <a:spcPct val="115000"/>
+              </a:lnSpc>
+              <a:spcBef>
+                <a:spcPts val="0"/>
+              </a:spcBef>
+              <a:spcAft>
+                <a:spcPts val="0"/>
+              </a:spcAft>
+              <a:buSzPts val="1800"/>
+              <a:buChar char="➔"/>
+            </a:pPr>
+            <a:r>
+              <a:rPr lang="de"/>
+              <a:t>Mehrere Bäume eines Grades werden “gemerged”:</a:t>
+            </a:r>
+            <a:endParaRPr/>
+          </a:p>
+          <a:p>
+            <a:pPr indent="0" lvl="0" marL="0" rtl="0" algn="l">
+              <a:spcBef>
+                <a:spcPts val="1600"/>
+              </a:spcBef>
+              <a:spcAft>
+                <a:spcPts val="0"/>
+              </a:spcAft>
+              <a:buNone/>
+            </a:pPr>
+            <a:r>
+              <a:t/>
+            </a:r>
+            <a:endParaRPr/>
+          </a:p>
+          <a:p>
+            <a:pPr indent="0" lvl="0" marL="457200" rtl="0" algn="l">
+              <a:spcBef>
+                <a:spcPts val="1600"/>
+              </a:spcBef>
+              <a:spcAft>
+                <a:spcPts val="1600"/>
+              </a:spcAft>
+              <a:buNone/>
+            </a:pPr>
+            <a:r>
+              <a:rPr lang="de"/>
+              <a:t> </a:t>
+            </a:r>
+            <a:endParaRPr/>
+          </a:p>
+        </p:txBody>
+      </p:sp>
+      <p:pic>
+        <p:nvPicPr>
+          <p:cNvPr id="131" name="Google Shape;131;p22"/>
+          <p:cNvPicPr preferRelativeResize="0"/>
+          <p:nvPr/>
+        </p:nvPicPr>
+        <p:blipFill>
+          <a:blip r:embed="rId4">
+            <a:alphaModFix/>
+          </a:blip>
+          <a:stretch>
+            <a:fillRect/>
+          </a:stretch>
+        </p:blipFill>
+        <p:spPr>
+          <a:xfrm>
+            <a:off x="361475" y="2932150"/>
+            <a:ext cx="1047750" cy="1047750"/>
+          </a:xfrm>
+          <a:prstGeom prst="rect">
+            <a:avLst/>
+          </a:prstGeom>
+          <a:noFill/>
+          <a:ln>
+            <a:noFill/>
+          </a:ln>
+        </p:spPr>
+      </p:pic>
+      <p:pic>
+        <p:nvPicPr>
+          <p:cNvPr id="132" name="Google Shape;132;p22"/>
+          <p:cNvPicPr preferRelativeResize="0"/>
+          <p:nvPr/>
+        </p:nvPicPr>
+        <p:blipFill>
+          <a:blip r:embed="rId5">
+            <a:alphaModFix/>
+          </a:blip>
+          <a:stretch>
+            <a:fillRect/>
+          </a:stretch>
+        </p:blipFill>
+        <p:spPr>
+          <a:xfrm>
+            <a:off x="1409225" y="2896500"/>
+            <a:ext cx="2095500" cy="1047750"/>
+          </a:xfrm>
+          <a:prstGeom prst="rect">
+            <a:avLst/>
+          </a:prstGeom>
+          <a:noFill/>
+          <a:ln>
+            <a:noFill/>
+          </a:ln>
+        </p:spPr>
+      </p:pic>
+      <p:pic>
+        <p:nvPicPr>
+          <p:cNvPr id="133" name="Google Shape;133;p22"/>
+          <p:cNvPicPr preferRelativeResize="0"/>
+          <p:nvPr/>
+        </p:nvPicPr>
+        <p:blipFill>
+          <a:blip r:embed="rId6">
+            <a:alphaModFix/>
+          </a:blip>
+          <a:stretch>
+            <a:fillRect/>
+          </a:stretch>
+        </p:blipFill>
+        <p:spPr>
+          <a:xfrm>
+            <a:off x="3370925" y="2762250"/>
+            <a:ext cx="1143000" cy="2381250"/>
+          </a:xfrm>
+          <a:prstGeom prst="rect">
+            <a:avLst/>
+          </a:prstGeom>
+          <a:noFill/>
+          <a:ln>
+            <a:noFill/>
+          </a:ln>
+        </p:spPr>
+      </p:pic>
+      <p:pic>
+        <p:nvPicPr>
+          <p:cNvPr id="134" name="Google Shape;134;p22"/>
+          <p:cNvPicPr preferRelativeResize="0"/>
+          <p:nvPr/>
+        </p:nvPicPr>
+        <p:blipFill>
+          <a:blip r:embed="rId7">
+            <a:alphaModFix/>
+          </a:blip>
+          <a:stretch>
+            <a:fillRect/>
+          </a:stretch>
+        </p:blipFill>
+        <p:spPr>
+          <a:xfrm>
+            <a:off x="4375675" y="2762250"/>
+            <a:ext cx="2381250" cy="2381250"/>
+          </a:xfrm>
+          <a:prstGeom prst="rect">
+            <a:avLst/>
+          </a:prstGeom>
+          <a:noFill/>
+          <a:ln>
+            <a:noFill/>
+          </a:ln>
+        </p:spPr>
+      </p:pic>
+      <p:cxnSp>
+        <p:nvCxnSpPr>
+          <p:cNvPr id="135" name="Google Shape;135;p22"/>
+          <p:cNvCxnSpPr/>
+          <p:nvPr/>
+        </p:nvCxnSpPr>
+        <p:spPr>
+          <a:xfrm>
+            <a:off x="3454950" y="2813025"/>
+            <a:ext cx="12600" cy="2279700"/>
+          </a:xfrm>
+          <a:prstGeom prst="straightConnector1">
+            <a:avLst/>
+          </a:prstGeom>
+          <a:noFill/>
+          <a:ln cap="flat" cmpd="sng" w="9525">
+            <a:solidFill>
+              <a:schemeClr val="dk2"/>
+            </a:solidFill>
+            <a:prstDash val="solid"/>
+            <a:round/>
+            <a:headEnd len="med" w="med" type="none"/>
+            <a:tailEnd len="med" w="med" type="none"/>
+          </a:ln>
+        </p:spPr>
+      </p:cxnSp>
+      <p:cxnSp>
+        <p:nvCxnSpPr>
+          <p:cNvPr id="136" name="Google Shape;136;p22"/>
+          <p:cNvCxnSpPr/>
+          <p:nvPr/>
+        </p:nvCxnSpPr>
+        <p:spPr>
+          <a:xfrm>
+            <a:off x="4513925" y="2813025"/>
+            <a:ext cx="12600" cy="2279700"/>
+          </a:xfrm>
+          <a:prstGeom prst="straightConnector1">
+            <a:avLst/>
+          </a:prstGeom>
+          <a:noFill/>
+          <a:ln cap="flat" cmpd="sng" w="9525">
+            <a:solidFill>
+              <a:schemeClr val="dk2"/>
+            </a:solidFill>
+            <a:prstDash val="solid"/>
+            <a:round/>
+            <a:headEnd len="med" w="med" type="none"/>
+            <a:tailEnd len="med" w="med" type="none"/>
+          </a:ln>
+        </p:spPr>
+      </p:cxnSp>
+      <p:cxnSp>
+        <p:nvCxnSpPr>
+          <p:cNvPr id="137" name="Google Shape;137;p22"/>
+          <p:cNvCxnSpPr/>
+          <p:nvPr/>
+        </p:nvCxnSpPr>
+        <p:spPr>
+          <a:xfrm>
+            <a:off x="1409225" y="2813025"/>
+            <a:ext cx="12600" cy="2279700"/>
+          </a:xfrm>
+          <a:prstGeom prst="straightConnector1">
+            <a:avLst/>
+          </a:prstGeom>
+          <a:noFill/>
+          <a:ln cap="flat" cmpd="sng" w="9525">
+            <a:solidFill>
+              <a:schemeClr val="dk2"/>
+            </a:solidFill>
+            <a:prstDash val="solid"/>
+            <a:round/>
+            <a:headEnd len="med" w="med" type="none"/>
+            <a:tailEnd len="med" w="med" type="none"/>
+          </a:ln>
+        </p:spPr>
+      </p:cxnSp>
+      <p:cxnSp>
+        <p:nvCxnSpPr>
+          <p:cNvPr id="138" name="Google Shape;138;p22"/>
+          <p:cNvCxnSpPr/>
+          <p:nvPr/>
+        </p:nvCxnSpPr>
+        <p:spPr>
+          <a:xfrm>
+            <a:off x="6682575" y="2813025"/>
+            <a:ext cx="12600" cy="2279700"/>
+          </a:xfrm>
+          <a:prstGeom prst="straightConnector1">
+            <a:avLst/>
+          </a:prstGeom>
+          <a:noFill/>
+          <a:ln cap="flat" cmpd="sng" w="9525">
+            <a:solidFill>
+              <a:schemeClr val="dk2"/>
+            </a:solidFill>
+            <a:prstDash val="solid"/>
+            <a:round/>
+            <a:headEnd len="med" w="med" type="none"/>
+            <a:tailEnd len="med" w="med" type="none"/>
+          </a:ln>
+        </p:spPr>
+      </p:cxnSp>
+    </p:spTree>
+  </p:cSld>
+  <p:clrMapOvr>
+    <a:masterClrMapping/>
+  </p:clrMapOvr>
+  <p:timing>
+    <p:tnLst>
+      <p:par>
+        <p:cTn dur="indefinite" nodeType="tmRoot" restart="never">
+          <p:childTnLst>
+            <p:seq concurrent="1" nextAc="seek">
+              <p:cTn dur="indefinite" id="2" nodeType="mainSeq">
+                <p:childTnLst>
+                  <p:par>
+                    <p:cTn fill="hold">
+                      <p:stCondLst>
+                        <p:cond delay="indefinite"/>
+                      </p:stCondLst>
+                      <p:childTnLst>
+                        <p:par>
+                          <p:cTn fill="hold">
+                            <p:stCondLst>
+                              <p:cond delay="0"/>
+                            </p:stCondLst>
+                            <p:childTnLst>
+                              <p:par>
+                                <p:cTn fill="hold" nodeType="clickEffect" presetClass="entr" presetID="10" presetSubtype="0">
+                                  <p:stCondLst>
+                                    <p:cond delay="0"/>
+                                  </p:stCondLst>
+                                  <p:childTnLst>
+                                    <p:set>
+                                      <p:cBhvr>
+                                        <p:cTn dur="1" fill="hold">
+                                          <p:stCondLst>
+                                            <p:cond delay="0"/>
+                                          </p:stCondLst>
+                                        </p:cTn>
+                                        <p:tgtEl>
+                                          <p:spTgt spid="130">
+                                            <p:txEl>
+                                              <p:pRg end="0" st="0"/>
+                                            </p:txEl>
+                                          </p:spTgt>
+                                        </p:tgtEl>
+                                        <p:attrNameLst>
+                                          <p:attrName>style.visibility</p:attrName>
+                                        </p:attrNameLst>
+                                      </p:cBhvr>
+                                      <p:to>
+                                        <p:strVal val="visible"/>
+                                      </p:to>
+                                    </p:set>
+                                    <p:animEffect filter="fade" transition="in">
+                                      <p:cBhvr>
+                                        <p:cTn dur="1000"/>
+                                        <p:tgtEl>
+                                          <p:spTgt spid="130">
+                                            <p:txEl>
+                                              <p:pRg end="0" st="0"/>
+                                            </p:txEl>
+                                          </p:spTgt>
+                                        </p:tgtEl>
+                                      </p:cBhvr>
+                                    </p:animEffect>
+                                  </p:childTnLst>
+                                </p:cTn>
+                              </p:par>
+                            </p:childTnLst>
+                          </p:cTn>
+                        </p:par>
+                      </p:childTnLst>
+                    </p:cTn>
+                  </p:par>
+                  <p:par>
+                    <p:cTn fill="hold">
+                      <p:stCondLst>
+                        <p:cond delay="indefinite"/>
+                      </p:stCondLst>
+                      <p:childTnLst>
+                        <p:par>
+                          <p:cTn fill="hold">
+                            <p:stCondLst>
+                              <p:cond delay="0"/>
+                            </p:stCondLst>
+                            <p:childTnLst>
+                              <p:par>
+                                <p:cTn fill="hold" nodeType="clickEffect" presetClass="entr" presetID="10" presetSubtype="0">
+                                  <p:stCondLst>
+                                    <p:cond delay="0"/>
+                                  </p:stCondLst>
+                                  <p:childTnLst>
+                                    <p:set>
+                                      <p:cBhvr>
+                                        <p:cTn dur="1" fill="hold">
+                                          <p:stCondLst>
+                                            <p:cond delay="0"/>
+                                          </p:stCondLst>
+                                        </p:cTn>
+                                        <p:tgtEl>
+                                          <p:spTgt spid="130">
+                                            <p:txEl>
+                                              <p:pRg end="1" st="1"/>
+                                            </p:txEl>
+                                          </p:spTgt>
+                                        </p:tgtEl>
+                                        <p:attrNameLst>
+                                          <p:attrName>style.visibility</p:attrName>
+                                        </p:attrNameLst>
+                                      </p:cBhvr>
+                                      <p:to>
+                                        <p:strVal val="visible"/>
+                                      </p:to>
+                                    </p:set>
+                                    <p:animEffect filter="fade" transition="in">
+                                      <p:cBhvr>
+                                        <p:cTn dur="1000"/>
+                                        <p:tgtEl>
+                                          <p:spTgt spid="130">
+                                            <p:txEl>
+                                              <p:pRg end="1" st="1"/>
+                                            </p:txEl>
+                                          </p:spTgt>
+                                        </p:tgtEl>
+                                      </p:cBhvr>
+                                    </p:animEffect>
+                                  </p:childTnLst>
+                                </p:cTn>
+                              </p:par>
+                            </p:childTnLst>
+                          </p:cTn>
+                        </p:par>
+                      </p:childTnLst>
+                    </p:cTn>
+                  </p:par>
+                  <p:par>
+                    <p:cTn fill="hold">
+                      <p:stCondLst>
+                        <p:cond delay="indefinite"/>
+                      </p:stCondLst>
+                      <p:childTnLst>
+                        <p:par>
+                          <p:cTn fill="hold">
+                            <p:stCondLst>
+                              <p:cond delay="0"/>
+                            </p:stCondLst>
+                            <p:childTnLst>
+                              <p:par>
+                                <p:cTn fill="hold" nodeType="clickEffect" presetClass="entr" presetID="10" presetSubtype="0">
+                                  <p:stCondLst>
+                                    <p:cond delay="0"/>
+                                  </p:stCondLst>
+                                  <p:childTnLst>
+                                    <p:set>
+                                      <p:cBhvr>
+                                        <p:cTn dur="1" fill="hold">
+                                          <p:stCondLst>
+                                            <p:cond delay="0"/>
+                                          </p:stCondLst>
+                                        </p:cTn>
+                                        <p:tgtEl>
+                                          <p:spTgt spid="130">
+                                            <p:txEl>
+                                              <p:pRg end="2" st="2"/>
+                                            </p:txEl>
+                                          </p:spTgt>
+                                        </p:tgtEl>
+                                        <p:attrNameLst>
+                                          <p:attrName>style.visibility</p:attrName>
+                                        </p:attrNameLst>
+                                      </p:cBhvr>
+                                      <p:to>
+                                        <p:strVal val="visible"/>
+                                      </p:to>
+                                    </p:set>
+                                    <p:animEffect filter="fade" transition="in">
+                                      <p:cBhvr>
+                                        <p:cTn dur="1000"/>
+                                        <p:tgtEl>
+                                          <p:spTgt spid="130">
+                                            <p:txEl>
+                                              <p:pRg end="2" st="2"/>
+                                            </p:txEl>
+                                          </p:spTgt>
+                                        </p:tgtEl>
+                                      </p:cBhvr>
+                                    </p:animEffect>
+                                  </p:childTnLst>
+                                </p:cTn>
+                              </p:par>
+                            </p:childTnLst>
+                          </p:cTn>
+                        </p:par>
+                      </p:childTnLst>
+                    </p:cTn>
+                  </p:par>
+                  <p:par>
+                    <p:cTn fill="hold">
+                      <p:stCondLst>
+                        <p:cond delay="indefinite"/>
+                      </p:stCondLst>
+                      <p:childTnLst>
+                        <p:par>
+                          <p:cTn fill="hold">
+                            <p:stCondLst>
+                              <p:cond delay="0"/>
+                            </p:stCondLst>
+                            <p:childTnLst>
+                              <p:par>
+                                <p:cTn fill="hold" nodeType="clickEffect" presetClass="entr" presetID="10" presetSubtype="0">
+                                  <p:stCondLst>
+                                    <p:cond delay="0"/>
+                                  </p:stCondLst>
+                                  <p:childTnLst>
+                                    <p:set>
+                                      <p:cBhvr>
+                                        <p:cTn dur="1" fill="hold">
+                                          <p:stCondLst>
+                                            <p:cond delay="0"/>
+                                          </p:stCondLst>
+                                        </p:cTn>
+                                        <p:tgtEl>
+                                          <p:spTgt spid="130">
+                                            <p:txEl>
+                                              <p:pRg end="3" st="3"/>
+                                            </p:txEl>
+                                          </p:spTgt>
+                                        </p:tgtEl>
+                                        <p:attrNameLst>
+                                          <p:attrName>style.visibility</p:attrName>
+                                        </p:attrNameLst>
+                                      </p:cBhvr>
+                                      <p:to>
+                                        <p:strVal val="visible"/>
+                                      </p:to>
+                                    </p:set>
+                                    <p:animEffect filter="fade" transition="in">
+                                      <p:cBhvr>
+                                        <p:cTn dur="1000"/>
+                                        <p:tgtEl>
+                                          <p:spTgt spid="130">
+                                            <p:txEl>
+                                              <p:pRg end="3" st="3"/>
+                                            </p:txEl>
+                                          </p:spTgt>
+                                        </p:tgtEl>
+                                      </p:cBhvr>
+                                    </p:animEffect>
+                                  </p:childTnLst>
+                                </p:cTn>
+                              </p:par>
+                            </p:childTnLst>
+                          </p:cTn>
+                        </p:par>
+                      </p:childTnLst>
+                    </p:cTn>
+                  </p:par>
+                  <p:par>
+                    <p:cTn fill="hold">
+                      <p:stCondLst>
+                        <p:cond delay="indefinite"/>
+                      </p:stCondLst>
+                      <p:childTnLst>
+                        <p:par>
+                          <p:cTn fill="hold">
+                            <p:stCondLst>
+                              <p:cond delay="0"/>
+                            </p:stCondLst>
+                            <p:childTnLst>
+                              <p:par>
+                                <p:cTn fill="hold" nodeType="clickEffect" presetClass="entr" presetID="10" presetSubtype="0">
+                                  <p:stCondLst>
+                                    <p:cond delay="0"/>
+                                  </p:stCondLst>
+                                  <p:childTnLst>
+                                    <p:set>
+                                      <p:cBhvr>
+                                        <p:cTn dur="1" fill="hold">
+                                          <p:stCondLst>
+                                            <p:cond delay="0"/>
+                                          </p:stCondLst>
+                                        </p:cTn>
+                                        <p:tgtEl>
+                                          <p:spTgt spid="130">
+                                            <p:txEl>
+                                              <p:pRg end="4" st="4"/>
+                                            </p:txEl>
+                                          </p:spTgt>
+                                        </p:tgtEl>
+                                        <p:attrNameLst>
+                                          <p:attrName>style.visibility</p:attrName>
+                                        </p:attrNameLst>
+                                      </p:cBhvr>
+                                      <p:to>
+                                        <p:strVal val="visible"/>
+                                      </p:to>
+                                    </p:set>
+                                    <p:animEffect filter="fade" transition="in">
+                                      <p:cBhvr>
+                                        <p:cTn dur="1000"/>
+                                        <p:tgtEl>
+                                          <p:spTgt spid="130">
+                                            <p:txEl>
+                                              <p:pRg end="4" st="4"/>
+                                            </p:txEl>
+                                          </p:spTgt>
+                                        </p:tgtEl>
+                                      </p:cBhvr>
+                                    </p:animEffect>
+                                  </p:childTnLst>
+                                </p:cTn>
+                              </p:par>
+                            </p:childTnLst>
+                          </p:cTn>
+                        </p:par>
+                      </p:childTnLst>
+                    </p:cTn>
+                  </p:par>
+                  <p:par>
+                    <p:cTn fill="hold">
+                      <p:stCondLst>
+                        <p:cond delay="indefinite"/>
+                      </p:stCondLst>
+                      <p:childTnLst>
+                        <p:par>
+                          <p:cTn fill="hold">
+                            <p:stCondLst>
+                              <p:cond delay="0"/>
+                            </p:stCondLst>
+                            <p:childTnLst>
+                              <p:par>
+                                <p:cTn fill="hold" nodeType="clickEffect" presetClass="entr" presetID="10" presetSubtype="0">
+                                  <p:stCondLst>
+                                    <p:cond delay="0"/>
+                                  </p:stCondLst>
+                                  <p:childTnLst>
+                                    <p:set>
+                                      <p:cBhvr>
+                                        <p:cTn dur="1" fill="hold">
+                                          <p:stCondLst>
+                                            <p:cond delay="0"/>
+                                          </p:stCondLst>
+                                        </p:cTn>
+                                        <p:tgtEl>
+                                          <p:spTgt spid="130">
+                                            <p:txEl>
+                                              <p:pRg end="5" st="5"/>
+                                            </p:txEl>
+                                          </p:spTgt>
+                                        </p:tgtEl>
+                                        <p:attrNameLst>
+                                          <p:attrName>style.visibility</p:attrName>
+                                        </p:attrNameLst>
+                                      </p:cBhvr>
+                                      <p:to>
+                                        <p:strVal val="visible"/>
+                                      </p:to>
+                                    </p:set>
+                                    <p:animEffect filter="fade" transition="in">
+                                      <p:cBhvr>
+                                        <p:cTn dur="1000"/>
+                                        <p:tgtEl>
+                                          <p:spTgt spid="130">
+                                            <p:txEl>
+                                              <p:pRg end="5" st="5"/>
+                                            </p:txEl>
+                                          </p:spTgt>
+                                        </p:tgtEl>
+                                      </p:cBhvr>
+                                    </p:animEffect>
+                                  </p:childTnLst>
+                                </p:cTn>
+                              </p:par>
+                            </p:childTnLst>
+                          </p:cTn>
+                        </p:par>
+                      </p:childTnLst>
+                    </p:cTn>
+                  </p:par>
+                  <p:par>
+                    <p:cTn fill="hold">
+                      <p:stCondLst>
+                        <p:cond delay="indefinite"/>
+                      </p:stCondLst>
+                      <p:childTnLst>
+                        <p:par>
+                          <p:cTn fill="hold">
+                            <p:stCondLst>
+                              <p:cond delay="0"/>
+                            </p:stCondLst>
+                            <p:childTnLst>
+                              <p:par>
+                                <p:cTn fill="hold" nodeType="clickEffect" presetClass="entr" presetID="10" presetSubtype="0">
+                                  <p:stCondLst>
+                                    <p:cond delay="0"/>
+                                  </p:stCondLst>
+                                  <p:childTnLst>
+                                    <p:set>
+                                      <p:cBhvr>
+                                        <p:cTn dur="1" fill="hold">
+                                          <p:stCondLst>
+                                            <p:cond delay="0"/>
+                                          </p:stCondLst>
+                                        </p:cTn>
+                                        <p:tgtEl>
+                                          <p:spTgt spid="130">
+                                            <p:txEl>
+                                              <p:pRg end="6" st="6"/>
+                                            </p:txEl>
+                                          </p:spTgt>
+                                        </p:tgtEl>
+                                        <p:attrNameLst>
+                                          <p:attrName>style.visibility</p:attrName>
+                                        </p:attrNameLst>
+                                      </p:cBhvr>
+                                      <p:to>
+                                        <p:strVal val="visible"/>
+                                      </p:to>
+                                    </p:set>
+                                    <p:animEffect filter="fade" transition="in">
+                                      <p:cBhvr>
+                                        <p:cTn dur="1000"/>
+                                        <p:tgtEl>
+                                          <p:spTgt spid="130">
+                                            <p:txEl>
+                                              <p:pRg end="6" st="6"/>
+                                            </p:txEl>
+                                          </p:spTgt>
+                                        </p:tgtEl>
+                                      </p:cBhvr>
+                                    </p:animEffect>
+                                  </p:childTnLst>
+                                </p:cTn>
+                              </p:par>
+                            </p:childTnLst>
+                          </p:cTn>
+                        </p:par>
+                      </p:childTnLst>
+                    </p:cTn>
+                  </p:par>
+                  <p:par>
+                    <p:cTn fill="hold">
+                      <p:stCondLst>
+                        <p:cond delay="indefinite"/>
+                      </p:stCondLst>
+                      <p:childTnLst>
+                        <p:par>
+                          <p:cTn fill="hold">
+                            <p:stCondLst>
+                              <p:cond delay="0"/>
+                            </p:stCondLst>
+                            <p:childTnLst>
+                              <p:par>
+                                <p:cTn fill="hold" nodeType="clickEffect" presetClass="entr" presetID="10" presetSubtype="0">
+                                  <p:stCondLst>
+                                    <p:cond delay="0"/>
+                                  </p:stCondLst>
+                                  <p:childTnLst>
+                                    <p:set>
+                                      <p:cBhvr>
+                                        <p:cTn dur="1" fill="hold">
+                                          <p:stCondLst>
+                                            <p:cond delay="0"/>
+                                          </p:stCondLst>
+                                        </p:cTn>
+                                        <p:tgtEl>
+                                          <p:spTgt spid="131"/>
+                                        </p:tgtEl>
+                                        <p:attrNameLst>
+                                          <p:attrName>style.visibility</p:attrName>
+                                        </p:attrNameLst>
+                                      </p:cBhvr>
+                                      <p:to>
+                                        <p:strVal val="visible"/>
+                                      </p:to>
+                                    </p:set>
+                                    <p:animEffect filter="fade" transition="in">
+                                      <p:cBhvr>
+                                        <p:cTn dur="1000"/>
+                                        <p:tgtEl>
+                                          <p:spTgt spid="131"/>
+                                        </p:tgtEl>
+                                      </p:cBhvr>
+                                    </p:animEffect>
+                                  </p:childTnLst>
+                                </p:cTn>
+                              </p:par>
+                              <p:par>
+                                <p:cTn fill="hold" nodeType="withEffect" presetClass="entr" presetID="10" presetSubtype="0">
+                                  <p:stCondLst>
+                                    <p:cond delay="0"/>
+                                  </p:stCondLst>
+                                  <p:childTnLst>
+                                    <p:set>
+                                      <p:cBhvr>
+                                        <p:cTn dur="1" fill="hold">
+                                          <p:stCondLst>
+                                            <p:cond delay="0"/>
+                                          </p:stCondLst>
+                                        </p:cTn>
+                                        <p:tgtEl>
+                                          <p:spTgt spid="137"/>
+                                        </p:tgtEl>
+                                        <p:attrNameLst>
+                                          <p:attrName>style.visibility</p:attrName>
+                                        </p:attrNameLst>
+                                      </p:cBhvr>
+                                      <p:to>
+                                        <p:strVal val="visible"/>
+                                      </p:to>
+                                    </p:set>
+                                    <p:animEffect filter="fade" transition="in">
+                                      <p:cBhvr>
+                                        <p:cTn dur="1000"/>
+                                        <p:tgtEl>
+                                          <p:spTgt spid="137"/>
+                                        </p:tgtEl>
+                                      </p:cBhvr>
+                                    </p:animEffect>
+                                  </p:childTnLst>
+                                </p:cTn>
+                              </p:par>
+                            </p:childTnLst>
+                          </p:cTn>
+                        </p:par>
+                      </p:childTnLst>
+                    </p:cTn>
+                  </p:par>
+                  <p:par>
+                    <p:cTn fill="hold">
+                      <p:stCondLst>
+                        <p:cond delay="indefinite"/>
+                      </p:stCondLst>
+                      <p:childTnLst>
+                        <p:par>
+                          <p:cTn fill="hold">
+                            <p:stCondLst>
+                              <p:cond delay="0"/>
+                            </p:stCondLst>
+                            <p:childTnLst>
+                              <p:par>
+                                <p:cTn fill="hold" nodeType="clickEffect" presetClass="entr" presetID="1" presetSubtype="0">
+                                  <p:stCondLst>
+                                    <p:cond delay="0"/>
+                                  </p:stCondLst>
+                                  <p:childTnLst>
+                                    <p:set>
+                                      <p:cBhvr>
+                                        <p:cTn dur="1" fill="hold">
+                                          <p:stCondLst>
+                                            <p:cond delay="0"/>
+                                          </p:stCondLst>
+                                        </p:cTn>
+                                        <p:tgtEl>
+                                          <p:spTgt spid="132"/>
+                                        </p:tgtEl>
+                                        <p:attrNameLst>
+                                          <p:attrName>style.visibility</p:attrName>
+                                        </p:attrNameLst>
+                                      </p:cBhvr>
+                                      <p:to>
+                                        <p:strVal val="visible"/>
+                                      </p:to>
+                                    </p:set>
+                                  </p:childTnLst>
+                                </p:cTn>
+                              </p:par>
+                              <p:par>
+                                <p:cTn fill="hold" nodeType="withEffect" presetClass="entr" presetID="1" presetSubtype="0">
+                                  <p:stCondLst>
+                                    <p:cond delay="0"/>
+                                  </p:stCondLst>
+                                  <p:childTnLst>
+                                    <p:set>
+                                      <p:cBhvr>
+                                        <p:cTn dur="1" fill="hold">
+                                          <p:stCondLst>
+                                            <p:cond delay="0"/>
+                                          </p:stCondLst>
+                                        </p:cTn>
+                                        <p:tgtEl>
+                                          <p:spTgt spid="135"/>
+                                        </p:tgtEl>
+                                        <p:attrNameLst>
+                                          <p:attrName>style.visibility</p:attrName>
+                                        </p:attrNameLst>
+                                      </p:cBhvr>
+                                      <p:to>
+                                        <p:strVal val="visible"/>
+                                      </p:to>
+                                    </p:set>
+                                  </p:childTnLst>
+                                </p:cTn>
+                              </p:par>
+                            </p:childTnLst>
+                          </p:cTn>
+                        </p:par>
+                      </p:childTnLst>
+                    </p:cTn>
+                  </p:par>
+                  <p:par>
+                    <p:cTn fill="hold">
+                      <p:stCondLst>
+                        <p:cond delay="indefinite"/>
+                      </p:stCondLst>
+                      <p:childTnLst>
+                        <p:par>
+                          <p:cTn fill="hold">
+                            <p:stCondLst>
+                              <p:cond delay="0"/>
+                            </p:stCondLst>
+                            <p:childTnLst>
+                              <p:par>
+                                <p:cTn fill="hold" nodeType="clickEffect" presetClass="entr" presetID="10" presetSubtype="0">
+                                  <p:stCondLst>
+                                    <p:cond delay="0"/>
+                                  </p:stCondLst>
+                                  <p:childTnLst>
+                                    <p:set>
+                                      <p:cBhvr>
+                                        <p:cTn dur="1" fill="hold">
+                                          <p:stCondLst>
+                                            <p:cond delay="0"/>
+                                          </p:stCondLst>
+                                        </p:cTn>
+                                        <p:tgtEl>
+                                          <p:spTgt spid="133"/>
+                                        </p:tgtEl>
+                                        <p:attrNameLst>
+                                          <p:attrName>style.visibility</p:attrName>
+                                        </p:attrNameLst>
+                                      </p:cBhvr>
+                                      <p:to>
+                                        <p:strVal val="visible"/>
+                                      </p:to>
+                                    </p:set>
+                                    <p:animEffect filter="fade" transition="in">
+                                      <p:cBhvr>
+                                        <p:cTn dur="1000"/>
+                                        <p:tgtEl>
+                                          <p:spTgt spid="133"/>
+                                        </p:tgtEl>
+                                      </p:cBhvr>
+                                    </p:animEffect>
+                                  </p:childTnLst>
+                                </p:cTn>
+                              </p:par>
+                              <p:par>
+                                <p:cTn fill="hold" nodeType="withEffect" presetClass="entr" presetID="10" presetSubtype="0">
+                                  <p:stCondLst>
+                                    <p:cond delay="0"/>
+                                  </p:stCondLst>
+                                  <p:childTnLst>
+                                    <p:set>
+                                      <p:cBhvr>
+                                        <p:cTn dur="1" fill="hold">
+                                          <p:stCondLst>
+                                            <p:cond delay="0"/>
+                                          </p:stCondLst>
+                                        </p:cTn>
+                                        <p:tgtEl>
+                                          <p:spTgt spid="136"/>
+                                        </p:tgtEl>
+                                        <p:attrNameLst>
+                                          <p:attrName>style.visibility</p:attrName>
+                                        </p:attrNameLst>
+                                      </p:cBhvr>
+                                      <p:to>
+                                        <p:strVal val="visible"/>
+                                      </p:to>
+                                    </p:set>
+                                    <p:animEffect filter="fade" transition="in">
+                                      <p:cBhvr>
+                                        <p:cTn dur="1000"/>
+                                        <p:tgtEl>
+                                          <p:spTgt spid="136"/>
+                                        </p:tgtEl>
+                                      </p:cBhvr>
+                                    </p:animEffect>
+                                  </p:childTnLst>
+                                </p:cTn>
+                              </p:par>
+                            </p:childTnLst>
+                          </p:cTn>
+                        </p:par>
+                      </p:childTnLst>
+                    </p:cTn>
+                  </p:par>
+                  <p:par>
+                    <p:cTn fill="hold">
+                      <p:stCondLst>
+                        <p:cond delay="indefinite"/>
+                      </p:stCondLst>
+                      <p:childTnLst>
+                        <p:par>
+                          <p:cTn fill="hold">
+                            <p:stCondLst>
+                              <p:cond delay="0"/>
+                            </p:stCondLst>
+                            <p:childTnLst>
+                              <p:par>
+                                <p:cTn fill="hold" nodeType="clickEffect" presetClass="entr" presetID="1" presetSubtype="0">
+                                  <p:stCondLst>
+                                    <p:cond delay="0"/>
+                                  </p:stCondLst>
+                                  <p:childTnLst>
+                                    <p:set>
+                                      <p:cBhvr>
+                                        <p:cTn dur="1" fill="hold">
+                                          <p:stCondLst>
+                                            <p:cond delay="0"/>
+                                          </p:stCondLst>
+                                        </p:cTn>
+                                        <p:tgtEl>
+                                          <p:spTgt spid="134"/>
+                                        </p:tgtEl>
+                                        <p:attrNameLst>
+                                          <p:attrName>style.visibility</p:attrName>
+                                        </p:attrNameLst>
+                                      </p:cBhvr>
+                                      <p:to>
+                                        <p:strVal val="visible"/>
+                                      </p:to>
+                                    </p:set>
+                                  </p:childTnLst>
+                                </p:cTn>
+                              </p:par>
+                              <p:par>
+                                <p:cTn fill="hold" nodeType="withEffect" presetClass="entr" presetID="1" presetSubtype="0">
+                                  <p:stCondLst>
+                                    <p:cond delay="0"/>
+                                  </p:stCondLst>
+                                  <p:childTnLst>
+                                    <p:set>
+                                      <p:cBhvr>
+                                        <p:cTn dur="1" fill="hold">
+                                          <p:stCondLst>
+                                            <p:cond delay="0"/>
+                                          </p:stCondLst>
+                                        </p:cTn>
+                                        <p:tgtEl>
+                                          <p:spTgt spid="138"/>
+                                        </p:tgtEl>
+                                        <p:attrNameLst>
+                                          <p:attrName>style.visibility</p:attrName>
+                                        </p:attrNameLst>
+                                      </p:cBhvr>
+                                      <p:to>
+                                        <p:strVal val="visible"/>
+                                      </p:to>
+                                    </p:set>
+                                  </p:childTnLst>
+                                </p:cTn>
+                              </p:par>
+                            </p:childTnLst>
+                          </p:cTn>
+                        </p:par>
+                      </p:childTnLst>
+                    </p:cTn>
+                  </p:par>
+                  <p:par>
+                    <p:cTn fill="hold">
+                      <p:stCondLst>
+                        <p:cond delay="indefinite"/>
+                      </p:stCondLst>
+                      <p:childTnLst>
+                        <p:par>
+                          <p:cTn fill="hold">
+                            <p:stCondLst>
+                              <p:cond delay="0"/>
+                            </p:stCondLst>
+                            <p:childTnLst>
+                              <p:par>
+                                <p:cTn fill="hold" nodeType="clickEffect" presetClass="entr" presetID="10" presetSubtype="0">
+                                  <p:stCondLst>
+                                    <p:cond delay="0"/>
+                                  </p:stCondLst>
+                                  <p:childTnLst>
+                                    <p:set>
+                                      <p:cBhvr>
+                                        <p:cTn dur="1" fill="hold">
+                                          <p:stCondLst>
+                                            <p:cond delay="0"/>
+                                          </p:stCondLst>
+                                        </p:cTn>
+                                        <p:tgtEl>
+                                          <p:spTgt spid="128"/>
+                                        </p:tgtEl>
+                                        <p:attrNameLst>
+                                          <p:attrName>style.visibility</p:attrName>
+                                        </p:attrNameLst>
+                                      </p:cBhvr>
+                                      <p:to>
+                                        <p:strVal val="visible"/>
+                                      </p:to>
+                                    </p:set>
+                                    <p:animEffect filter="fade" transition="in">
+                                      <p:cBhvr>
+                                        <p:cTn dur="1000"/>
+                                        <p:tgtEl>
+                                          <p:spTgt spid="128"/>
+                                        </p:tgtEl>
+                                      </p:cBhvr>
+                                    </p:animEffect>
+                                  </p:childTnLst>
+                                </p:cTn>
+                              </p:par>
+                            </p:childTnLst>
+                          </p:cTn>
+                        </p:par>
+                      </p:childTnLst>
+                    </p:cTn>
+                  </p:par>
+                </p:childTnLst>
+              </p:cTn>
+              <p:prevCondLst>
+                <p:cond evt="onPrev">
+                  <p:tgtEl>
+                    <p:sldTgt/>
+                  </p:tgtEl>
+                </p:cond>
+              </p:prevCondLst>
+              <p:nextCondLst>
+                <p:cond evt="onNext">
+                  <p:tgtEl>
+                    <p:sldTgt/>
+                  </p:tgtEl>
+                </p:cond>
+              </p:nextCondLst>
+            </p:seq>
+          </p:childTnLst>
+        </p:cTn>
+      </p:par>
+    </p:tnLst>
+  </p:timing>
+</p:sld>
+</file>
+
+<file path=ppt/slides/slide11.xml><?xml version="1.0" encoding="utf-8"?>
+<p:sld xmlns:a="http://schemas.openxmlformats.org/drawingml/2006/main" xmlns:r="http://schemas.openxmlformats.org/officeDocument/2006/relationships" xmlns:mc="http://schemas.openxmlformats.org/markup-compatibility/2006" xmlns:mv="urn:schemas-microsoft-com:mac:vml" xmlns:p="http://schemas.openxmlformats.org/presentationml/2006/main" xmlns:c="http://schemas.openxmlformats.org/drawingml/2006/chart" xmlns:dgm="http://schemas.openxmlformats.org/drawingml/2006/diagram" xmlns:o="urn:schemas-microsoft-com:office:office" xmlns:v="urn:schemas-microsoft-com:vml" xmlns:pvml="urn:schemas-microsoft-com:office:powerpoint" xmlns:com="http://schemas.openxmlformats.org/drawingml/2006/compatibility" xmlns:p14="http://schemas.microsoft.com/office/powerpoint/2010/main" xmlns:p15="http://schemas.microsoft.com/office/powerpoint/2012/main">
+  <p:cSld>
+    <p:spTree>
+      <p:nvGrpSpPr>
+        <p:cNvPr id="142" name="Shape 142"/>
         <p:cNvGrpSpPr/>
         <p:nvPr/>
       </p:nvGrpSpPr>
@@ -7770,7 +9160,498 @@
       </p:grpSpPr>
       <p:sp>
         <p:nvSpPr>
-          <p:cNvPr id="133" name="Google Shape;133;p22"/>
+          <p:cNvPr id="143" name="Google Shape;143;p23"/>
+          <p:cNvSpPr txBox="1"/>
+          <p:nvPr>
+            <p:ph type="title"/>
+          </p:nvPr>
+        </p:nvSpPr>
+        <p:spPr>
+          <a:xfrm>
+            <a:off x="311700" y="445025"/>
+            <a:ext cx="8520600" cy="572700"/>
+          </a:xfrm>
+          <a:prstGeom prst="rect">
+            <a:avLst/>
+          </a:prstGeom>
+        </p:spPr>
+        <p:txBody>
+          <a:bodyPr anchorCtr="0" anchor="t" bIns="91425" lIns="91425" spcFirstLastPara="1" rIns="91425" wrap="square" tIns="91425">
+            <a:noAutofit/>
+          </a:bodyPr>
+          <a:lstStyle/>
+          <a:p>
+            <a:pPr indent="0" lvl="0" marL="0" rtl="0" algn="l">
+              <a:spcBef>
+                <a:spcPts val="0"/>
+              </a:spcBef>
+              <a:spcAft>
+                <a:spcPts val="0"/>
+              </a:spcAft>
+              <a:buNone/>
+            </a:pPr>
+            <a:r>
+              <a:rPr lang="de"/>
+              <a:t>Binomial Heaps</a:t>
+            </a:r>
+            <a:endParaRPr/>
+          </a:p>
+        </p:txBody>
+      </p:sp>
+      <p:sp>
+        <p:nvSpPr>
+          <p:cNvPr id="144" name="Google Shape;144;p23"/>
+          <p:cNvSpPr txBox="1"/>
+          <p:nvPr>
+            <p:ph idx="1" type="body"/>
+          </p:nvPr>
+        </p:nvSpPr>
+        <p:spPr>
+          <a:xfrm>
+            <a:off x="231725" y="1152475"/>
+            <a:ext cx="8716200" cy="3416400"/>
+          </a:xfrm>
+          <a:prstGeom prst="rect">
+            <a:avLst/>
+          </a:prstGeom>
+        </p:spPr>
+        <p:txBody>
+          <a:bodyPr anchorCtr="0" anchor="t" bIns="91425" lIns="91425" spcFirstLastPara="1" rIns="91425" wrap="square" tIns="91425">
+            <a:noAutofit/>
+          </a:bodyPr>
+          <a:lstStyle/>
+          <a:p>
+            <a:pPr indent="-342900" lvl="0" marL="457200" rtl="0" algn="l">
+              <a:spcBef>
+                <a:spcPts val="0"/>
+              </a:spcBef>
+              <a:spcAft>
+                <a:spcPts val="0"/>
+              </a:spcAft>
+              <a:buSzPts val="1800"/>
+              <a:buChar char="➔"/>
+            </a:pPr>
+            <a:r>
+              <a:rPr lang="de"/>
+              <a:t>Beim entfernen eines Knotens, entstehen Bäume aus den restlichen Teilbäumen</a:t>
+            </a:r>
+            <a:endParaRPr/>
+          </a:p>
+          <a:p>
+            <a:pPr indent="-342900" lvl="0" marL="457200" rtl="0" algn="l">
+              <a:spcBef>
+                <a:spcPts val="0"/>
+              </a:spcBef>
+              <a:spcAft>
+                <a:spcPts val="0"/>
+              </a:spcAft>
+              <a:buSzPts val="1800"/>
+              <a:buChar char="➔"/>
+            </a:pPr>
+            <a:r>
+              <a:rPr lang="de"/>
+              <a:t>Das entfernen erfolgt mit der Operation ExtractMin / poll</a:t>
+            </a:r>
+            <a:endParaRPr/>
+          </a:p>
+          <a:p>
+            <a:pPr indent="-342900" lvl="0" marL="457200" rtl="0" algn="l">
+              <a:spcBef>
+                <a:spcPts val="0"/>
+              </a:spcBef>
+              <a:spcAft>
+                <a:spcPts val="0"/>
+              </a:spcAft>
+              <a:buSzPts val="1800"/>
+              <a:buChar char="➔"/>
+            </a:pPr>
+            <a:r>
+              <a:rPr lang="de"/>
+              <a:t>Binomial Heaps lassen sich auch binär darstellen</a:t>
+            </a:r>
+            <a:endParaRPr/>
+          </a:p>
+          <a:p>
+            <a:pPr indent="-342900" lvl="1" marL="914400" rtl="0" algn="l">
+              <a:spcBef>
+                <a:spcPts val="0"/>
+              </a:spcBef>
+              <a:spcAft>
+                <a:spcPts val="0"/>
+              </a:spcAft>
+              <a:buSzPts val="1800"/>
+              <a:buChar char="◆"/>
+            </a:pPr>
+            <a:r>
+              <a:rPr lang="de" sz="1800"/>
+              <a:t>Dafür stelle man die Anzahl der Knoten als Dualzahl da</a:t>
+            </a:r>
+            <a:endParaRPr/>
+          </a:p>
+        </p:txBody>
+      </p:sp>
+    </p:spTree>
+  </p:cSld>
+  <p:clrMapOvr>
+    <a:masterClrMapping/>
+  </p:clrMapOvr>
+  <p:timing>
+    <p:tnLst>
+      <p:par>
+        <p:cTn dur="indefinite" nodeType="tmRoot" restart="never">
+          <p:childTnLst>
+            <p:seq concurrent="1" nextAc="seek">
+              <p:cTn dur="indefinite" id="2" nodeType="mainSeq">
+                <p:childTnLst>
+                  <p:par>
+                    <p:cTn fill="hold">
+                      <p:stCondLst>
+                        <p:cond delay="indefinite"/>
+                      </p:stCondLst>
+                      <p:childTnLst>
+                        <p:par>
+                          <p:cTn fill="hold">
+                            <p:stCondLst>
+                              <p:cond delay="0"/>
+                            </p:stCondLst>
+                            <p:childTnLst>
+                              <p:par>
+                                <p:cTn fill="hold" nodeType="clickEffect" presetClass="entr" presetID="2" presetSubtype="8">
+                                  <p:stCondLst>
+                                    <p:cond delay="0"/>
+                                  </p:stCondLst>
+                                  <p:childTnLst>
+                                    <p:set>
+                                      <p:cBhvr>
+                                        <p:cTn dur="1" fill="hold">
+                                          <p:stCondLst>
+                                            <p:cond delay="0"/>
+                                          </p:stCondLst>
+                                        </p:cTn>
+                                        <p:tgtEl>
+                                          <p:spTgt spid="144">
+                                            <p:txEl>
+                                              <p:pRg end="0" st="0"/>
+                                            </p:txEl>
+                                          </p:spTgt>
+                                        </p:tgtEl>
+                                        <p:attrNameLst>
+                                          <p:attrName>style.visibility</p:attrName>
+                                        </p:attrNameLst>
+                                      </p:cBhvr>
+                                      <p:to>
+                                        <p:strVal val="visible"/>
+                                      </p:to>
+                                    </p:set>
+                                    <p:anim calcmode="lin" valueType="num">
+                                      <p:cBhvr additive="base">
+                                        <p:cTn dur="1000"/>
+                                        <p:tgtEl>
+                                          <p:spTgt spid="144">
+                                            <p:txEl>
+                                              <p:pRg end="0" st="0"/>
+                                            </p:txEl>
+                                          </p:spTgt>
+                                        </p:tgtEl>
+                                        <p:attrNameLst>
+                                          <p:attrName>ppt_x</p:attrName>
+                                        </p:attrNameLst>
+                                      </p:cBhvr>
+                                      <p:tavLst>
+                                        <p:tav fmla="" tm="0">
+                                          <p:val>
+                                            <p:strVal val="#ppt_x-1"/>
+                                          </p:val>
+                                        </p:tav>
+                                        <p:tav fmla="" tm="100000">
+                                          <p:val>
+                                            <p:strVal val="#ppt_x"/>
+                                          </p:val>
+                                        </p:tav>
+                                      </p:tavLst>
+                                    </p:anim>
+                                  </p:childTnLst>
+                                </p:cTn>
+                              </p:par>
+                            </p:childTnLst>
+                          </p:cTn>
+                        </p:par>
+                      </p:childTnLst>
+                    </p:cTn>
+                  </p:par>
+                  <p:par>
+                    <p:cTn fill="hold">
+                      <p:stCondLst>
+                        <p:cond delay="indefinite"/>
+                      </p:stCondLst>
+                      <p:childTnLst>
+                        <p:par>
+                          <p:cTn fill="hold">
+                            <p:stCondLst>
+                              <p:cond delay="0"/>
+                            </p:stCondLst>
+                            <p:childTnLst>
+                              <p:par>
+                                <p:cTn fill="hold" nodeType="clickEffect" presetClass="entr" presetID="2" presetSubtype="8">
+                                  <p:stCondLst>
+                                    <p:cond delay="0"/>
+                                  </p:stCondLst>
+                                  <p:childTnLst>
+                                    <p:set>
+                                      <p:cBhvr>
+                                        <p:cTn dur="1" fill="hold">
+                                          <p:stCondLst>
+                                            <p:cond delay="0"/>
+                                          </p:stCondLst>
+                                        </p:cTn>
+                                        <p:tgtEl>
+                                          <p:spTgt spid="144">
+                                            <p:txEl>
+                                              <p:pRg end="1" st="1"/>
+                                            </p:txEl>
+                                          </p:spTgt>
+                                        </p:tgtEl>
+                                        <p:attrNameLst>
+                                          <p:attrName>style.visibility</p:attrName>
+                                        </p:attrNameLst>
+                                      </p:cBhvr>
+                                      <p:to>
+                                        <p:strVal val="visible"/>
+                                      </p:to>
+                                    </p:set>
+                                    <p:anim calcmode="lin" valueType="num">
+                                      <p:cBhvr additive="base">
+                                        <p:cTn dur="1000"/>
+                                        <p:tgtEl>
+                                          <p:spTgt spid="144">
+                                            <p:txEl>
+                                              <p:pRg end="1" st="1"/>
+                                            </p:txEl>
+                                          </p:spTgt>
+                                        </p:tgtEl>
+                                        <p:attrNameLst>
+                                          <p:attrName>ppt_x</p:attrName>
+                                        </p:attrNameLst>
+                                      </p:cBhvr>
+                                      <p:tavLst>
+                                        <p:tav fmla="" tm="0">
+                                          <p:val>
+                                            <p:strVal val="#ppt_x-1"/>
+                                          </p:val>
+                                        </p:tav>
+                                        <p:tav fmla="" tm="100000">
+                                          <p:val>
+                                            <p:strVal val="#ppt_x"/>
+                                          </p:val>
+                                        </p:tav>
+                                      </p:tavLst>
+                                    </p:anim>
+                                  </p:childTnLst>
+                                </p:cTn>
+                              </p:par>
+                            </p:childTnLst>
+                          </p:cTn>
+                        </p:par>
+                      </p:childTnLst>
+                    </p:cTn>
+                  </p:par>
+                  <p:par>
+                    <p:cTn fill="hold">
+                      <p:stCondLst>
+                        <p:cond delay="indefinite"/>
+                      </p:stCondLst>
+                      <p:childTnLst>
+                        <p:par>
+                          <p:cTn fill="hold">
+                            <p:stCondLst>
+                              <p:cond delay="0"/>
+                            </p:stCondLst>
+                            <p:childTnLst>
+                              <p:par>
+                                <p:cTn fill="hold" nodeType="clickEffect" presetClass="entr" presetID="2" presetSubtype="8">
+                                  <p:stCondLst>
+                                    <p:cond delay="0"/>
+                                  </p:stCondLst>
+                                  <p:childTnLst>
+                                    <p:set>
+                                      <p:cBhvr>
+                                        <p:cTn dur="1" fill="hold">
+                                          <p:stCondLst>
+                                            <p:cond delay="0"/>
+                                          </p:stCondLst>
+                                        </p:cTn>
+                                        <p:tgtEl>
+                                          <p:spTgt spid="144">
+                                            <p:txEl>
+                                              <p:pRg end="2" st="2"/>
+                                            </p:txEl>
+                                          </p:spTgt>
+                                        </p:tgtEl>
+                                        <p:attrNameLst>
+                                          <p:attrName>style.visibility</p:attrName>
+                                        </p:attrNameLst>
+                                      </p:cBhvr>
+                                      <p:to>
+                                        <p:strVal val="visible"/>
+                                      </p:to>
+                                    </p:set>
+                                    <p:anim calcmode="lin" valueType="num">
+                                      <p:cBhvr additive="base">
+                                        <p:cTn dur="1000"/>
+                                        <p:tgtEl>
+                                          <p:spTgt spid="144">
+                                            <p:txEl>
+                                              <p:pRg end="2" st="2"/>
+                                            </p:txEl>
+                                          </p:spTgt>
+                                        </p:tgtEl>
+                                        <p:attrNameLst>
+                                          <p:attrName>ppt_x</p:attrName>
+                                        </p:attrNameLst>
+                                      </p:cBhvr>
+                                      <p:tavLst>
+                                        <p:tav fmla="" tm="0">
+                                          <p:val>
+                                            <p:strVal val="#ppt_x-1"/>
+                                          </p:val>
+                                        </p:tav>
+                                        <p:tav fmla="" tm="100000">
+                                          <p:val>
+                                            <p:strVal val="#ppt_x"/>
+                                          </p:val>
+                                        </p:tav>
+                                      </p:tavLst>
+                                    </p:anim>
+                                  </p:childTnLst>
+                                </p:cTn>
+                              </p:par>
+                            </p:childTnLst>
+                          </p:cTn>
+                        </p:par>
+                      </p:childTnLst>
+                    </p:cTn>
+                  </p:par>
+                  <p:par>
+                    <p:cTn fill="hold">
+                      <p:stCondLst>
+                        <p:cond delay="indefinite"/>
+                      </p:stCondLst>
+                      <p:childTnLst>
+                        <p:par>
+                          <p:cTn fill="hold">
+                            <p:stCondLst>
+                              <p:cond delay="0"/>
+                            </p:stCondLst>
+                            <p:childTnLst>
+                              <p:par>
+                                <p:cTn fill="hold" nodeType="clickEffect" presetClass="entr" presetID="2" presetSubtype="8">
+                                  <p:stCondLst>
+                                    <p:cond delay="0"/>
+                                  </p:stCondLst>
+                                  <p:childTnLst>
+                                    <p:set>
+                                      <p:cBhvr>
+                                        <p:cTn dur="1" fill="hold">
+                                          <p:stCondLst>
+                                            <p:cond delay="0"/>
+                                          </p:stCondLst>
+                                        </p:cTn>
+                                        <p:tgtEl>
+                                          <p:spTgt spid="144">
+                                            <p:txEl>
+                                              <p:pRg end="3" st="3"/>
+                                            </p:txEl>
+                                          </p:spTgt>
+                                        </p:tgtEl>
+                                        <p:attrNameLst>
+                                          <p:attrName>style.visibility</p:attrName>
+                                        </p:attrNameLst>
+                                      </p:cBhvr>
+                                      <p:to>
+                                        <p:strVal val="visible"/>
+                                      </p:to>
+                                    </p:set>
+                                    <p:anim calcmode="lin" valueType="num">
+                                      <p:cBhvr additive="base">
+                                        <p:cTn dur="1000"/>
+                                        <p:tgtEl>
+                                          <p:spTgt spid="144">
+                                            <p:txEl>
+                                              <p:pRg end="3" st="3"/>
+                                            </p:txEl>
+                                          </p:spTgt>
+                                        </p:tgtEl>
+                                        <p:attrNameLst>
+                                          <p:attrName>ppt_x</p:attrName>
+                                        </p:attrNameLst>
+                                      </p:cBhvr>
+                                      <p:tavLst>
+                                        <p:tav fmla="" tm="0">
+                                          <p:val>
+                                            <p:strVal val="#ppt_x-1"/>
+                                          </p:val>
+                                        </p:tav>
+                                        <p:tav fmla="" tm="100000">
+                                          <p:val>
+                                            <p:strVal val="#ppt_x"/>
+                                          </p:val>
+                                        </p:tav>
+                                      </p:tavLst>
+                                    </p:anim>
+                                  </p:childTnLst>
+                                </p:cTn>
+                              </p:par>
+                            </p:childTnLst>
+                          </p:cTn>
+                        </p:par>
+                      </p:childTnLst>
+                    </p:cTn>
+                  </p:par>
+                </p:childTnLst>
+              </p:cTn>
+              <p:prevCondLst>
+                <p:cond evt="onPrev">
+                  <p:tgtEl>
+                    <p:sldTgt/>
+                  </p:tgtEl>
+                </p:cond>
+              </p:prevCondLst>
+              <p:nextCondLst>
+                <p:cond evt="onNext">
+                  <p:tgtEl>
+                    <p:sldTgt/>
+                  </p:tgtEl>
+                </p:cond>
+              </p:nextCondLst>
+            </p:seq>
+          </p:childTnLst>
+        </p:cTn>
+      </p:par>
+    </p:tnLst>
+  </p:timing>
+</p:sld>
+</file>
+
+<file path=ppt/slides/slide12.xml><?xml version="1.0" encoding="utf-8"?>
+<p:sld xmlns:a="http://schemas.openxmlformats.org/drawingml/2006/main" xmlns:r="http://schemas.openxmlformats.org/officeDocument/2006/relationships" xmlns:mc="http://schemas.openxmlformats.org/markup-compatibility/2006" xmlns:mv="urn:schemas-microsoft-com:mac:vml" xmlns:p="http://schemas.openxmlformats.org/presentationml/2006/main" xmlns:c="http://schemas.openxmlformats.org/drawingml/2006/chart" xmlns:dgm="http://schemas.openxmlformats.org/drawingml/2006/diagram" xmlns:o="urn:schemas-microsoft-com:office:office" xmlns:v="urn:schemas-microsoft-com:vml" xmlns:pvml="urn:schemas-microsoft-com:office:powerpoint" xmlns:com="http://schemas.openxmlformats.org/drawingml/2006/compatibility" xmlns:p14="http://schemas.microsoft.com/office/powerpoint/2010/main" xmlns:p15="http://schemas.microsoft.com/office/powerpoint/2012/main">
+  <p:cSld>
+    <p:spTree>
+      <p:nvGrpSpPr>
+        <p:cNvPr id="148" name="Shape 148"/>
+        <p:cNvGrpSpPr/>
+        <p:nvPr/>
+      </p:nvGrpSpPr>
+      <p:grpSpPr>
+        <a:xfrm>
+          <a:off x="0" y="0"/>
+          <a:ext cx="0" cy="0"/>
+          <a:chOff x="0" y="0"/>
+          <a:chExt cx="0" cy="0"/>
+        </a:xfrm>
+      </p:grpSpPr>
+      <p:sp>
+        <p:nvSpPr>
+          <p:cNvPr id="149" name="Google Shape;149;p24"/>
           <p:cNvSpPr txBox="1"/>
           <p:nvPr>
             <p:ph type="title"/>
@@ -7810,7 +9691,7 @@
       </p:sp>
       <p:graphicFrame>
         <p:nvGraphicFramePr>
-          <p:cNvPr id="134" name="Google Shape;134;p22"/>
+          <p:cNvPr id="150" name="Google Shape;150;p24"/>
           <p:cNvGraphicFramePr/>
           <p:nvPr/>
         </p:nvGraphicFramePr>
@@ -7823,10 +9704,9 @@
             <a:tbl>
               <a:tblPr>
                 <a:noFill/>
-                <a:tableStyleId>{D5A570CF-6D28-4854-8256-47772D192B75}</a:tableStyleId>
+                <a:tableStyleId>{44A41BAC-D2F6-403E-AF7D-29DC839BC0B2}</a:tableStyleId>
               </a:tblPr>
               <a:tblGrid>
-                <a:gridCol w="1809750"/>
                 <a:gridCol w="1809750"/>
                 <a:gridCol w="1809750"/>
                 <a:gridCol w="1809750"/>
@@ -7895,29 +9775,6 @@
                       <a:r>
                         <a:rPr lang="de"/>
                         <a:t>Binomial</a:t>
-                      </a:r>
-                      <a:endParaRPr/>
-                    </a:p>
-                  </a:txBody>
-                  <a:tcPr marT="91425" marB="91425" marR="91425" marL="91425"/>
-                </a:tc>
-                <a:tc>
-                  <a:txBody>
-                    <a:bodyPr/>
-                    <a:lstStyle/>
-                    <a:p>
-                      <a:pPr indent="0" lvl="0" marL="0" rtl="0" algn="l">
-                        <a:spcBef>
-                          <a:spcPts val="0"/>
-                        </a:spcBef>
-                        <a:spcAft>
-                          <a:spcPts val="0"/>
-                        </a:spcAft>
-                        <a:buNone/>
-                      </a:pPr>
-                      <a:r>
-                        <a:rPr lang="de"/>
-                        <a:t>Fibonacci</a:t>
                       </a:r>
                       <a:endParaRPr/>
                     </a:p>
@@ -7995,29 +9852,6 @@
                   </a:txBody>
                   <a:tcPr marT="91425" marB="91425" marR="91425" marL="91425"/>
                 </a:tc>
-                <a:tc>
-                  <a:txBody>
-                    <a:bodyPr/>
-                    <a:lstStyle/>
-                    <a:p>
-                      <a:pPr indent="0" lvl="0" marL="0" rtl="0" algn="l">
-                        <a:spcBef>
-                          <a:spcPts val="0"/>
-                        </a:spcBef>
-                        <a:spcAft>
-                          <a:spcPts val="0"/>
-                        </a:spcAft>
-                        <a:buNone/>
-                      </a:pPr>
-                      <a:r>
-                        <a:rPr lang="de"/>
-                        <a:t>O(1)</a:t>
-                      </a:r>
-                      <a:endParaRPr/>
-                    </a:p>
-                  </a:txBody>
-                  <a:tcPr marT="91425" marB="91425" marR="91425" marL="91425"/>
-                </a:tc>
               </a:tr>
               <a:tr h="381000">
                 <a:tc>
@@ -8089,29 +9923,6 @@
                   </a:txBody>
                   <a:tcPr marT="91425" marB="91425" marR="91425" marL="91425"/>
                 </a:tc>
-                <a:tc>
-                  <a:txBody>
-                    <a:bodyPr/>
-                    <a:lstStyle/>
-                    <a:p>
-                      <a:pPr indent="0" lvl="0" marL="0" rtl="0" algn="l">
-                        <a:spcBef>
-                          <a:spcPts val="0"/>
-                        </a:spcBef>
-                        <a:spcAft>
-                          <a:spcPts val="0"/>
-                        </a:spcAft>
-                        <a:buNone/>
-                      </a:pPr>
-                      <a:r>
-                        <a:rPr lang="de"/>
-                        <a:t>O(1)</a:t>
-                      </a:r>
-                      <a:endParaRPr/>
-                    </a:p>
-                  </a:txBody>
-                  <a:tcPr marT="91425" marB="91425" marR="91425" marL="91425"/>
-                </a:tc>
               </a:tr>
               <a:tr h="381000">
                 <a:tc>
@@ -8130,30 +9941,7 @@
                       </a:pPr>
                       <a:r>
                         <a:rPr lang="de"/>
-                        <a:t>poll</a:t>
-                      </a:r>
-                      <a:endParaRPr/>
-                    </a:p>
-                  </a:txBody>
-                  <a:tcPr marT="91425" marB="91425" marR="91425" marL="91425"/>
-                </a:tc>
-                <a:tc>
-                  <a:txBody>
-                    <a:bodyPr/>
-                    <a:lstStyle/>
-                    <a:p>
-                      <a:pPr indent="0" lvl="0" marL="0" rtl="0" algn="l">
-                        <a:spcBef>
-                          <a:spcPts val="0"/>
-                        </a:spcBef>
-                        <a:spcAft>
-                          <a:spcPts val="0"/>
-                        </a:spcAft>
-                        <a:buNone/>
-                      </a:pPr>
-                      <a:r>
-                        <a:rPr lang="de"/>
-                        <a:t>O(log n)</a:t>
+                        <a:t>extractMin</a:t>
                       </a:r>
                       <a:endParaRPr/>
                     </a:p>
@@ -8277,200 +10065,6 @@
                   </a:txBody>
                   <a:tcPr marT="91425" marB="91425" marR="91425" marL="91425"/>
                 </a:tc>
-                <a:tc>
-                  <a:txBody>
-                    <a:bodyPr/>
-                    <a:lstStyle/>
-                    <a:p>
-                      <a:pPr indent="0" lvl="0" marL="0" rtl="0" algn="l">
-                        <a:spcBef>
-                          <a:spcPts val="0"/>
-                        </a:spcBef>
-                        <a:spcAft>
-                          <a:spcPts val="0"/>
-                        </a:spcAft>
-                        <a:buNone/>
-                      </a:pPr>
-                      <a:r>
-                        <a:rPr lang="de"/>
-                        <a:t>O(1)</a:t>
-                      </a:r>
-                      <a:endParaRPr/>
-                    </a:p>
-                  </a:txBody>
-                  <a:tcPr marT="91425" marB="91425" marR="91425" marL="91425"/>
-                </a:tc>
-              </a:tr>
-              <a:tr h="1278975">
-                <a:tc>
-                  <a:txBody>
-                    <a:bodyPr/>
-                    <a:lstStyle/>
-                    <a:p>
-                      <a:pPr indent="0" lvl="0" marL="0" rtl="0" algn="l">
-                        <a:spcBef>
-                          <a:spcPts val="0"/>
-                        </a:spcBef>
-                        <a:spcAft>
-                          <a:spcPts val="0"/>
-                        </a:spcAft>
-                        <a:buNone/>
-                      </a:pPr>
-                      <a:r>
-                        <a:rPr lang="de"/>
-                        <a:t>Nützliche Eigenschaften</a:t>
-                      </a:r>
-                      <a:endParaRPr/>
-                    </a:p>
-                  </a:txBody>
-                  <a:tcPr marT="91425" marB="91425" marR="91425" marL="91425"/>
-                </a:tc>
-                <a:tc>
-                  <a:txBody>
-                    <a:bodyPr/>
-                    <a:lstStyle/>
-                    <a:p>
-                      <a:pPr indent="0" lvl="0" marL="0" rtl="0" algn="l">
-                        <a:spcBef>
-                          <a:spcPts val="0"/>
-                        </a:spcBef>
-                        <a:spcAft>
-                          <a:spcPts val="0"/>
-                        </a:spcAft>
-                        <a:buNone/>
-                      </a:pPr>
-                      <a:r>
-                        <a:rPr lang="de"/>
-                        <a:t>Wurzel enthält immer kleinstes Element</a:t>
-                      </a:r>
-                      <a:endParaRPr/>
-                    </a:p>
-                    <a:p>
-                      <a:pPr indent="0" lvl="0" marL="0" rtl="0" algn="l">
-                        <a:spcBef>
-                          <a:spcPts val="0"/>
-                        </a:spcBef>
-                        <a:spcAft>
-                          <a:spcPts val="0"/>
-                        </a:spcAft>
-                        <a:buNone/>
-                      </a:pPr>
-                      <a:r>
-                        <a:t/>
-                      </a:r>
-                      <a:endParaRPr/>
-                    </a:p>
-                    <a:p>
-                      <a:pPr indent="0" lvl="0" marL="0" rtl="0" algn="l">
-                        <a:spcBef>
-                          <a:spcPts val="0"/>
-                        </a:spcBef>
-                        <a:spcAft>
-                          <a:spcPts val="0"/>
-                        </a:spcAft>
-                        <a:buNone/>
-                      </a:pPr>
-                      <a:r>
-                        <a:rPr lang="de"/>
-                        <a:t>Heap-Tiefe = log n</a:t>
-                      </a:r>
-                      <a:endParaRPr/>
-                    </a:p>
-                  </a:txBody>
-                  <a:tcPr marT="91425" marB="91425" marR="91425" marL="91425"/>
-                </a:tc>
-                <a:tc>
-                  <a:txBody>
-                    <a:bodyPr/>
-                    <a:lstStyle/>
-                    <a:p>
-                      <a:pPr indent="0" lvl="0" marL="0" rtl="0" algn="l">
-                        <a:spcBef>
-                          <a:spcPts val="0"/>
-                        </a:spcBef>
-                        <a:spcAft>
-                          <a:spcPts val="0"/>
-                        </a:spcAft>
-                        <a:buNone/>
-                      </a:pPr>
-                      <a:r>
-                        <a:rPr lang="de"/>
-                        <a:t>Anzahl Knoten = 2k</a:t>
-                      </a:r>
-                      <a:endParaRPr/>
-                    </a:p>
-                    <a:p>
-                      <a:pPr indent="0" lvl="0" marL="0" rtl="0" algn="l">
-                        <a:spcBef>
-                          <a:spcPts val="0"/>
-                        </a:spcBef>
-                        <a:spcAft>
-                          <a:spcPts val="0"/>
-                        </a:spcAft>
-                        <a:buNone/>
-                      </a:pPr>
-                      <a:r>
-                        <a:rPr lang="de"/>
-                        <a:t>Tiefe = k</a:t>
-                      </a:r>
-                      <a:endParaRPr/>
-                    </a:p>
-                    <a:p>
-                      <a:pPr indent="0" lvl="0" marL="0" rtl="0" algn="l">
-                        <a:spcBef>
-                          <a:spcPts val="0"/>
-                        </a:spcBef>
-                        <a:spcAft>
-                          <a:spcPts val="0"/>
-                        </a:spcAft>
-                        <a:buNone/>
-                      </a:pPr>
-                      <a:r>
-                        <a:rPr lang="de"/>
-                        <a:t>Grad der Wurzel = k</a:t>
-                      </a:r>
-                      <a:endParaRPr/>
-                    </a:p>
-                    <a:p>
-                      <a:pPr indent="0" lvl="0" marL="0" rtl="0" algn="l">
-                        <a:spcBef>
-                          <a:spcPts val="0"/>
-                        </a:spcBef>
-                        <a:spcAft>
-                          <a:spcPts val="0"/>
-                        </a:spcAft>
-                        <a:buNone/>
-                      </a:pPr>
-                      <a:r>
-                        <a:t/>
-                      </a:r>
-                      <a:endParaRPr/>
-                    </a:p>
-                  </a:txBody>
-                  <a:tcPr marT="91425" marB="91425" marR="91425" marL="91425"/>
-                </a:tc>
-                <a:tc>
-                  <a:txBody>
-                    <a:bodyPr/>
-                    <a:lstStyle/>
-                    <a:p>
-                      <a:pPr indent="0" lvl="0" marL="0" rtl="0" algn="l">
-                        <a:spcBef>
-                          <a:spcPts val="0"/>
-                        </a:spcBef>
-                        <a:spcAft>
-                          <a:spcPts val="0"/>
-                        </a:spcAft>
-                        <a:buNone/>
-                      </a:pPr>
-                      <a:r>
-                        <a:t/>
-                      </a:r>
-                      <a:endParaRPr/>
-                    </a:p>
-                  </a:txBody>
-                  <a:tcPr marT="91425" marB="91425" marR="91425" marL="91425"/>
-                </a:tc>
               </a:tr>
             </a:tbl>
           </a:graphicData>
@@ -8484,12 +10078,12 @@
 </p:sld>
 </file>
 
-<file path=ppt/slides/slide11.xml><?xml version="1.0" encoding="utf-8"?>
+<file path=ppt/slides/slide13.xml><?xml version="1.0" encoding="utf-8"?>
 <p:sld xmlns:a="http://schemas.openxmlformats.org/drawingml/2006/main" xmlns:r="http://schemas.openxmlformats.org/officeDocument/2006/relationships" xmlns:mc="http://schemas.openxmlformats.org/markup-compatibility/2006" xmlns:mv="urn:schemas-microsoft-com:mac:vml" xmlns:p="http://schemas.openxmlformats.org/presentationml/2006/main" xmlns:c="http://schemas.openxmlformats.org/drawingml/2006/chart" xmlns:dgm="http://schemas.openxmlformats.org/drawingml/2006/diagram" xmlns:o="urn:schemas-microsoft-com:office:office" xmlns:v="urn:schemas-microsoft-com:vml" xmlns:pvml="urn:schemas-microsoft-com:office:powerpoint" xmlns:com="http://schemas.openxmlformats.org/drawingml/2006/compatibility" xmlns:p14="http://schemas.microsoft.com/office/powerpoint/2010/main" xmlns:p15="http://schemas.microsoft.com/office/powerpoint/2012/main">
   <p:cSld>
     <p:spTree>
       <p:nvGrpSpPr>
-        <p:cNvPr id="138" name="Shape 138"/>
+        <p:cNvPr id="154" name="Shape 154"/>
         <p:cNvGrpSpPr/>
         <p:nvPr/>
       </p:nvGrpSpPr>
@@ -8503,7 +10097,7 @@
       </p:grpSpPr>
       <p:sp>
         <p:nvSpPr>
-          <p:cNvPr id="139" name="Google Shape;139;p23"/>
+          <p:cNvPr id="155" name="Google Shape;155;p25"/>
           <p:cNvSpPr txBox="1"/>
           <p:nvPr>
             <p:ph type="title"/>
@@ -8543,7 +10137,7 @@
       </p:sp>
       <p:sp>
         <p:nvSpPr>
-          <p:cNvPr id="140" name="Google Shape;140;p23"/>
+          <p:cNvPr id="156" name="Google Shape;156;p25"/>
           <p:cNvSpPr txBox="1"/>
           <p:nvPr>
             <p:ph idx="1" type="body"/>
@@ -8641,12 +10235,12 @@
 </p:sld>
 </file>
 
-<file path=ppt/slides/slide12.xml><?xml version="1.0" encoding="utf-8"?>
+<file path=ppt/slides/slide14.xml><?xml version="1.0" encoding="utf-8"?>
 <p:sld xmlns:a="http://schemas.openxmlformats.org/drawingml/2006/main" xmlns:r="http://schemas.openxmlformats.org/officeDocument/2006/relationships" xmlns:mc="http://schemas.openxmlformats.org/markup-compatibility/2006" xmlns:mv="urn:schemas-microsoft-com:mac:vml" xmlns:p="http://schemas.openxmlformats.org/presentationml/2006/main" xmlns:c="http://schemas.openxmlformats.org/drawingml/2006/chart" xmlns:dgm="http://schemas.openxmlformats.org/drawingml/2006/diagram" xmlns:o="urn:schemas-microsoft-com:office:office" xmlns:v="urn:schemas-microsoft-com:vml" xmlns:pvml="urn:schemas-microsoft-com:office:powerpoint" xmlns:com="http://schemas.openxmlformats.org/drawingml/2006/compatibility" xmlns:p14="http://schemas.microsoft.com/office/powerpoint/2010/main" xmlns:p15="http://schemas.microsoft.com/office/powerpoint/2012/main">
   <p:cSld>
     <p:spTree>
       <p:nvGrpSpPr>
-        <p:cNvPr id="144" name="Shape 144"/>
+        <p:cNvPr id="160" name="Shape 160"/>
         <p:cNvGrpSpPr/>
         <p:nvPr/>
       </p:nvGrpSpPr>
@@ -8660,7 +10254,7 @@
       </p:grpSpPr>
       <p:sp>
         <p:nvSpPr>
-          <p:cNvPr id="145" name="Google Shape;145;p24"/>
+          <p:cNvPr id="161" name="Google Shape;161;p26"/>
           <p:cNvSpPr txBox="1"/>
           <p:nvPr>
             <p:ph type="title"/>
@@ -8700,7 +10294,7 @@
       </p:sp>
       <p:sp>
         <p:nvSpPr>
-          <p:cNvPr id="146" name="Google Shape;146;p24"/>
+          <p:cNvPr id="162" name="Google Shape;162;p26"/>
           <p:cNvSpPr txBox="1"/>
           <p:nvPr>
             <p:ph idx="1" type="body"/>
@@ -8790,426 +10384,6 @@
           </a:p>
         </p:txBody>
       </p:sp>
-    </p:spTree>
-  </p:cSld>
-  <p:clrMapOvr>
-    <a:masterClrMapping/>
-  </p:clrMapOvr>
-</p:sld>
-</file>
-
-<file path=ppt/slides/slide13.xml><?xml version="1.0" encoding="utf-8"?>
-<p:sld xmlns:a="http://schemas.openxmlformats.org/drawingml/2006/main" xmlns:r="http://schemas.openxmlformats.org/officeDocument/2006/relationships" xmlns:mc="http://schemas.openxmlformats.org/markup-compatibility/2006" xmlns:mv="urn:schemas-microsoft-com:mac:vml" xmlns:p="http://schemas.openxmlformats.org/presentationml/2006/main" xmlns:c="http://schemas.openxmlformats.org/drawingml/2006/chart" xmlns:dgm="http://schemas.openxmlformats.org/drawingml/2006/diagram" xmlns:o="urn:schemas-microsoft-com:office:office" xmlns:v="urn:schemas-microsoft-com:vml" xmlns:pvml="urn:schemas-microsoft-com:office:powerpoint" xmlns:com="http://schemas.openxmlformats.org/drawingml/2006/compatibility" xmlns:p14="http://schemas.microsoft.com/office/powerpoint/2010/main" xmlns:p15="http://schemas.microsoft.com/office/powerpoint/2012/main">
-  <p:cSld>
-    <p:spTree>
-      <p:nvGrpSpPr>
-        <p:cNvPr id="150" name="Shape 150"/>
-        <p:cNvGrpSpPr/>
-        <p:nvPr/>
-      </p:nvGrpSpPr>
-      <p:grpSpPr>
-        <a:xfrm>
-          <a:off x="0" y="0"/>
-          <a:ext cx="0" cy="0"/>
-          <a:chOff x="0" y="0"/>
-          <a:chExt cx="0" cy="0"/>
-        </a:xfrm>
-      </p:grpSpPr>
-      <p:sp>
-        <p:nvSpPr>
-          <p:cNvPr id="151" name="Google Shape;151;p25"/>
-          <p:cNvSpPr txBox="1"/>
-          <p:nvPr>
-            <p:ph type="title"/>
-          </p:nvPr>
-        </p:nvSpPr>
-        <p:spPr>
-          <a:xfrm>
-            <a:off x="311700" y="445025"/>
-            <a:ext cx="8520600" cy="572700"/>
-          </a:xfrm>
-          <a:prstGeom prst="rect">
-            <a:avLst/>
-          </a:prstGeom>
-        </p:spPr>
-        <p:txBody>
-          <a:bodyPr anchorCtr="0" anchor="t" bIns="91425" lIns="91425" spcFirstLastPara="1" rIns="91425" wrap="square" tIns="91425">
-            <a:noAutofit/>
-          </a:bodyPr>
-          <a:lstStyle/>
-          <a:p>
-            <a:pPr indent="0" lvl="0" marL="0" rtl="0" algn="l">
-              <a:spcBef>
-                <a:spcPts val="0"/>
-              </a:spcBef>
-              <a:spcAft>
-                <a:spcPts val="0"/>
-              </a:spcAft>
-              <a:buNone/>
-            </a:pPr>
-            <a:r>
-              <a:rPr lang="de"/>
-              <a:t>Klasse: BinaryHeap</a:t>
-            </a:r>
-            <a:endParaRPr/>
-          </a:p>
-        </p:txBody>
-      </p:sp>
-      <p:sp>
-        <p:nvSpPr>
-          <p:cNvPr id="152" name="Google Shape;152;p25"/>
-          <p:cNvSpPr txBox="1"/>
-          <p:nvPr>
-            <p:ph idx="1" type="body"/>
-          </p:nvPr>
-        </p:nvSpPr>
-        <p:spPr>
-          <a:xfrm>
-            <a:off x="311700" y="1152475"/>
-            <a:ext cx="8520600" cy="3416400"/>
-          </a:xfrm>
-          <a:prstGeom prst="rect">
-            <a:avLst/>
-          </a:prstGeom>
-        </p:spPr>
-        <p:txBody>
-          <a:bodyPr anchorCtr="0" anchor="t" bIns="91425" lIns="91425" spcFirstLastPara="1" rIns="91425" wrap="square" tIns="91425">
-            <a:noAutofit/>
-          </a:bodyPr>
-          <a:lstStyle/>
-          <a:p>
-            <a:pPr indent="-342900" lvl="0" marL="457200" rtl="0" algn="l">
-              <a:spcBef>
-                <a:spcPts val="0"/>
-              </a:spcBef>
-              <a:spcAft>
-                <a:spcPts val="0"/>
-              </a:spcAft>
-              <a:buSzPts val="1800"/>
-              <a:buChar char="●"/>
-            </a:pPr>
-            <a:r>
-              <a:rPr lang="de"/>
-              <a:t>heap : mutableListOf&lt;Node&gt;()</a:t>
-            </a:r>
-            <a:endParaRPr/>
-          </a:p>
-          <a:p>
-            <a:pPr indent="0" lvl="0" marL="457200" rtl="0" algn="l">
-              <a:spcBef>
-                <a:spcPts val="1600"/>
-              </a:spcBef>
-              <a:spcAft>
-                <a:spcPts val="0"/>
-              </a:spcAft>
-              <a:buNone/>
-            </a:pPr>
-            <a:r>
-              <a:t/>
-            </a:r>
-            <a:endParaRPr/>
-          </a:p>
-          <a:p>
-            <a:pPr indent="-342900" lvl="0" marL="457200" rtl="0" algn="l">
-              <a:spcBef>
-                <a:spcPts val="1600"/>
-              </a:spcBef>
-              <a:spcAft>
-                <a:spcPts val="0"/>
-              </a:spcAft>
-              <a:buSzPts val="1800"/>
-              <a:buChar char="●"/>
-            </a:pPr>
-            <a:r>
-              <a:rPr lang="de"/>
-              <a:t>addNode()</a:t>
-            </a:r>
-            <a:endParaRPr/>
-          </a:p>
-          <a:p>
-            <a:pPr indent="0" lvl="0" marL="0" rtl="0" algn="l">
-              <a:spcBef>
-                <a:spcPts val="1600"/>
-              </a:spcBef>
-              <a:spcAft>
-                <a:spcPts val="0"/>
-              </a:spcAft>
-              <a:buNone/>
-            </a:pPr>
-            <a:r>
-              <a:t/>
-            </a:r>
-            <a:endParaRPr/>
-          </a:p>
-          <a:p>
-            <a:pPr indent="-342900" lvl="0" marL="457200" rtl="0" algn="l">
-              <a:spcBef>
-                <a:spcPts val="1600"/>
-              </a:spcBef>
-              <a:spcAft>
-                <a:spcPts val="0"/>
-              </a:spcAft>
-              <a:buSzPts val="1800"/>
-              <a:buChar char="●"/>
-            </a:pPr>
-            <a:r>
-              <a:rPr lang="de"/>
-              <a:t>poll()</a:t>
-            </a:r>
-            <a:endParaRPr/>
-          </a:p>
-        </p:txBody>
-      </p:sp>
-      <p:pic>
-        <p:nvPicPr>
-          <p:cNvPr id="153" name="Google Shape;153;p25"/>
-          <p:cNvPicPr preferRelativeResize="0"/>
-          <p:nvPr/>
-        </p:nvPicPr>
-        <p:blipFill>
-          <a:blip r:embed="rId3">
-            <a:alphaModFix/>
-          </a:blip>
-          <a:stretch>
-            <a:fillRect/>
-          </a:stretch>
-        </p:blipFill>
-        <p:spPr>
-          <a:xfrm>
-            <a:off x="311700" y="2571750"/>
-            <a:ext cx="6610350" cy="685800"/>
-          </a:xfrm>
-          <a:prstGeom prst="rect">
-            <a:avLst/>
-          </a:prstGeom>
-          <a:noFill/>
-          <a:ln>
-            <a:noFill/>
-          </a:ln>
-        </p:spPr>
-      </p:pic>
-      <p:pic>
-        <p:nvPicPr>
-          <p:cNvPr id="154" name="Google Shape;154;p25"/>
-          <p:cNvPicPr preferRelativeResize="0"/>
-          <p:nvPr/>
-        </p:nvPicPr>
-        <p:blipFill>
-          <a:blip r:embed="rId4">
-            <a:alphaModFix/>
-          </a:blip>
-          <a:stretch>
-            <a:fillRect/>
-          </a:stretch>
-        </p:blipFill>
-        <p:spPr>
-          <a:xfrm>
-            <a:off x="311688" y="3581425"/>
-            <a:ext cx="6257925" cy="1352550"/>
-          </a:xfrm>
-          <a:prstGeom prst="rect">
-            <a:avLst/>
-          </a:prstGeom>
-          <a:noFill/>
-          <a:ln>
-            <a:noFill/>
-          </a:ln>
-        </p:spPr>
-      </p:pic>
-    </p:spTree>
-  </p:cSld>
-  <p:clrMapOvr>
-    <a:masterClrMapping/>
-  </p:clrMapOvr>
-</p:sld>
-</file>
-
-<file path=ppt/slides/slide14.xml><?xml version="1.0" encoding="utf-8"?>
-<p:sld xmlns:a="http://schemas.openxmlformats.org/drawingml/2006/main" xmlns:r="http://schemas.openxmlformats.org/officeDocument/2006/relationships" xmlns:mc="http://schemas.openxmlformats.org/markup-compatibility/2006" xmlns:mv="urn:schemas-microsoft-com:mac:vml" xmlns:p="http://schemas.openxmlformats.org/presentationml/2006/main" xmlns:c="http://schemas.openxmlformats.org/drawingml/2006/chart" xmlns:dgm="http://schemas.openxmlformats.org/drawingml/2006/diagram" xmlns:o="urn:schemas-microsoft-com:office:office" xmlns:v="urn:schemas-microsoft-com:vml" xmlns:pvml="urn:schemas-microsoft-com:office:powerpoint" xmlns:com="http://schemas.openxmlformats.org/drawingml/2006/compatibility" xmlns:p14="http://schemas.microsoft.com/office/powerpoint/2010/main" xmlns:p15="http://schemas.microsoft.com/office/powerpoint/2012/main">
-  <p:cSld>
-    <p:spTree>
-      <p:nvGrpSpPr>
-        <p:cNvPr id="158" name="Shape 158"/>
-        <p:cNvGrpSpPr/>
-        <p:nvPr/>
-      </p:nvGrpSpPr>
-      <p:grpSpPr>
-        <a:xfrm>
-          <a:off x="0" y="0"/>
-          <a:ext cx="0" cy="0"/>
-          <a:chOff x="0" y="0"/>
-          <a:chExt cx="0" cy="0"/>
-        </a:xfrm>
-      </p:grpSpPr>
-      <p:sp>
-        <p:nvSpPr>
-          <p:cNvPr id="159" name="Google Shape;159;p26"/>
-          <p:cNvSpPr txBox="1"/>
-          <p:nvPr>
-            <p:ph type="title"/>
-          </p:nvPr>
-        </p:nvSpPr>
-        <p:spPr>
-          <a:xfrm>
-            <a:off x="311700" y="445025"/>
-            <a:ext cx="8520600" cy="572700"/>
-          </a:xfrm>
-          <a:prstGeom prst="rect">
-            <a:avLst/>
-          </a:prstGeom>
-        </p:spPr>
-        <p:txBody>
-          <a:bodyPr anchorCtr="0" anchor="t" bIns="91425" lIns="91425" spcFirstLastPara="1" rIns="91425" wrap="square" tIns="91425">
-            <a:noAutofit/>
-          </a:bodyPr>
-          <a:lstStyle/>
-          <a:p>
-            <a:pPr indent="0" lvl="0" marL="0" rtl="0" algn="l">
-              <a:spcBef>
-                <a:spcPts val="0"/>
-              </a:spcBef>
-              <a:spcAft>
-                <a:spcPts val="0"/>
-              </a:spcAft>
-              <a:buNone/>
-            </a:pPr>
-            <a:r>
-              <a:rPr lang="de"/>
-              <a:t>Klasse: BinaryHeap</a:t>
-            </a:r>
-            <a:endParaRPr/>
-          </a:p>
-        </p:txBody>
-      </p:sp>
-      <p:sp>
-        <p:nvSpPr>
-          <p:cNvPr id="160" name="Google Shape;160;p26"/>
-          <p:cNvSpPr txBox="1"/>
-          <p:nvPr>
-            <p:ph idx="1" type="body"/>
-          </p:nvPr>
-        </p:nvSpPr>
-        <p:spPr>
-          <a:xfrm>
-            <a:off x="311700" y="1152475"/>
-            <a:ext cx="8520600" cy="3416400"/>
-          </a:xfrm>
-          <a:prstGeom prst="rect">
-            <a:avLst/>
-          </a:prstGeom>
-        </p:spPr>
-        <p:txBody>
-          <a:bodyPr anchorCtr="0" anchor="t" bIns="91425" lIns="91425" spcFirstLastPara="1" rIns="91425" wrap="square" tIns="91425">
-            <a:noAutofit/>
-          </a:bodyPr>
-          <a:lstStyle/>
-          <a:p>
-            <a:pPr indent="-342900" lvl="0" marL="457200" rtl="0" algn="l">
-              <a:spcBef>
-                <a:spcPts val="0"/>
-              </a:spcBef>
-              <a:spcAft>
-                <a:spcPts val="0"/>
-              </a:spcAft>
-              <a:buSzPts val="1800"/>
-              <a:buChar char="●"/>
-            </a:pPr>
-            <a:r>
-              <a:rPr lang="de"/>
-              <a:t>peek()</a:t>
-            </a:r>
-            <a:endParaRPr/>
-          </a:p>
-          <a:p>
-            <a:pPr indent="0" lvl="0" marL="0" rtl="0" algn="l">
-              <a:spcBef>
-                <a:spcPts val="1600"/>
-              </a:spcBef>
-              <a:spcAft>
-                <a:spcPts val="0"/>
-              </a:spcAft>
-              <a:buNone/>
-            </a:pPr>
-            <a:r>
-              <a:t/>
-            </a:r>
-            <a:endParaRPr/>
-          </a:p>
-          <a:p>
-            <a:pPr indent="-342900" lvl="0" marL="457200" rtl="0" algn="l">
-              <a:spcBef>
-                <a:spcPts val="1600"/>
-              </a:spcBef>
-              <a:spcAft>
-                <a:spcPts val="0"/>
-              </a:spcAft>
-              <a:buSzPts val="1800"/>
-              <a:buChar char="●"/>
-            </a:pPr>
-            <a:r>
-              <a:rPr lang="de"/>
-              <a:t>heapifyUp()</a:t>
-            </a:r>
-            <a:endParaRPr/>
-          </a:p>
-        </p:txBody>
-      </p:sp>
-      <p:pic>
-        <p:nvPicPr>
-          <p:cNvPr id="161" name="Google Shape;161;p26"/>
-          <p:cNvPicPr preferRelativeResize="0"/>
-          <p:nvPr/>
-        </p:nvPicPr>
-        <p:blipFill>
-          <a:blip r:embed="rId3">
-            <a:alphaModFix/>
-          </a:blip>
-          <a:stretch>
-            <a:fillRect/>
-          </a:stretch>
-        </p:blipFill>
-        <p:spPr>
-          <a:xfrm>
-            <a:off x="311700" y="1566875"/>
-            <a:ext cx="5250125" cy="728175"/>
-          </a:xfrm>
-          <a:prstGeom prst="rect">
-            <a:avLst/>
-          </a:prstGeom>
-          <a:noFill/>
-          <a:ln>
-            <a:noFill/>
-          </a:ln>
-        </p:spPr>
-      </p:pic>
-      <p:pic>
-        <p:nvPicPr>
-          <p:cNvPr id="162" name="Google Shape;162;p26"/>
-          <p:cNvPicPr preferRelativeResize="0"/>
-          <p:nvPr/>
-        </p:nvPicPr>
-        <p:blipFill>
-          <a:blip r:embed="rId4">
-            <a:alphaModFix/>
-          </a:blip>
-          <a:stretch>
-            <a:fillRect/>
-          </a:stretch>
-        </p:blipFill>
-        <p:spPr>
-          <a:xfrm>
-            <a:off x="311700" y="2571750"/>
-            <a:ext cx="5468800" cy="1170100"/>
-          </a:xfrm>
-          <a:prstGeom prst="rect">
-            <a:avLst/>
-          </a:prstGeom>
-          <a:noFill/>
-          <a:ln>
-            <a:noFill/>
-          </a:ln>
-        </p:spPr>
-      </p:pic>
     </p:spTree>
   </p:cSld>
   <p:clrMapOvr>
@@ -9310,7 +10484,71 @@
             </a:pPr>
             <a:r>
               <a:rPr lang="de"/>
-              <a:t>heapifyDown()</a:t>
+              <a:t>heap : mutableListOf&lt;Node&gt;()</a:t>
+            </a:r>
+            <a:endParaRPr/>
+          </a:p>
+          <a:p>
+            <a:pPr indent="0" lvl="0" marL="457200" rtl="0" algn="l">
+              <a:spcBef>
+                <a:spcPts val="1600"/>
+              </a:spcBef>
+              <a:spcAft>
+                <a:spcPts val="0"/>
+              </a:spcAft>
+              <a:buNone/>
+            </a:pPr>
+            <a:r>
+              <a:t/>
+            </a:r>
+            <a:endParaRPr/>
+          </a:p>
+          <a:p>
+            <a:pPr indent="-342900" lvl="0" marL="457200" rtl="0" algn="l">
+              <a:spcBef>
+                <a:spcPts val="1600"/>
+              </a:spcBef>
+              <a:spcAft>
+                <a:spcPts val="0"/>
+              </a:spcAft>
+              <a:buSzPts val="1800"/>
+              <a:buChar char="●"/>
+            </a:pPr>
+            <a:r>
+              <a:rPr lang="de"/>
+              <a:t>addNode()</a:t>
+            </a:r>
+            <a:endParaRPr/>
+          </a:p>
+          <a:p>
+            <a:pPr indent="0" lvl="0" marL="0" rtl="0" algn="l">
+              <a:spcBef>
+                <a:spcPts val="1600"/>
+              </a:spcBef>
+              <a:spcAft>
+                <a:spcPts val="0"/>
+              </a:spcAft>
+              <a:buNone/>
+            </a:pPr>
+            <a:r>
+              <a:t/>
+            </a:r>
+            <a:endParaRPr/>
+          </a:p>
+          <a:p>
+            <a:pPr indent="-342900" lvl="0" marL="457200" rtl="0" algn="l">
+              <a:spcBef>
+                <a:spcPts val="1600"/>
+              </a:spcBef>
+              <a:spcAft>
+                <a:spcPts val="0"/>
+              </a:spcAft>
+              <a:buSzPts val="1800"/>
+              <a:buChar char="●"/>
+            </a:pPr>
+            <a:r>
+              <a:rPr lang="de"/>
+              <a:t>poll()</a:t>
             </a:r>
             <a:endParaRPr/>
           </a:p>
@@ -9332,8 +10570,36 @@
         </p:blipFill>
         <p:spPr>
           <a:xfrm>
-            <a:off x="311700" y="1574175"/>
-            <a:ext cx="5991699" cy="2831800"/>
+            <a:off x="311700" y="2571750"/>
+            <a:ext cx="6610350" cy="685800"/>
+          </a:xfrm>
+          <a:prstGeom prst="rect">
+            <a:avLst/>
+          </a:prstGeom>
+          <a:noFill/>
+          <a:ln>
+            <a:noFill/>
+          </a:ln>
+        </p:spPr>
+      </p:pic>
+      <p:pic>
+        <p:nvPicPr>
+          <p:cNvPr id="170" name="Google Shape;170;p27"/>
+          <p:cNvPicPr preferRelativeResize="0"/>
+          <p:nvPr/>
+        </p:nvPicPr>
+        <p:blipFill>
+          <a:blip r:embed="rId4">
+            <a:alphaModFix/>
+          </a:blip>
+          <a:stretch>
+            <a:fillRect/>
+          </a:stretch>
+        </p:blipFill>
+        <p:spPr>
+          <a:xfrm>
+            <a:off x="311688" y="3581425"/>
+            <a:ext cx="6257925" cy="1352550"/>
           </a:xfrm>
           <a:prstGeom prst="rect">
             <a:avLst/>
@@ -9357,7 +10623,7 @@
   <p:cSld>
     <p:spTree>
       <p:nvGrpSpPr>
-        <p:cNvPr id="173" name="Shape 173"/>
+        <p:cNvPr id="174" name="Shape 174"/>
         <p:cNvGrpSpPr/>
         <p:nvPr/>
       </p:nvGrpSpPr>
@@ -9371,7 +10637,7 @@
       </p:grpSpPr>
       <p:sp>
         <p:nvSpPr>
-          <p:cNvPr id="174" name="Google Shape;174;p28"/>
+          <p:cNvPr id="175" name="Google Shape;175;p28"/>
           <p:cNvSpPr txBox="1"/>
           <p:nvPr>
             <p:ph type="title"/>
@@ -9403,7 +10669,7 @@
             </a:pPr>
             <a:r>
               <a:rPr lang="de"/>
-              <a:t>Klasse: BinaryHeap (grafische Oberfläche)</a:t>
+              <a:t>Klasse: BinaryHeap</a:t>
             </a:r>
             <a:endParaRPr/>
           </a:p>
@@ -9411,7 +10677,7 @@
       </p:sp>
       <p:sp>
         <p:nvSpPr>
-          <p:cNvPr id="175" name="Google Shape;175;p28"/>
+          <p:cNvPr id="176" name="Google Shape;176;p28"/>
           <p:cNvSpPr txBox="1"/>
           <p:nvPr>
             <p:ph idx="1" type="body"/>
@@ -9444,14 +10710,29 @@
             </a:pPr>
             <a:r>
               <a:rPr lang="de"/>
-              <a:t>drawAll()</a:t>
+              <a:t>peek()</a:t>
+            </a:r>
+            <a:endParaRPr/>
+          </a:p>
+          <a:p>
+            <a:pPr indent="0" lvl="0" marL="0" rtl="0" algn="l">
+              <a:spcBef>
+                <a:spcPts val="1600"/>
+              </a:spcBef>
+              <a:spcAft>
+                <a:spcPts val="0"/>
+              </a:spcAft>
+              <a:buNone/>
+            </a:pPr>
+            <a:r>
+              <a:t/>
             </a:r>
             <a:endParaRPr/>
           </a:p>
           <a:p>
             <a:pPr indent="-342900" lvl="0" marL="457200" rtl="0" algn="l">
               <a:spcBef>
-                <a:spcPts val="0"/>
+                <a:spcPts val="1600"/>
               </a:spcBef>
               <a:spcAft>
                 <a:spcPts val="0"/>
@@ -9461,46 +10742,68 @@
             </a:pPr>
             <a:r>
               <a:rPr lang="de"/>
-              <a:t>drawAllText()</a:t>
-            </a:r>
-            <a:endParaRPr/>
-          </a:p>
-          <a:p>
-            <a:pPr indent="-342900" lvl="0" marL="457200" rtl="0" algn="l">
-              <a:spcBef>
-                <a:spcPts val="0"/>
-              </a:spcBef>
-              <a:spcAft>
-                <a:spcPts val="0"/>
-              </a:spcAft>
-              <a:buSzPts val="1800"/>
-              <a:buChar char="●"/>
-            </a:pPr>
-            <a:r>
-              <a:rPr lang="de"/>
-              <a:t>drawAllLines()</a:t>
-            </a:r>
-            <a:endParaRPr/>
-          </a:p>
-          <a:p>
-            <a:pPr indent="-342900" lvl="0" marL="457200" rtl="0" algn="l">
-              <a:spcBef>
-                <a:spcPts val="0"/>
-              </a:spcBef>
-              <a:spcAft>
-                <a:spcPts val="0"/>
-              </a:spcAft>
-              <a:buSzPts val="1800"/>
-              <a:buChar char="●"/>
-            </a:pPr>
-            <a:r>
-              <a:rPr lang="de"/>
-              <a:t>updateAllNodes()</a:t>
+              <a:t>heapifyUp()</a:t>
             </a:r>
             <a:endParaRPr/>
           </a:p>
         </p:txBody>
       </p:sp>
+      <p:pic>
+        <p:nvPicPr>
+          <p:cNvPr id="177" name="Google Shape;177;p28"/>
+          <p:cNvPicPr preferRelativeResize="0"/>
+          <p:nvPr/>
+        </p:nvPicPr>
+        <p:blipFill>
+          <a:blip r:embed="rId3">
+            <a:alphaModFix/>
+          </a:blip>
+          <a:stretch>
+            <a:fillRect/>
+          </a:stretch>
+        </p:blipFill>
+        <p:spPr>
+          <a:xfrm>
+            <a:off x="311700" y="1566875"/>
+            <a:ext cx="5250125" cy="728175"/>
+          </a:xfrm>
+          <a:prstGeom prst="rect">
+            <a:avLst/>
+          </a:prstGeom>
+          <a:noFill/>
+          <a:ln>
+            <a:noFill/>
+          </a:ln>
+        </p:spPr>
+      </p:pic>
+      <p:pic>
+        <p:nvPicPr>
+          <p:cNvPr id="178" name="Google Shape;178;p28"/>
+          <p:cNvPicPr preferRelativeResize="0"/>
+          <p:nvPr/>
+        </p:nvPicPr>
+        <p:blipFill>
+          <a:blip r:embed="rId4">
+            <a:alphaModFix/>
+          </a:blip>
+          <a:stretch>
+            <a:fillRect/>
+          </a:stretch>
+        </p:blipFill>
+        <p:spPr>
+          <a:xfrm>
+            <a:off x="311700" y="2571750"/>
+            <a:ext cx="5468800" cy="1170100"/>
+          </a:xfrm>
+          <a:prstGeom prst="rect">
+            <a:avLst/>
+          </a:prstGeom>
+          <a:noFill/>
+          <a:ln>
+            <a:noFill/>
+          </a:ln>
+        </p:spPr>
+      </p:pic>
     </p:spTree>
   </p:cSld>
   <p:clrMapOvr>
@@ -9514,7 +10817,7 @@
   <p:cSld>
     <p:spTree>
       <p:nvGrpSpPr>
-        <p:cNvPr id="179" name="Shape 179"/>
+        <p:cNvPr id="182" name="Shape 182"/>
         <p:cNvGrpSpPr/>
         <p:nvPr/>
       </p:nvGrpSpPr>
@@ -9528,7 +10831,7 @@
       </p:grpSpPr>
       <p:sp>
         <p:nvSpPr>
-          <p:cNvPr id="180" name="Google Shape;180;p29"/>
+          <p:cNvPr id="183" name="Google Shape;183;p29"/>
           <p:cNvSpPr txBox="1"/>
           <p:nvPr>
             <p:ph type="title"/>
@@ -9560,7 +10863,7 @@
             </a:pPr>
             <a:r>
               <a:rPr lang="de"/>
-              <a:t>Klasse: BinominalTree(s)</a:t>
+              <a:t>Klasse: BinaryHeap</a:t>
             </a:r>
             <a:endParaRPr/>
           </a:p>
@@ -9568,7 +10871,7 @@
       </p:sp>
       <p:sp>
         <p:nvSpPr>
-          <p:cNvPr id="181" name="Google Shape;181;p29"/>
+          <p:cNvPr id="184" name="Google Shape;184;p29"/>
           <p:cNvSpPr txBox="1"/>
           <p:nvPr>
             <p:ph idx="1" type="body"/>
@@ -9601,41 +10904,7 @@
             </a:pPr>
             <a:r>
               <a:rPr lang="de"/>
-              <a:t>Oberklasse Tree -&gt; rootNode : Node, degree : Int</a:t>
-            </a:r>
-            <a:endParaRPr/>
-          </a:p>
-          <a:p>
-            <a:pPr indent="-342900" lvl="0" marL="457200" rtl="0" algn="l">
-              <a:spcBef>
-                <a:spcPts val="0"/>
-              </a:spcBef>
-              <a:spcAft>
-                <a:spcPts val="0"/>
-              </a:spcAft>
-              <a:buSzPts val="1800"/>
-              <a:buChar char="●"/>
-            </a:pPr>
-            <a:r>
-              <a:rPr lang="de"/>
-              <a:t>Unterklasse BinominalTreeDZero -&gt; node : Node, degree : Int = 0</a:t>
-            </a:r>
-            <a:endParaRPr/>
-          </a:p>
-          <a:p>
-            <a:pPr indent="-342900" lvl="0" marL="457200" rtl="0" algn="l">
-              <a:spcBef>
-                <a:spcPts val="0"/>
-              </a:spcBef>
-              <a:spcAft>
-                <a:spcPts val="0"/>
-              </a:spcAft>
-              <a:buSzPts val="1800"/>
-              <a:buChar char="●"/>
-            </a:pPr>
-            <a:r>
-              <a:rPr lang="de"/>
-              <a:t>Unterklasse BinominalTree -&gt; leftTree : Tree, rightTree : Tree</a:t>
+              <a:t>heapifyDown()</a:t>
             </a:r>
             <a:endParaRPr/>
           </a:p>
@@ -9643,7 +10912,7 @@
       </p:sp>
       <p:pic>
         <p:nvPicPr>
-          <p:cNvPr id="182" name="Google Shape;182;p29"/>
+          <p:cNvPr id="185" name="Google Shape;185;p29"/>
           <p:cNvPicPr preferRelativeResize="0"/>
           <p:nvPr/>
         </p:nvPicPr>
@@ -9657,8 +10926,8 @@
         </p:blipFill>
         <p:spPr>
           <a:xfrm>
-            <a:off x="311700" y="2389463"/>
-            <a:ext cx="8429625" cy="1800225"/>
+            <a:off x="311700" y="1574175"/>
+            <a:ext cx="5991699" cy="2831800"/>
           </a:xfrm>
           <a:prstGeom prst="rect">
             <a:avLst/>
@@ -9682,7 +10951,7 @@
   <p:cSld>
     <p:spTree>
       <p:nvGrpSpPr>
-        <p:cNvPr id="186" name="Shape 186"/>
+        <p:cNvPr id="189" name="Shape 189"/>
         <p:cNvGrpSpPr/>
         <p:nvPr/>
       </p:nvGrpSpPr>
@@ -9696,7 +10965,7 @@
       </p:grpSpPr>
       <p:sp>
         <p:nvSpPr>
-          <p:cNvPr id="187" name="Google Shape;187;p30"/>
+          <p:cNvPr id="190" name="Google Shape;190;p30"/>
           <p:cNvSpPr txBox="1"/>
           <p:nvPr>
             <p:ph type="title"/>
@@ -9728,7 +10997,7 @@
             </a:pPr>
             <a:r>
               <a:rPr lang="de"/>
-              <a:t>Klasse: BinominalHeap</a:t>
+              <a:t>Klasse: BinominalTree(s)</a:t>
             </a:r>
             <a:endParaRPr/>
           </a:p>
@@ -9736,7 +11005,7 @@
       </p:sp>
       <p:sp>
         <p:nvSpPr>
-          <p:cNvPr id="188" name="Google Shape;188;p30"/>
+          <p:cNvPr id="191" name="Google Shape;191;p30"/>
           <p:cNvSpPr txBox="1"/>
           <p:nvPr>
             <p:ph idx="1" type="body"/>
@@ -9769,7 +11038,7 @@
             </a:pPr>
             <a:r>
               <a:rPr lang="de"/>
-              <a:t>heap : muteableListOf&lt;Tree&gt;()</a:t>
+              <a:t>Oberklasse Tree -&gt; rootNode : Node, degree : Int</a:t>
             </a:r>
             <a:endParaRPr/>
           </a:p>
@@ -9786,29 +11055,14 @@
             </a:pPr>
             <a:r>
               <a:rPr lang="de"/>
-              <a:t>lines : mutableListOf&lt;Vector2&gt;(), nodeCount : Int (grafische Oberfläche)</a:t>
-            </a:r>
-            <a:endParaRPr/>
-          </a:p>
-          <a:p>
-            <a:pPr indent="0" lvl="0" marL="457200" rtl="0" algn="l">
-              <a:spcBef>
-                <a:spcPts val="1600"/>
-              </a:spcBef>
-              <a:spcAft>
-                <a:spcPts val="0"/>
-              </a:spcAft>
-              <a:buNone/>
-            </a:pPr>
-            <a:r>
-              <a:t/>
+              <a:t>Unterklasse BinominalTreeDZero -&gt; node : Node, degree : Int = 0</a:t>
             </a:r>
             <a:endParaRPr/>
           </a:p>
           <a:p>
             <a:pPr indent="-342900" lvl="0" marL="457200" rtl="0" algn="l">
               <a:spcBef>
-                <a:spcPts val="1600"/>
+                <a:spcPts val="0"/>
               </a:spcBef>
               <a:spcAft>
                 <a:spcPts val="0"/>
@@ -9818,7 +11072,7 @@
             </a:pPr>
             <a:r>
               <a:rPr lang="de"/>
-              <a:t>addNode()</a:t>
+              <a:t>Unterklasse BinominalTree -&gt; leftTree : Tree, rightTree : Tree</a:t>
             </a:r>
             <a:endParaRPr/>
           </a:p>
@@ -9826,7 +11080,7 @@
       </p:sp>
       <p:pic>
         <p:nvPicPr>
-          <p:cNvPr id="189" name="Google Shape;189;p30"/>
+          <p:cNvPr id="192" name="Google Shape;192;p30"/>
           <p:cNvPicPr preferRelativeResize="0"/>
           <p:nvPr/>
         </p:nvPicPr>
@@ -9840,8 +11094,8 @@
         </p:blipFill>
         <p:spPr>
           <a:xfrm>
-            <a:off x="311700" y="3008025"/>
-            <a:ext cx="3829050" cy="1162050"/>
+            <a:off x="311700" y="2389463"/>
+            <a:ext cx="8429625" cy="1800225"/>
           </a:xfrm>
           <a:prstGeom prst="rect">
             <a:avLst/>
@@ -9865,7 +11119,7 @@
   <p:cSld>
     <p:spTree>
       <p:nvGrpSpPr>
-        <p:cNvPr id="193" name="Shape 193"/>
+        <p:cNvPr id="196" name="Shape 196"/>
         <p:cNvGrpSpPr/>
         <p:nvPr/>
       </p:nvGrpSpPr>
@@ -9879,7 +11133,7 @@
       </p:grpSpPr>
       <p:sp>
         <p:nvSpPr>
-          <p:cNvPr id="194" name="Google Shape;194;p31"/>
+          <p:cNvPr id="197" name="Google Shape;197;p31"/>
           <p:cNvSpPr txBox="1"/>
           <p:nvPr>
             <p:ph type="title"/>
@@ -9919,7 +11173,7 @@
       </p:sp>
       <p:sp>
         <p:nvSpPr>
-          <p:cNvPr id="195" name="Google Shape;195;p31"/>
+          <p:cNvPr id="198" name="Google Shape;198;p31"/>
           <p:cNvSpPr txBox="1"/>
           <p:nvPr>
             <p:ph idx="1" type="body"/>
@@ -9952,7 +11206,56 @@
             </a:pPr>
             <a:r>
               <a:rPr lang="de"/>
-              <a:t>correctTree()</a:t>
+              <a:t>heap : muteableListOf&lt;Tree&gt;()</a:t>
+            </a:r>
+            <a:endParaRPr/>
+          </a:p>
+          <a:p>
+            <a:pPr indent="-342900" lvl="0" marL="457200" rtl="0" algn="l">
+              <a:spcBef>
+                <a:spcPts val="0"/>
+              </a:spcBef>
+              <a:spcAft>
+                <a:spcPts val="0"/>
+              </a:spcAft>
+              <a:buSzPts val="1800"/>
+              <a:buChar char="●"/>
+            </a:pPr>
+            <a:r>
+              <a:rPr lang="de"/>
+              <a:t>lines : mutableListOf&lt;Vector2&gt;(), nodeCount : Int (grafische Oberfläche)</a:t>
+            </a:r>
+            <a:endParaRPr/>
+          </a:p>
+          <a:p>
+            <a:pPr indent="0" lvl="0" marL="457200" rtl="0" algn="l">
+              <a:spcBef>
+                <a:spcPts val="1600"/>
+              </a:spcBef>
+              <a:spcAft>
+                <a:spcPts val="0"/>
+              </a:spcAft>
+              <a:buNone/>
+            </a:pPr>
+            <a:r>
+              <a:t/>
+            </a:r>
+            <a:endParaRPr/>
+          </a:p>
+          <a:p>
+            <a:pPr indent="-342900" lvl="0" marL="457200" rtl="0" algn="l">
+              <a:spcBef>
+                <a:spcPts val="1600"/>
+              </a:spcBef>
+              <a:spcAft>
+                <a:spcPts val="0"/>
+              </a:spcAft>
+              <a:buSzPts val="1800"/>
+              <a:buChar char="●"/>
+            </a:pPr>
+            <a:r>
+              <a:rPr lang="de"/>
+              <a:t>addNode()</a:t>
             </a:r>
             <a:endParaRPr/>
           </a:p>
@@ -9960,7 +11263,7 @@
       </p:sp>
       <p:pic>
         <p:nvPicPr>
-          <p:cNvPr id="196" name="Google Shape;196;p31"/>
+          <p:cNvPr id="199" name="Google Shape;199;p31"/>
           <p:cNvPicPr preferRelativeResize="0"/>
           <p:nvPr/>
         </p:nvPicPr>
@@ -9974,8 +11277,8 @@
         </p:blipFill>
         <p:spPr>
           <a:xfrm>
-            <a:off x="311700" y="1565538"/>
-            <a:ext cx="5048250" cy="3457575"/>
+            <a:off x="311700" y="3008025"/>
+            <a:ext cx="3829050" cy="1162050"/>
           </a:xfrm>
           <a:prstGeom prst="rect">
             <a:avLst/>
@@ -10120,6 +11423,23 @@
             </a:pPr>
             <a:r>
               <a:rPr lang="de"/>
+              <a:t>Prioritätswarteschlange (ADT)</a:t>
+            </a:r>
+            <a:endParaRPr/>
+          </a:p>
+          <a:p>
+            <a:pPr indent="-342900" lvl="0" marL="457200" rtl="0" algn="l">
+              <a:spcBef>
+                <a:spcPts val="0"/>
+              </a:spcBef>
+              <a:spcAft>
+                <a:spcPts val="0"/>
+              </a:spcAft>
+              <a:buSzPts val="1800"/>
+              <a:buChar char="-"/>
+            </a:pPr>
+            <a:r>
+              <a:rPr lang="de"/>
               <a:t>Binär Heaps</a:t>
             </a:r>
             <a:endParaRPr/>
@@ -10190,7 +11510,7 @@
   <p:cSld>
     <p:spTree>
       <p:nvGrpSpPr>
-        <p:cNvPr id="200" name="Shape 200"/>
+        <p:cNvPr id="203" name="Shape 203"/>
         <p:cNvGrpSpPr/>
         <p:nvPr/>
       </p:nvGrpSpPr>
@@ -10204,7 +11524,7 @@
       </p:grpSpPr>
       <p:sp>
         <p:nvSpPr>
-          <p:cNvPr id="201" name="Google Shape;201;p32"/>
+          <p:cNvPr id="204" name="Google Shape;204;p32"/>
           <p:cNvSpPr txBox="1"/>
           <p:nvPr>
             <p:ph type="title"/>
@@ -10244,7 +11564,7 @@
       </p:sp>
       <p:sp>
         <p:nvSpPr>
-          <p:cNvPr id="202" name="Google Shape;202;p32"/>
+          <p:cNvPr id="205" name="Google Shape;205;p32"/>
           <p:cNvSpPr txBox="1"/>
           <p:nvPr>
             <p:ph idx="1" type="body"/>
@@ -10277,37 +11597,7 @@
             </a:pPr>
             <a:r>
               <a:rPr lang="de"/>
-              <a:t>merge()</a:t>
-            </a:r>
-            <a:endParaRPr/>
-          </a:p>
-          <a:p>
-            <a:pPr indent="0" lvl="0" marL="0" rtl="0" algn="l">
-              <a:spcBef>
-                <a:spcPts val="1600"/>
-              </a:spcBef>
-              <a:spcAft>
-                <a:spcPts val="0"/>
-              </a:spcAft>
-              <a:buNone/>
-            </a:pPr>
-            <a:r>
-              <a:t/>
-            </a:r>
-            <a:endParaRPr/>
-          </a:p>
-          <a:p>
-            <a:pPr indent="0" lvl="0" marL="0" rtl="0" algn="l">
-              <a:spcBef>
-                <a:spcPts val="1600"/>
-              </a:spcBef>
-              <a:spcAft>
-                <a:spcPts val="1600"/>
-              </a:spcAft>
-              <a:buNone/>
-            </a:pPr>
-            <a:r>
-              <a:t/>
+              <a:t>correctTree()</a:t>
             </a:r>
             <a:endParaRPr/>
           </a:p>
@@ -10315,7 +11605,7 @@
       </p:sp>
       <p:pic>
         <p:nvPicPr>
-          <p:cNvPr id="203" name="Google Shape;203;p32"/>
+          <p:cNvPr id="206" name="Google Shape;206;p32"/>
           <p:cNvPicPr preferRelativeResize="0"/>
           <p:nvPr/>
         </p:nvPicPr>
@@ -10329,8 +11619,8 @@
         </p:blipFill>
         <p:spPr>
           <a:xfrm>
-            <a:off x="311700" y="1577350"/>
-            <a:ext cx="8534400" cy="933450"/>
+            <a:off x="311700" y="1565538"/>
+            <a:ext cx="5048250" cy="3457575"/>
           </a:xfrm>
           <a:prstGeom prst="rect">
             <a:avLst/>
@@ -10354,7 +11644,7 @@
   <p:cSld>
     <p:spTree>
       <p:nvGrpSpPr>
-        <p:cNvPr id="207" name="Shape 207"/>
+        <p:cNvPr id="210" name="Shape 210"/>
         <p:cNvGrpSpPr/>
         <p:nvPr/>
       </p:nvGrpSpPr>
@@ -10368,7 +11658,7 @@
       </p:grpSpPr>
       <p:sp>
         <p:nvSpPr>
-          <p:cNvPr id="208" name="Google Shape;208;p33"/>
+          <p:cNvPr id="211" name="Google Shape;211;p33"/>
           <p:cNvSpPr txBox="1"/>
           <p:nvPr>
             <p:ph type="title"/>
@@ -10408,7 +11698,7 @@
       </p:sp>
       <p:sp>
         <p:nvSpPr>
-          <p:cNvPr id="209" name="Google Shape;209;p33"/>
+          <p:cNvPr id="212" name="Google Shape;212;p33"/>
           <p:cNvSpPr txBox="1"/>
           <p:nvPr>
             <p:ph idx="1" type="body"/>
@@ -10441,7 +11731,37 @@
             </a:pPr>
             <a:r>
               <a:rPr lang="de"/>
-              <a:t>poll()</a:t>
+              <a:t>merge()</a:t>
+            </a:r>
+            <a:endParaRPr/>
+          </a:p>
+          <a:p>
+            <a:pPr indent="0" lvl="0" marL="0" rtl="0" algn="l">
+              <a:spcBef>
+                <a:spcPts val="1600"/>
+              </a:spcBef>
+              <a:spcAft>
+                <a:spcPts val="0"/>
+              </a:spcAft>
+              <a:buNone/>
+            </a:pPr>
+            <a:r>
+              <a:t/>
+            </a:r>
+            <a:endParaRPr/>
+          </a:p>
+          <a:p>
+            <a:pPr indent="0" lvl="0" marL="0" rtl="0" algn="l">
+              <a:spcBef>
+                <a:spcPts val="1600"/>
+              </a:spcBef>
+              <a:spcAft>
+                <a:spcPts val="1600"/>
+              </a:spcAft>
+              <a:buNone/>
+            </a:pPr>
+            <a:r>
+              <a:t/>
             </a:r>
             <a:endParaRPr/>
           </a:p>
@@ -10449,7 +11769,7 @@
       </p:sp>
       <p:pic>
         <p:nvPicPr>
-          <p:cNvPr id="210" name="Google Shape;210;p33"/>
+          <p:cNvPr id="213" name="Google Shape;213;p33"/>
           <p:cNvPicPr preferRelativeResize="0"/>
           <p:nvPr/>
         </p:nvPicPr>
@@ -10463,8 +11783,8 @@
         </p:blipFill>
         <p:spPr>
           <a:xfrm>
-            <a:off x="311688" y="1552150"/>
-            <a:ext cx="4029075" cy="2495550"/>
+            <a:off x="311700" y="1577350"/>
+            <a:ext cx="8534400" cy="933450"/>
           </a:xfrm>
           <a:prstGeom prst="rect">
             <a:avLst/>
@@ -10488,7 +11808,7 @@
   <p:cSld>
     <p:spTree>
       <p:nvGrpSpPr>
-        <p:cNvPr id="214" name="Shape 214"/>
+        <p:cNvPr id="217" name="Shape 217"/>
         <p:cNvGrpSpPr/>
         <p:nvPr/>
       </p:nvGrpSpPr>
@@ -10502,7 +11822,7 @@
       </p:grpSpPr>
       <p:sp>
         <p:nvSpPr>
-          <p:cNvPr id="215" name="Google Shape;215;p34"/>
+          <p:cNvPr id="218" name="Google Shape;218;p34"/>
           <p:cNvSpPr txBox="1"/>
           <p:nvPr>
             <p:ph type="title"/>
@@ -10542,7 +11862,7 @@
       </p:sp>
       <p:sp>
         <p:nvSpPr>
-          <p:cNvPr id="216" name="Google Shape;216;p34"/>
+          <p:cNvPr id="219" name="Google Shape;219;p34"/>
           <p:cNvSpPr txBox="1"/>
           <p:nvPr>
             <p:ph idx="1" type="body"/>
@@ -10575,7 +11895,7 @@
             </a:pPr>
             <a:r>
               <a:rPr lang="de"/>
-              <a:t>split()</a:t>
+              <a:t>poll()</a:t>
             </a:r>
             <a:endParaRPr/>
           </a:p>
@@ -10583,7 +11903,7 @@
       </p:sp>
       <p:pic>
         <p:nvPicPr>
-          <p:cNvPr id="217" name="Google Shape;217;p34"/>
+          <p:cNvPr id="220" name="Google Shape;220;p34"/>
           <p:cNvPicPr preferRelativeResize="0"/>
           <p:nvPr/>
         </p:nvPicPr>
@@ -10597,8 +11917,8 @@
         </p:blipFill>
         <p:spPr>
           <a:xfrm>
-            <a:off x="311700" y="1623125"/>
-            <a:ext cx="7353300" cy="2857500"/>
+            <a:off x="311688" y="1552150"/>
+            <a:ext cx="4029075" cy="2495550"/>
           </a:xfrm>
           <a:prstGeom prst="rect">
             <a:avLst/>
@@ -10622,7 +11942,7 @@
   <p:cSld>
     <p:spTree>
       <p:nvGrpSpPr>
-        <p:cNvPr id="221" name="Shape 221"/>
+        <p:cNvPr id="224" name="Shape 224"/>
         <p:cNvGrpSpPr/>
         <p:nvPr/>
       </p:nvGrpSpPr>
@@ -10636,7 +11956,7 @@
       </p:grpSpPr>
       <p:sp>
         <p:nvSpPr>
-          <p:cNvPr id="222" name="Google Shape;222;p35"/>
+          <p:cNvPr id="225" name="Google Shape;225;p35"/>
           <p:cNvSpPr txBox="1"/>
           <p:nvPr>
             <p:ph type="title"/>
@@ -10668,7 +11988,7 @@
             </a:pPr>
             <a:r>
               <a:rPr lang="de"/>
-              <a:t>Klasse: BinominalHeap (grafische Oberfläche)</a:t>
+              <a:t>Klasse: BinominalHeap</a:t>
             </a:r>
             <a:endParaRPr/>
           </a:p>
@@ -10676,7 +11996,7 @@
       </p:sp>
       <p:sp>
         <p:nvSpPr>
-          <p:cNvPr id="223" name="Google Shape;223;p35"/>
+          <p:cNvPr id="226" name="Google Shape;226;p35"/>
           <p:cNvSpPr txBox="1"/>
           <p:nvPr>
             <p:ph idx="1" type="body"/>
@@ -10709,109 +12029,100 @@
             </a:pPr>
             <a:r>
               <a:rPr lang="de"/>
-              <a:t>updateAllNodes()</a:t>
+              <a:t>split()</a:t>
             </a:r>
             <a:endParaRPr/>
           </a:p>
+        </p:txBody>
+      </p:sp>
+      <p:pic>
+        <p:nvPicPr>
+          <p:cNvPr id="227" name="Google Shape;227;p35"/>
+          <p:cNvPicPr preferRelativeResize="0"/>
+          <p:nvPr/>
+        </p:nvPicPr>
+        <p:blipFill>
+          <a:blip r:embed="rId3">
+            <a:alphaModFix/>
+          </a:blip>
+          <a:stretch>
+            <a:fillRect/>
+          </a:stretch>
+        </p:blipFill>
+        <p:spPr>
+          <a:xfrm>
+            <a:off x="311700" y="1623125"/>
+            <a:ext cx="7353300" cy="2857500"/>
+          </a:xfrm>
+          <a:prstGeom prst="rect">
+            <a:avLst/>
+          </a:prstGeom>
+          <a:noFill/>
+          <a:ln>
+            <a:noFill/>
+          </a:ln>
+        </p:spPr>
+      </p:pic>
+    </p:spTree>
+  </p:cSld>
+  <p:clrMapOvr>
+    <a:masterClrMapping/>
+  </p:clrMapOvr>
+</p:sld>
+</file>
+
+<file path=ppt/slides/slide24.xml><?xml version="1.0" encoding="utf-8"?>
+<p:sld xmlns:a="http://schemas.openxmlformats.org/drawingml/2006/main" xmlns:r="http://schemas.openxmlformats.org/officeDocument/2006/relationships" xmlns:mc="http://schemas.openxmlformats.org/markup-compatibility/2006" xmlns:mv="urn:schemas-microsoft-com:mac:vml" xmlns:p="http://schemas.openxmlformats.org/presentationml/2006/main" xmlns:c="http://schemas.openxmlformats.org/drawingml/2006/chart" xmlns:dgm="http://schemas.openxmlformats.org/drawingml/2006/diagram" xmlns:o="urn:schemas-microsoft-com:office:office" xmlns:v="urn:schemas-microsoft-com:vml" xmlns:pvml="urn:schemas-microsoft-com:office:powerpoint" xmlns:com="http://schemas.openxmlformats.org/drawingml/2006/compatibility" xmlns:p14="http://schemas.microsoft.com/office/powerpoint/2010/main" xmlns:p15="http://schemas.microsoft.com/office/powerpoint/2012/main">
+  <p:cSld>
+    <p:spTree>
+      <p:nvGrpSpPr>
+        <p:cNvPr id="231" name="Shape 231"/>
+        <p:cNvGrpSpPr/>
+        <p:nvPr/>
+      </p:nvGrpSpPr>
+      <p:grpSpPr>
+        <a:xfrm>
+          <a:off x="0" y="0"/>
+          <a:ext cx="0" cy="0"/>
+          <a:chOff x="0" y="0"/>
+          <a:chExt cx="0" cy="0"/>
+        </a:xfrm>
+      </p:grpSpPr>
+      <p:sp>
+        <p:nvSpPr>
+          <p:cNvPr id="232" name="Google Shape;232;p36"/>
+          <p:cNvSpPr txBox="1"/>
+          <p:nvPr>
+            <p:ph type="title"/>
+          </p:nvPr>
+        </p:nvSpPr>
+        <p:spPr>
+          <a:xfrm>
+            <a:off x="311700" y="445025"/>
+            <a:ext cx="8520600" cy="572700"/>
+          </a:xfrm>
+          <a:prstGeom prst="rect">
+            <a:avLst/>
+          </a:prstGeom>
+        </p:spPr>
+        <p:txBody>
+          <a:bodyPr anchorCtr="0" anchor="t" bIns="91425" lIns="91425" spcFirstLastPara="1" rIns="91425" wrap="square" tIns="91425">
+            <a:noAutofit/>
+          </a:bodyPr>
+          <a:lstStyle/>
           <a:p>
-            <a:pPr indent="-342900" lvl="0" marL="457200" rtl="0" algn="l">
-              <a:spcBef>
-                <a:spcPts val="0"/>
-              </a:spcBef>
-              <a:spcAft>
-                <a:spcPts val="0"/>
-              </a:spcAft>
-              <a:buSzPts val="1800"/>
-              <a:buChar char="●"/>
+            <a:pPr indent="0" lvl="0" marL="0" rtl="0" algn="l">
+              <a:spcBef>
+                <a:spcPts val="0"/>
+              </a:spcBef>
+              <a:spcAft>
+                <a:spcPts val="0"/>
+              </a:spcAft>
+              <a:buNone/>
             </a:pPr>
             <a:r>
               <a:rPr lang="de"/>
-              <a:t>updateTree()</a:t>
-            </a:r>
-            <a:endParaRPr/>
-          </a:p>
-          <a:p>
-            <a:pPr indent="-342900" lvl="0" marL="457200" rtl="0" algn="l">
-              <a:spcBef>
-                <a:spcPts val="0"/>
-              </a:spcBef>
-              <a:spcAft>
-                <a:spcPts val="0"/>
-              </a:spcAft>
-              <a:buSzPts val="1800"/>
-              <a:buChar char="●"/>
-            </a:pPr>
-            <a:r>
-              <a:rPr lang="de"/>
-              <a:t>addAllLines()</a:t>
-            </a:r>
-            <a:endParaRPr/>
-          </a:p>
-          <a:p>
-            <a:pPr indent="-342900" lvl="0" marL="457200" rtl="0" algn="l">
-              <a:spcBef>
-                <a:spcPts val="0"/>
-              </a:spcBef>
-              <a:spcAft>
-                <a:spcPts val="0"/>
-              </a:spcAft>
-              <a:buSzPts val="1800"/>
-              <a:buChar char="●"/>
-            </a:pPr>
-            <a:r>
-              <a:rPr lang="de"/>
-              <a:t>drawAllLines()</a:t>
-            </a:r>
-            <a:endParaRPr/>
-          </a:p>
-          <a:p>
-            <a:pPr indent="-342900" lvl="0" marL="457200" rtl="0" algn="l">
-              <a:spcBef>
-                <a:spcPts val="0"/>
-              </a:spcBef>
-              <a:spcAft>
-                <a:spcPts val="0"/>
-              </a:spcAft>
-              <a:buSzPts val="1800"/>
-              <a:buChar char="●"/>
-            </a:pPr>
-            <a:r>
-              <a:rPr lang="de"/>
-              <a:t>drawAllText()</a:t>
-            </a:r>
-            <a:endParaRPr/>
-          </a:p>
-          <a:p>
-            <a:pPr indent="-342900" lvl="0" marL="457200" rtl="0" algn="l">
-              <a:spcBef>
-                <a:spcPts val="0"/>
-              </a:spcBef>
-              <a:spcAft>
-                <a:spcPts val="0"/>
-              </a:spcAft>
-              <a:buSzPts val="1800"/>
-              <a:buChar char="●"/>
-            </a:pPr>
-            <a:r>
-              <a:rPr lang="de"/>
-              <a:t>drawAllTrees()</a:t>
-            </a:r>
-            <a:endParaRPr/>
-          </a:p>
-          <a:p>
-            <a:pPr indent="-342900" lvl="0" marL="457200" rtl="0" algn="l">
-              <a:spcBef>
-                <a:spcPts val="0"/>
-              </a:spcBef>
-              <a:spcAft>
-                <a:spcPts val="0"/>
-              </a:spcAft>
-              <a:buSzPts val="1800"/>
-              <a:buChar char="●"/>
-            </a:pPr>
-            <a:r>
-              <a:rPr lang="de"/>
-              <a:t>clearLines()</a:t>
+              <a:t>Fragen ???</a:t>
             </a:r>
             <a:endParaRPr/>
           </a:p>
@@ -11272,7 +12583,432 @@
             </a:pPr>
             <a:r>
               <a:rPr lang="de"/>
-              <a:t>Binär Heaps</a:t>
+              <a:t>Prioritätswarteschlange (ADT)</a:t>
+            </a:r>
+            <a:endParaRPr/>
+          </a:p>
+        </p:txBody>
+      </p:sp>
+      <p:sp>
+        <p:nvSpPr>
+          <p:cNvPr id="79" name="Google Shape;79;p17"/>
+          <p:cNvSpPr txBox="1"/>
+          <p:nvPr>
+            <p:ph idx="1" type="body"/>
+          </p:nvPr>
+        </p:nvSpPr>
+        <p:spPr>
+          <a:xfrm>
+            <a:off x="237700" y="1159875"/>
+            <a:ext cx="8520600" cy="3416400"/>
+          </a:xfrm>
+          <a:prstGeom prst="rect">
+            <a:avLst/>
+          </a:prstGeom>
+        </p:spPr>
+        <p:txBody>
+          <a:bodyPr anchorCtr="0" anchor="t" bIns="91425" lIns="91425" spcFirstLastPara="1" rIns="91425" wrap="square" tIns="91425">
+            <a:noAutofit/>
+          </a:bodyPr>
+          <a:lstStyle/>
+          <a:p>
+            <a:pPr indent="-304800" lvl="0" marL="457200" rtl="0" algn="l">
+              <a:spcBef>
+                <a:spcPts val="0"/>
+              </a:spcBef>
+              <a:spcAft>
+                <a:spcPts val="0"/>
+              </a:spcAft>
+              <a:buClr>
+                <a:schemeClr val="dk1"/>
+              </a:buClr>
+              <a:buSzPts val="1200"/>
+              <a:buChar char="-"/>
+            </a:pPr>
+            <a:r>
+              <a:rPr lang="de" sz="1200">
+                <a:solidFill>
+                  <a:schemeClr val="dk1"/>
+                </a:solidFill>
+              </a:rPr>
+              <a:t>Warteschlange oder Stack (Stapel) mit Prioritätswert</a:t>
+            </a:r>
+            <a:endParaRPr sz="1200">
+              <a:solidFill>
+                <a:schemeClr val="dk1"/>
+              </a:solidFill>
+            </a:endParaRPr>
+          </a:p>
+          <a:p>
+            <a:pPr indent="0" lvl="0" marL="457200" rtl="0" algn="l">
+              <a:spcBef>
+                <a:spcPts val="0"/>
+              </a:spcBef>
+              <a:spcAft>
+                <a:spcPts val="0"/>
+              </a:spcAft>
+              <a:buNone/>
+            </a:pPr>
+            <a:r>
+              <a:t/>
+            </a:r>
+            <a:endParaRPr i="1" sz="1200">
+              <a:solidFill>
+                <a:schemeClr val="dk1"/>
+              </a:solidFill>
+            </a:endParaRPr>
+          </a:p>
+          <a:p>
+            <a:pPr indent="-304800" lvl="0" marL="457200" rtl="0" algn="l">
+              <a:spcBef>
+                <a:spcPts val="0"/>
+              </a:spcBef>
+              <a:spcAft>
+                <a:spcPts val="0"/>
+              </a:spcAft>
+              <a:buClr>
+                <a:schemeClr val="dk1"/>
+              </a:buClr>
+              <a:buSzPts val="1200"/>
+              <a:buChar char="-"/>
+            </a:pPr>
+            <a:r>
+              <a:rPr lang="de" sz="1200">
+                <a:solidFill>
+                  <a:schemeClr val="dk1"/>
+                </a:solidFill>
+              </a:rPr>
+              <a:t>stellt Funktionen</a:t>
+            </a:r>
+            <a:r>
+              <a:rPr i="1" lang="de" sz="1200">
+                <a:solidFill>
+                  <a:schemeClr val="dk1"/>
+                </a:solidFill>
+              </a:rPr>
+              <a:t> isEmpty</a:t>
+            </a:r>
+            <a:r>
+              <a:rPr lang="de" sz="1200">
+                <a:solidFill>
+                  <a:schemeClr val="dk1"/>
+                </a:solidFill>
+              </a:rPr>
+              <a:t>, </a:t>
+            </a:r>
+            <a:r>
+              <a:rPr i="1" lang="de" sz="1200">
+                <a:solidFill>
+                  <a:schemeClr val="dk1"/>
+                </a:solidFill>
+              </a:rPr>
+              <a:t>Insert </a:t>
+            </a:r>
+            <a:r>
+              <a:rPr lang="de" sz="1200">
+                <a:solidFill>
+                  <a:schemeClr val="dk1"/>
+                </a:solidFill>
+              </a:rPr>
+              <a:t>und </a:t>
+            </a:r>
+            <a:r>
+              <a:rPr i="1" lang="de" sz="1200">
+                <a:solidFill>
+                  <a:schemeClr val="dk1"/>
+                </a:solidFill>
+              </a:rPr>
+              <a:t>extractMin/Max </a:t>
+            </a:r>
+            <a:r>
+              <a:rPr lang="de" sz="1200">
+                <a:solidFill>
+                  <a:schemeClr val="dk1"/>
+                </a:solidFill>
+              </a:rPr>
+              <a:t>zur Verfügung. </a:t>
+            </a:r>
+            <a:endParaRPr sz="1200">
+              <a:solidFill>
+                <a:schemeClr val="dk1"/>
+              </a:solidFill>
+            </a:endParaRPr>
+          </a:p>
+          <a:p>
+            <a:pPr indent="0" lvl="0" marL="457200" rtl="0" algn="l">
+              <a:spcBef>
+                <a:spcPts val="0"/>
+              </a:spcBef>
+              <a:spcAft>
+                <a:spcPts val="0"/>
+              </a:spcAft>
+              <a:buNone/>
+            </a:pPr>
+            <a:r>
+              <a:t/>
+            </a:r>
+            <a:endParaRPr sz="1200">
+              <a:solidFill>
+                <a:schemeClr val="dk1"/>
+              </a:solidFill>
+            </a:endParaRPr>
+          </a:p>
+          <a:p>
+            <a:pPr indent="-304800" lvl="0" marL="457200" rtl="0" algn="l">
+              <a:spcBef>
+                <a:spcPts val="0"/>
+              </a:spcBef>
+              <a:spcAft>
+                <a:spcPts val="0"/>
+              </a:spcAft>
+              <a:buClr>
+                <a:schemeClr val="dk1"/>
+              </a:buClr>
+              <a:buSzPts val="1200"/>
+              <a:buChar char="-"/>
+            </a:pPr>
+            <a:r>
+              <a:rPr lang="de" sz="1200">
+                <a:solidFill>
+                  <a:schemeClr val="dk1"/>
+                </a:solidFill>
+              </a:rPr>
+              <a:t>Heaps -&gt; implementieren -&gt; Priority Queue</a:t>
+            </a:r>
+            <a:endParaRPr sz="1200">
+              <a:solidFill>
+                <a:schemeClr val="dk1"/>
+              </a:solidFill>
+            </a:endParaRPr>
+          </a:p>
+          <a:p>
+            <a:pPr indent="-304800" lvl="1" marL="914400" rtl="0" algn="l">
+              <a:spcBef>
+                <a:spcPts val="0"/>
+              </a:spcBef>
+              <a:spcAft>
+                <a:spcPts val="0"/>
+              </a:spcAft>
+              <a:buClr>
+                <a:schemeClr val="dk1"/>
+              </a:buClr>
+              <a:buSzPts val="1200"/>
+              <a:buChar char="-"/>
+            </a:pPr>
+            <a:r>
+              <a:rPr i="1" lang="de" sz="1200">
+                <a:solidFill>
+                  <a:schemeClr val="dk1"/>
+                </a:solidFill>
+              </a:rPr>
+              <a:t> merge, heapifyUp / Down</a:t>
+            </a:r>
+            <a:endParaRPr i="1" sz="1200">
+              <a:solidFill>
+                <a:schemeClr val="dk1"/>
+              </a:solidFill>
+            </a:endParaRPr>
+          </a:p>
+          <a:p>
+            <a:pPr indent="-304800" lvl="0" marL="457200" rtl="0" algn="l">
+              <a:spcBef>
+                <a:spcPts val="0"/>
+              </a:spcBef>
+              <a:spcAft>
+                <a:spcPts val="0"/>
+              </a:spcAft>
+              <a:buClr>
+                <a:schemeClr val="dk1"/>
+              </a:buClr>
+              <a:buSzPts val="1200"/>
+              <a:buChar char="-"/>
+            </a:pPr>
+            <a:r>
+              <a:rPr i="1" lang="de" sz="1200">
+                <a:solidFill>
+                  <a:schemeClr val="dk1"/>
+                </a:solidFill>
+              </a:rPr>
+              <a:t>Vorteile:</a:t>
+            </a:r>
+            <a:endParaRPr i="1" sz="1200">
+              <a:solidFill>
+                <a:schemeClr val="dk1"/>
+              </a:solidFill>
+            </a:endParaRPr>
+          </a:p>
+          <a:p>
+            <a:pPr indent="-304800" lvl="1" marL="914400" rtl="0" algn="l">
+              <a:spcBef>
+                <a:spcPts val="0"/>
+              </a:spcBef>
+              <a:spcAft>
+                <a:spcPts val="0"/>
+              </a:spcAft>
+              <a:buClr>
+                <a:schemeClr val="dk1"/>
+              </a:buClr>
+              <a:buSzPts val="1200"/>
+              <a:buChar char="-"/>
+            </a:pPr>
+            <a:r>
+              <a:rPr i="1" lang="de" sz="1200">
+                <a:solidFill>
+                  <a:schemeClr val="dk1"/>
+                </a:solidFill>
+              </a:rPr>
+              <a:t>Binär Heap -&gt; Element mit höchster Prio. immer in der Wurzel</a:t>
+            </a:r>
+            <a:endParaRPr i="1" sz="1200">
+              <a:solidFill>
+                <a:schemeClr val="dk1"/>
+              </a:solidFill>
+            </a:endParaRPr>
+          </a:p>
+          <a:p>
+            <a:pPr indent="-304800" lvl="1" marL="914400" rtl="0" algn="l">
+              <a:spcBef>
+                <a:spcPts val="0"/>
+              </a:spcBef>
+              <a:spcAft>
+                <a:spcPts val="0"/>
+              </a:spcAft>
+              <a:buClr>
+                <a:schemeClr val="dk1"/>
+              </a:buClr>
+              <a:buSzPts val="1200"/>
+              <a:buChar char="-"/>
+            </a:pPr>
+            <a:r>
+              <a:rPr i="1" lang="de" sz="1200">
+                <a:solidFill>
+                  <a:schemeClr val="dk1"/>
+                </a:solidFill>
+              </a:rPr>
+              <a:t>Binomial Heap -&gt; mergen geht sehr schnell (O(log n))</a:t>
+            </a:r>
+            <a:endParaRPr i="1" sz="1200">
+              <a:solidFill>
+                <a:schemeClr val="dk1"/>
+              </a:solidFill>
+            </a:endParaRPr>
+          </a:p>
+          <a:p>
+            <a:pPr indent="0" lvl="0" marL="0" rtl="0" algn="l">
+              <a:spcBef>
+                <a:spcPts val="0"/>
+              </a:spcBef>
+              <a:spcAft>
+                <a:spcPts val="0"/>
+              </a:spcAft>
+              <a:buNone/>
+            </a:pPr>
+            <a:r>
+              <a:t/>
+            </a:r>
+            <a:endParaRPr sz="1000">
+              <a:solidFill>
+                <a:schemeClr val="dk1"/>
+              </a:solidFill>
+            </a:endParaRPr>
+          </a:p>
+          <a:p>
+            <a:pPr indent="0" lvl="0" marL="0" rtl="0" algn="l">
+              <a:spcBef>
+                <a:spcPts val="0"/>
+              </a:spcBef>
+              <a:spcAft>
+                <a:spcPts val="0"/>
+              </a:spcAft>
+              <a:buClr>
+                <a:schemeClr val="dk1"/>
+              </a:buClr>
+              <a:buSzPts val="1100"/>
+              <a:buFont typeface="Arial"/>
+              <a:buNone/>
+            </a:pPr>
+            <a:r>
+              <a:t/>
+            </a:r>
+            <a:endParaRPr/>
+          </a:p>
+        </p:txBody>
+      </p:sp>
+    </p:spTree>
+  </p:cSld>
+  <p:clrMapOvr>
+    <a:masterClrMapping/>
+  </p:clrMapOvr>
+</p:sld>
+</file>
+
+<file path=ppt/slides/slide6.xml><?xml version="1.0" encoding="utf-8"?>
+<p:sld xmlns:a="http://schemas.openxmlformats.org/drawingml/2006/main" xmlns:r="http://schemas.openxmlformats.org/officeDocument/2006/relationships" xmlns:mc="http://schemas.openxmlformats.org/markup-compatibility/2006" xmlns:mv="urn:schemas-microsoft-com:mac:vml" xmlns:p="http://schemas.openxmlformats.org/presentationml/2006/main" xmlns:c="http://schemas.openxmlformats.org/drawingml/2006/chart" xmlns:dgm="http://schemas.openxmlformats.org/drawingml/2006/diagram" xmlns:o="urn:schemas-microsoft-com:office:office" xmlns:v="urn:schemas-microsoft-com:vml" xmlns:pvml="urn:schemas-microsoft-com:office:powerpoint" xmlns:com="http://schemas.openxmlformats.org/drawingml/2006/compatibility" xmlns:p14="http://schemas.microsoft.com/office/powerpoint/2010/main" xmlns:p15="http://schemas.microsoft.com/office/powerpoint/2012/main">
+  <p:cSld>
+    <p:spTree>
+      <p:nvGrpSpPr>
+        <p:cNvPr id="83" name="Shape 83"/>
+        <p:cNvGrpSpPr/>
+        <p:nvPr/>
+      </p:nvGrpSpPr>
+      <p:grpSpPr>
+        <a:xfrm>
+          <a:off x="0" y="0"/>
+          <a:ext cx="0" cy="0"/>
+          <a:chOff x="0" y="0"/>
+          <a:chExt cx="0" cy="0"/>
+        </a:xfrm>
+      </p:grpSpPr>
+      <p:sp>
+        <p:nvSpPr>
+          <p:cNvPr id="84" name="Google Shape;84;p18"/>
+          <p:cNvSpPr txBox="1"/>
+          <p:nvPr>
+            <p:ph type="title"/>
+          </p:nvPr>
+        </p:nvSpPr>
+        <p:spPr>
+          <a:xfrm>
+            <a:off x="311700" y="445025"/>
+            <a:ext cx="8520600" cy="572700"/>
+          </a:xfrm>
+          <a:prstGeom prst="rect">
+            <a:avLst/>
+          </a:prstGeom>
+        </p:spPr>
+        <p:txBody>
+          <a:bodyPr anchorCtr="0" anchor="t" bIns="91425" lIns="91425" spcFirstLastPara="1" rIns="91425" wrap="square" tIns="91425">
+            <a:noAutofit/>
+          </a:bodyPr>
+          <a:lstStyle/>
+          <a:p>
+            <a:pPr indent="0" lvl="0" marL="0" rtl="0" algn="l">
+              <a:spcBef>
+                <a:spcPts val="0"/>
+              </a:spcBef>
+              <a:spcAft>
+                <a:spcPts val="0"/>
+              </a:spcAft>
+              <a:buNone/>
+            </a:pPr>
+            <a:r>
+              <a:rPr lang="de"/>
+              <a:t>Anwendungsbeispiel (Organspende)</a:t>
+            </a:r>
+            <a:endParaRPr/>
+          </a:p>
+          <a:p>
+            <a:pPr indent="0" lvl="0" marL="0" rtl="0" algn="l">
+              <a:spcBef>
+                <a:spcPts val="0"/>
+              </a:spcBef>
+              <a:spcAft>
+                <a:spcPts val="0"/>
+              </a:spcAft>
+              <a:buNone/>
+            </a:pPr>
+            <a:r>
+              <a:t/>
             </a:r>
             <a:endParaRPr/>
           </a:p>
@@ -11280,7 +13016,7 @@
       </p:sp>
       <p:pic>
         <p:nvPicPr>
-          <p:cNvPr id="79" name="Google Shape;79;p17"/>
+          <p:cNvPr id="85" name="Google Shape;85;p18"/>
           <p:cNvPicPr preferRelativeResize="0"/>
           <p:nvPr/>
         </p:nvPicPr>
@@ -11294,7 +13030,7 @@
         </p:blipFill>
         <p:spPr>
           <a:xfrm>
-            <a:off x="3190875" y="1178075"/>
+            <a:off x="2787025" y="1110925"/>
             <a:ext cx="2762250" cy="3524250"/>
           </a:xfrm>
           <a:prstGeom prst="rect">
@@ -11306,9 +13042,196 @@
           </a:ln>
         </p:spPr>
       </p:pic>
+      <p:sp>
+        <p:nvSpPr>
+          <p:cNvPr id="86" name="Google Shape;86;p18"/>
+          <p:cNvSpPr/>
+          <p:nvPr/>
+        </p:nvSpPr>
+        <p:spPr>
+          <a:xfrm>
+            <a:off x="2605050" y="1524525"/>
+            <a:ext cx="1583700" cy="192300"/>
+          </a:xfrm>
+          <a:prstGeom prst="rightArrow">
+            <a:avLst>
+              <a:gd fmla="val 50000" name="adj1"/>
+              <a:gd fmla="val 50000" name="adj2"/>
+            </a:avLst>
+          </a:prstGeom>
+          <a:solidFill>
+            <a:schemeClr val="lt2"/>
+          </a:solidFill>
+          <a:ln cap="flat" cmpd="sng" w="9525">
+            <a:solidFill>
+              <a:schemeClr val="dk2"/>
+            </a:solidFill>
+            <a:prstDash val="solid"/>
+            <a:round/>
+            <a:headEnd len="sm" w="sm" type="none"/>
+            <a:tailEnd len="sm" w="sm" type="none"/>
+          </a:ln>
+        </p:spPr>
+        <p:txBody>
+          <a:bodyPr anchorCtr="0" anchor="ctr" bIns="91425" lIns="91425" spcFirstLastPara="1" rIns="91425" wrap="square" tIns="91425">
+            <a:noAutofit/>
+          </a:bodyPr>
+          <a:lstStyle/>
+          <a:p>
+            <a:pPr indent="0" lvl="0" marL="0" rtl="0" algn="l">
+              <a:spcBef>
+                <a:spcPts val="0"/>
+              </a:spcBef>
+              <a:spcAft>
+                <a:spcPts val="0"/>
+              </a:spcAft>
+              <a:buNone/>
+            </a:pPr>
+            <a:r>
+              <a:t/>
+            </a:r>
+            <a:endParaRPr/>
+          </a:p>
+        </p:txBody>
+      </p:sp>
+      <p:sp>
+        <p:nvSpPr>
+          <p:cNvPr id="87" name="Google Shape;87;p18"/>
+          <p:cNvSpPr txBox="1"/>
+          <p:nvPr/>
+        </p:nvSpPr>
+        <p:spPr>
+          <a:xfrm>
+            <a:off x="991650" y="1398525"/>
+            <a:ext cx="1613400" cy="318300"/>
+          </a:xfrm>
+          <a:prstGeom prst="rect">
+            <a:avLst/>
+          </a:prstGeom>
+          <a:noFill/>
+          <a:ln>
+            <a:noFill/>
+          </a:ln>
+        </p:spPr>
+        <p:txBody>
+          <a:bodyPr anchorCtr="0" anchor="t" bIns="91425" lIns="91425" spcFirstLastPara="1" rIns="91425" wrap="square" tIns="91425">
+            <a:noAutofit/>
+          </a:bodyPr>
+          <a:lstStyle/>
+          <a:p>
+            <a:pPr indent="0" lvl="0" marL="0" rtl="0" algn="l">
+              <a:spcBef>
+                <a:spcPts val="0"/>
+              </a:spcBef>
+              <a:spcAft>
+                <a:spcPts val="0"/>
+              </a:spcAft>
+              <a:buNone/>
+            </a:pPr>
+            <a:r>
+              <a:rPr lang="de"/>
+              <a:t>nächster Patient</a:t>
+            </a:r>
+            <a:endParaRPr/>
+          </a:p>
+        </p:txBody>
+      </p:sp>
+    </p:spTree>
+  </p:cSld>
+  <p:clrMapOvr>
+    <a:masterClrMapping/>
+  </p:clrMapOvr>
+</p:sld>
+</file>
+
+<file path=ppt/slides/slide7.xml><?xml version="1.0" encoding="utf-8"?>
+<p:sld xmlns:a="http://schemas.openxmlformats.org/drawingml/2006/main" xmlns:r="http://schemas.openxmlformats.org/officeDocument/2006/relationships" xmlns:mc="http://schemas.openxmlformats.org/markup-compatibility/2006" xmlns:mv="urn:schemas-microsoft-com:mac:vml" xmlns:p="http://schemas.openxmlformats.org/presentationml/2006/main" xmlns:c="http://schemas.openxmlformats.org/drawingml/2006/chart" xmlns:dgm="http://schemas.openxmlformats.org/drawingml/2006/diagram" xmlns:o="urn:schemas-microsoft-com:office:office" xmlns:v="urn:schemas-microsoft-com:vml" xmlns:pvml="urn:schemas-microsoft-com:office:powerpoint" xmlns:com="http://schemas.openxmlformats.org/drawingml/2006/compatibility" xmlns:p14="http://schemas.microsoft.com/office/powerpoint/2010/main" xmlns:p15="http://schemas.microsoft.com/office/powerpoint/2012/main">
+  <p:cSld>
+    <p:spTree>
+      <p:nvGrpSpPr>
+        <p:cNvPr id="91" name="Shape 91"/>
+        <p:cNvGrpSpPr/>
+        <p:nvPr/>
+      </p:nvGrpSpPr>
+      <p:grpSpPr>
+        <a:xfrm>
+          <a:off x="0" y="0"/>
+          <a:ext cx="0" cy="0"/>
+          <a:chOff x="0" y="0"/>
+          <a:chExt cx="0" cy="0"/>
+        </a:xfrm>
+      </p:grpSpPr>
+      <p:sp>
+        <p:nvSpPr>
+          <p:cNvPr id="92" name="Google Shape;92;p19"/>
+          <p:cNvSpPr txBox="1"/>
+          <p:nvPr>
+            <p:ph type="title"/>
+          </p:nvPr>
+        </p:nvSpPr>
+        <p:spPr>
+          <a:xfrm>
+            <a:off x="311700" y="445025"/>
+            <a:ext cx="8520600" cy="572700"/>
+          </a:xfrm>
+          <a:prstGeom prst="rect">
+            <a:avLst/>
+          </a:prstGeom>
+        </p:spPr>
+        <p:txBody>
+          <a:bodyPr anchorCtr="0" anchor="t" bIns="91425" lIns="91425" spcFirstLastPara="1" rIns="91425" wrap="square" tIns="91425">
+            <a:noAutofit/>
+          </a:bodyPr>
+          <a:lstStyle/>
+          <a:p>
+            <a:pPr indent="0" lvl="0" marL="0" rtl="0" algn="l">
+              <a:spcBef>
+                <a:spcPts val="0"/>
+              </a:spcBef>
+              <a:spcAft>
+                <a:spcPts val="0"/>
+              </a:spcAft>
+              <a:buNone/>
+            </a:pPr>
+            <a:r>
+              <a:rPr lang="de"/>
+              <a:t>Binär Heaps</a:t>
+            </a:r>
+            <a:endParaRPr/>
+          </a:p>
+        </p:txBody>
+      </p:sp>
       <p:pic>
         <p:nvPicPr>
-          <p:cNvPr id="80" name="Google Shape;80;p17"/>
+          <p:cNvPr id="93" name="Google Shape;93;p19"/>
+          <p:cNvPicPr preferRelativeResize="0"/>
+          <p:nvPr/>
+        </p:nvPicPr>
+        <p:blipFill>
+          <a:blip r:embed="rId3">
+            <a:alphaModFix/>
+          </a:blip>
+          <a:stretch>
+            <a:fillRect/>
+          </a:stretch>
+        </p:blipFill>
+        <p:spPr>
+          <a:xfrm>
+            <a:off x="3190875" y="1178075"/>
+            <a:ext cx="2762250" cy="3524250"/>
+          </a:xfrm>
+          <a:prstGeom prst="rect">
+            <a:avLst/>
+          </a:prstGeom>
+          <a:noFill/>
+          <a:ln>
+            <a:noFill/>
+          </a:ln>
+        </p:spPr>
+      </p:pic>
+      <p:pic>
+        <p:nvPicPr>
+          <p:cNvPr id="94" name="Google Shape;94;p19"/>
           <p:cNvPicPr preferRelativeResize="0"/>
           <p:nvPr/>
         </p:nvPicPr>
@@ -11336,7 +13259,7 @@
       </p:pic>
       <p:pic>
         <p:nvPicPr>
-          <p:cNvPr id="81" name="Google Shape;81;p17"/>
+          <p:cNvPr id="95" name="Google Shape;95;p19"/>
           <p:cNvPicPr preferRelativeResize="0"/>
           <p:nvPr/>
         </p:nvPicPr>
@@ -11364,7 +13287,7 @@
       </p:pic>
       <p:pic>
         <p:nvPicPr>
-          <p:cNvPr id="82" name="Google Shape;82;p17"/>
+          <p:cNvPr id="96" name="Google Shape;96;p19"/>
           <p:cNvPicPr preferRelativeResize="0"/>
           <p:nvPr/>
         </p:nvPicPr>
@@ -11392,7 +13315,7 @@
       </p:pic>
       <p:pic>
         <p:nvPicPr>
-          <p:cNvPr id="83" name="Google Shape;83;p17"/>
+          <p:cNvPr id="97" name="Google Shape;97;p19"/>
           <p:cNvPicPr preferRelativeResize="0"/>
           <p:nvPr/>
         </p:nvPicPr>
@@ -11420,7 +13343,7 @@
       </p:pic>
       <p:pic>
         <p:nvPicPr>
-          <p:cNvPr id="84" name="Google Shape;84;p17"/>
+          <p:cNvPr id="98" name="Google Shape;98;p19"/>
           <p:cNvPicPr preferRelativeResize="0"/>
           <p:nvPr/>
         </p:nvPicPr>
@@ -11448,7 +13371,7 @@
       </p:pic>
       <p:sp>
         <p:nvSpPr>
-          <p:cNvPr id="85" name="Google Shape;85;p17"/>
+          <p:cNvPr id="99" name="Google Shape;99;p19"/>
           <p:cNvSpPr txBox="1"/>
           <p:nvPr/>
         </p:nvSpPr>
@@ -11483,6 +13406,63 @@
             <a:r>
               <a:rPr lang="de"/>
               <a:t>Insert()</a:t>
+            </a:r>
+            <a:endParaRPr/>
+          </a:p>
+        </p:txBody>
+      </p:sp>
+      <p:sp>
+        <p:nvSpPr>
+          <p:cNvPr id="100" name="Google Shape;100;p19"/>
+          <p:cNvSpPr/>
+          <p:nvPr/>
+        </p:nvSpPr>
+        <p:spPr>
+          <a:xfrm>
+            <a:off x="392250" y="2364600"/>
+            <a:ext cx="1161900" cy="414300"/>
+          </a:xfrm>
+          <a:prstGeom prst="rect">
+            <a:avLst/>
+          </a:prstGeom>
+          <a:solidFill>
+            <a:schemeClr val="lt2"/>
+          </a:solidFill>
+          <a:ln cap="flat" cmpd="sng" w="9525">
+            <a:solidFill>
+              <a:schemeClr val="dk2"/>
+            </a:solidFill>
+            <a:prstDash val="solid"/>
+            <a:round/>
+            <a:headEnd len="sm" w="sm" type="none"/>
+            <a:tailEnd len="sm" w="sm" type="none"/>
+          </a:ln>
+          <a:effectLst>
+            <a:outerShdw blurRad="57150" rotWithShape="0" algn="bl" dir="5400000" dist="19050">
+              <a:srgbClr val="000000">
+                <a:alpha val="50000"/>
+              </a:srgbClr>
+            </a:outerShdw>
+          </a:effectLst>
+        </p:spPr>
+        <p:txBody>
+          <a:bodyPr anchorCtr="0" anchor="ctr" bIns="91425" lIns="91425" spcFirstLastPara="1" rIns="91425" wrap="square" tIns="91425">
+            <a:noAutofit/>
+          </a:bodyPr>
+          <a:lstStyle/>
+          <a:p>
+            <a:pPr indent="0" lvl="0" marL="0" rtl="0" algn="l">
+              <a:spcBef>
+                <a:spcPts val="0"/>
+              </a:spcBef>
+              <a:spcAft>
+                <a:spcPts val="0"/>
+              </a:spcAft>
+              <a:buNone/>
+            </a:pPr>
+            <a:r>
+              <a:rPr lang="de"/>
+              <a:t>heapifyUp()</a:t>
             </a:r>
             <a:endParaRPr/>
           </a:p>
@@ -11527,7 +13507,7 @@
                                           </p:stCondLst>
                                         </p:cTn>
                                         <p:tgtEl>
-                                          <p:spTgt spid="79"/>
+                                          <p:spTgt spid="93"/>
                                         </p:tgtEl>
                                         <p:attrNameLst>
                                           <p:attrName>style.visibility</p:attrName>
@@ -11541,7 +13521,7 @@
                                       <p:cBhvr>
                                         <p:cTn dur="1000"/>
                                         <p:tgtEl>
-                                          <p:spTgt spid="79"/>
+                                          <p:spTgt spid="93"/>
                                         </p:tgtEl>
                                       </p:cBhvr>
                                     </p:animEffect>
@@ -11580,7 +13560,7 @@
                                           </p:stCondLst>
                                         </p:cTn>
                                         <p:tgtEl>
-                                          <p:spTgt spid="80"/>
+                                          <p:spTgt spid="94"/>
                                         </p:tgtEl>
                                         <p:attrNameLst>
                                           <p:attrName>style.visibility</p:attrName>
@@ -11594,7 +13574,7 @@
                                       <p:cBhvr>
                                         <p:cTn dur="1000"/>
                                         <p:tgtEl>
-                                          <p:spTgt spid="80"/>
+                                          <p:spTgt spid="94"/>
                                         </p:tgtEl>
                                       </p:cBhvr>
                                     </p:animEffect>
@@ -11633,7 +13613,7 @@
                                           </p:stCondLst>
                                         </p:cTn>
                                         <p:tgtEl>
-                                          <p:spTgt spid="81"/>
+                                          <p:spTgt spid="95"/>
                                         </p:tgtEl>
                                         <p:attrNameLst>
                                           <p:attrName>style.visibility</p:attrName>
@@ -11647,7 +13627,7 @@
                                       <p:cBhvr>
                                         <p:cTn dur="1000"/>
                                         <p:tgtEl>
-                                          <p:spTgt spid="81"/>
+                                          <p:spTgt spid="95"/>
                                         </p:tgtEl>
                                       </p:cBhvr>
                                     </p:animEffect>
@@ -11686,7 +13666,7 @@
                                           </p:stCondLst>
                                         </p:cTn>
                                         <p:tgtEl>
-                                          <p:spTgt spid="82"/>
+                                          <p:spTgt spid="96"/>
                                         </p:tgtEl>
                                         <p:attrNameLst>
                                           <p:attrName>style.visibility</p:attrName>
@@ -11700,7 +13680,7 @@
                                       <p:cBhvr>
                                         <p:cTn dur="1000"/>
                                         <p:tgtEl>
-                                          <p:spTgt spid="82"/>
+                                          <p:spTgt spid="96"/>
                                         </p:tgtEl>
                                       </p:cBhvr>
                                     </p:animEffect>
@@ -11739,7 +13719,7 @@
                                           </p:stCondLst>
                                         </p:cTn>
                                         <p:tgtEl>
-                                          <p:spTgt spid="83"/>
+                                          <p:spTgt spid="97"/>
                                         </p:tgtEl>
                                         <p:attrNameLst>
                                           <p:attrName>style.visibility</p:attrName>
@@ -11753,7 +13733,7 @@
                                       <p:cBhvr>
                                         <p:cTn dur="1000"/>
                                         <p:tgtEl>
-                                          <p:spTgt spid="83"/>
+                                          <p:spTgt spid="97"/>
                                         </p:tgtEl>
                                       </p:cBhvr>
                                     </p:animEffect>
@@ -11792,7 +13772,7 @@
                                           </p:stCondLst>
                                         </p:cTn>
                                         <p:tgtEl>
-                                          <p:spTgt spid="84"/>
+                                          <p:spTgt spid="98"/>
                                         </p:tgtEl>
                                         <p:attrNameLst>
                                           <p:attrName>style.visibility</p:attrName>
@@ -11806,7 +13786,7 @@
                                       <p:cBhvr>
                                         <p:cTn dur="1000"/>
                                         <p:tgtEl>
-                                          <p:spTgt spid="84"/>
+                                          <p:spTgt spid="98"/>
                                         </p:tgtEl>
                                       </p:cBhvr>
                                     </p:animEffect>
@@ -11844,12 +13824,12 @@
 </p:sld>
 </file>
 
-<file path=ppt/slides/slide6.xml><?xml version="1.0" encoding="utf-8"?>
+<file path=ppt/slides/slide8.xml><?xml version="1.0" encoding="utf-8"?>
 <p:sld xmlns:a="http://schemas.openxmlformats.org/drawingml/2006/main" xmlns:r="http://schemas.openxmlformats.org/officeDocument/2006/relationships" xmlns:mc="http://schemas.openxmlformats.org/markup-compatibility/2006" xmlns:mv="urn:schemas-microsoft-com:mac:vml" xmlns:p="http://schemas.openxmlformats.org/presentationml/2006/main" xmlns:c="http://schemas.openxmlformats.org/drawingml/2006/chart" xmlns:dgm="http://schemas.openxmlformats.org/drawingml/2006/diagram" xmlns:o="urn:schemas-microsoft-com:office:office" xmlns:v="urn:schemas-microsoft-com:vml" xmlns:pvml="urn:schemas-microsoft-com:office:powerpoint" xmlns:com="http://schemas.openxmlformats.org/drawingml/2006/compatibility" xmlns:p14="http://schemas.microsoft.com/office/powerpoint/2010/main" xmlns:p15="http://schemas.microsoft.com/office/powerpoint/2012/main">
   <p:cSld>
     <p:spTree>
       <p:nvGrpSpPr>
-        <p:cNvPr id="89" name="Shape 89"/>
+        <p:cNvPr id="104" name="Shape 104"/>
         <p:cNvGrpSpPr/>
         <p:nvPr/>
       </p:nvGrpSpPr>
@@ -11863,7 +13843,7 @@
       </p:grpSpPr>
       <p:sp>
         <p:nvSpPr>
-          <p:cNvPr id="90" name="Google Shape;90;p18"/>
+          <p:cNvPr id="105" name="Google Shape;105;p20"/>
           <p:cNvSpPr txBox="1"/>
           <p:nvPr>
             <p:ph type="title"/>
@@ -11903,7 +13883,7 @@
       </p:sp>
       <p:pic>
         <p:nvPicPr>
-          <p:cNvPr id="91" name="Google Shape;91;p18"/>
+          <p:cNvPr id="106" name="Google Shape;106;p20"/>
           <p:cNvPicPr preferRelativeResize="0"/>
           <p:nvPr/>
         </p:nvPicPr>
@@ -11931,7 +13911,7 @@
       </p:pic>
       <p:pic>
         <p:nvPicPr>
-          <p:cNvPr id="92" name="Google Shape;92;p18"/>
+          <p:cNvPr id="107" name="Google Shape;107;p20"/>
           <p:cNvPicPr preferRelativeResize="0"/>
           <p:nvPr/>
         </p:nvPicPr>
@@ -11959,7 +13939,7 @@
       </p:pic>
       <p:pic>
         <p:nvPicPr>
-          <p:cNvPr id="93" name="Google Shape;93;p18"/>
+          <p:cNvPr id="108" name="Google Shape;108;p20"/>
           <p:cNvPicPr preferRelativeResize="0"/>
           <p:nvPr/>
         </p:nvPicPr>
@@ -11987,7 +13967,7 @@
       </p:pic>
       <p:pic>
         <p:nvPicPr>
-          <p:cNvPr id="94" name="Google Shape;94;p18"/>
+          <p:cNvPr id="109" name="Google Shape;109;p20"/>
           <p:cNvPicPr preferRelativeResize="0"/>
           <p:nvPr/>
         </p:nvPicPr>
@@ -12015,7 +13995,7 @@
       </p:pic>
       <p:pic>
         <p:nvPicPr>
-          <p:cNvPr id="95" name="Google Shape;95;p18"/>
+          <p:cNvPr id="110" name="Google Shape;110;p20"/>
           <p:cNvPicPr preferRelativeResize="0"/>
           <p:nvPr/>
         </p:nvPicPr>
@@ -12043,7 +14023,7 @@
       </p:pic>
       <p:pic>
         <p:nvPicPr>
-          <p:cNvPr id="96" name="Google Shape;96;p18"/>
+          <p:cNvPr id="111" name="Google Shape;111;p20"/>
           <p:cNvPicPr preferRelativeResize="0"/>
           <p:nvPr/>
         </p:nvPicPr>
@@ -12071,7 +14051,7 @@
       </p:pic>
       <p:sp>
         <p:nvSpPr>
-          <p:cNvPr id="97" name="Google Shape;97;p18"/>
+          <p:cNvPr id="112" name="Google Shape;112;p20"/>
           <p:cNvSpPr txBox="1"/>
           <p:nvPr/>
         </p:nvSpPr>
@@ -12105,7 +14085,64 @@
             </a:pPr>
             <a:r>
               <a:rPr lang="de"/>
-              <a:t>extractMin()</a:t>
+              <a:t>extractMin()  / poll</a:t>
+            </a:r>
+            <a:endParaRPr/>
+          </a:p>
+        </p:txBody>
+      </p:sp>
+      <p:sp>
+        <p:nvSpPr>
+          <p:cNvPr id="113" name="Google Shape;113;p20"/>
+          <p:cNvSpPr/>
+          <p:nvPr/>
+        </p:nvSpPr>
+        <p:spPr>
+          <a:xfrm>
+            <a:off x="392250" y="2364600"/>
+            <a:ext cx="1487400" cy="414300"/>
+          </a:xfrm>
+          <a:prstGeom prst="rect">
+            <a:avLst/>
+          </a:prstGeom>
+          <a:solidFill>
+            <a:schemeClr val="lt2"/>
+          </a:solidFill>
+          <a:ln cap="flat" cmpd="sng" w="9525">
+            <a:solidFill>
+              <a:schemeClr val="dk2"/>
+            </a:solidFill>
+            <a:prstDash val="solid"/>
+            <a:round/>
+            <a:headEnd len="sm" w="sm" type="none"/>
+            <a:tailEnd len="sm" w="sm" type="none"/>
+          </a:ln>
+          <a:effectLst>
+            <a:outerShdw blurRad="57150" rotWithShape="0" algn="bl" dir="5400000" dist="19050">
+              <a:srgbClr val="000000">
+                <a:alpha val="50000"/>
+              </a:srgbClr>
+            </a:outerShdw>
+          </a:effectLst>
+        </p:spPr>
+        <p:txBody>
+          <a:bodyPr anchorCtr="0" anchor="ctr" bIns="91425" lIns="91425" spcFirstLastPara="1" rIns="91425" wrap="square" tIns="91425">
+            <a:noAutofit/>
+          </a:bodyPr>
+          <a:lstStyle/>
+          <a:p>
+            <a:pPr indent="0" lvl="0" marL="0" rtl="0" algn="l">
+              <a:spcBef>
+                <a:spcPts val="0"/>
+              </a:spcBef>
+              <a:spcAft>
+                <a:spcPts val="0"/>
+              </a:spcAft>
+              <a:buNone/>
+            </a:pPr>
+            <a:r>
+              <a:rPr lang="de"/>
+              <a:t>heapifyDown()</a:t>
             </a:r>
             <a:endParaRPr/>
           </a:p>
@@ -12150,7 +14187,7 @@
                                           </p:stCondLst>
                                         </p:cTn>
                                         <p:tgtEl>
-                                          <p:spTgt spid="91"/>
+                                          <p:spTgt spid="106"/>
                                         </p:tgtEl>
                                         <p:attrNameLst>
                                           <p:attrName>style.visibility</p:attrName>
@@ -12195,7 +14232,7 @@
                                           </p:stCondLst>
                                         </p:cTn>
                                         <p:tgtEl>
-                                          <p:spTgt spid="92"/>
+                                          <p:spTgt spid="107"/>
                                         </p:tgtEl>
                                         <p:attrNameLst>
                                           <p:attrName>style.visibility</p:attrName>
@@ -12240,7 +14277,7 @@
                                           </p:stCondLst>
                                         </p:cTn>
                                         <p:tgtEl>
-                                          <p:spTgt spid="93"/>
+                                          <p:spTgt spid="108"/>
                                         </p:tgtEl>
                                         <p:attrNameLst>
                                           <p:attrName>style.visibility</p:attrName>
@@ -12285,7 +14322,7 @@
                                           </p:stCondLst>
                                         </p:cTn>
                                         <p:tgtEl>
-                                          <p:spTgt spid="94"/>
+                                          <p:spTgt spid="109"/>
                                         </p:tgtEl>
                                         <p:attrNameLst>
                                           <p:attrName>style.visibility</p:attrName>
@@ -12330,7 +14367,7 @@
                                           </p:stCondLst>
                                         </p:cTn>
                                         <p:tgtEl>
-                                          <p:spTgt spid="95"/>
+                                          <p:spTgt spid="110"/>
                                         </p:tgtEl>
                                         <p:attrNameLst>
                                           <p:attrName>style.visibility</p:attrName>
@@ -12375,7 +14412,7 @@
                                           </p:stCondLst>
                                         </p:cTn>
                                         <p:tgtEl>
-                                          <p:spTgt spid="96"/>
+                                          <p:spTgt spid="111"/>
                                         </p:tgtEl>
                                         <p:attrNameLst>
                                           <p:attrName>style.visibility</p:attrName>
@@ -12419,12 +14456,12 @@
 </p:sld>
 </file>
 
-<file path=ppt/slides/slide7.xml><?xml version="1.0" encoding="utf-8"?>
+<file path=ppt/slides/slide9.xml><?xml version="1.0" encoding="utf-8"?>
 <p:sld xmlns:a="http://schemas.openxmlformats.org/drawingml/2006/main" xmlns:r="http://schemas.openxmlformats.org/officeDocument/2006/relationships" xmlns:mc="http://schemas.openxmlformats.org/markup-compatibility/2006" xmlns:mv="urn:schemas-microsoft-com:mac:vml" xmlns:p="http://schemas.openxmlformats.org/presentationml/2006/main" xmlns:c="http://schemas.openxmlformats.org/drawingml/2006/chart" xmlns:dgm="http://schemas.openxmlformats.org/drawingml/2006/diagram" xmlns:o="urn:schemas-microsoft-com:office:office" xmlns:v="urn:schemas-microsoft-com:vml" xmlns:pvml="urn:schemas-microsoft-com:office:powerpoint" xmlns:com="http://schemas.openxmlformats.org/drawingml/2006/compatibility" xmlns:p14="http://schemas.microsoft.com/office/powerpoint/2010/main" xmlns:p15="http://schemas.microsoft.com/office/powerpoint/2012/main">
   <p:cSld>
     <p:spTree>
       <p:nvGrpSpPr>
-        <p:cNvPr id="101" name="Shape 101"/>
+        <p:cNvPr id="117" name="Shape 117"/>
         <p:cNvGrpSpPr/>
         <p:nvPr/>
       </p:nvGrpSpPr>
@@ -12438,7 +14475,7 @@
       </p:grpSpPr>
       <p:sp>
         <p:nvSpPr>
-          <p:cNvPr id="102" name="Google Shape;102;p19"/>
+          <p:cNvPr id="118" name="Google Shape;118;p21"/>
           <p:cNvSpPr txBox="1"/>
           <p:nvPr>
             <p:ph type="title"/>
@@ -12498,7 +14535,7 @@
       </p:sp>
       <p:sp>
         <p:nvSpPr>
-          <p:cNvPr id="103" name="Google Shape;103;p19"/>
+          <p:cNvPr id="119" name="Google Shape;119;p21"/>
           <p:cNvSpPr txBox="1"/>
           <p:nvPr/>
         </p:nvSpPr>
@@ -12559,7 +14596,7 @@
       </p:sp>
       <p:sp>
         <p:nvSpPr>
-          <p:cNvPr id="104" name="Google Shape;104;p19"/>
+          <p:cNvPr id="120" name="Google Shape;120;p21"/>
           <p:cNvSpPr txBox="1"/>
           <p:nvPr/>
         </p:nvSpPr>
@@ -12620,7 +14657,7 @@
       </p:sp>
       <p:sp>
         <p:nvSpPr>
-          <p:cNvPr id="105" name="Google Shape;105;p19"/>
+          <p:cNvPr id="121" name="Google Shape;121;p21"/>
           <p:cNvSpPr txBox="1"/>
           <p:nvPr/>
         </p:nvSpPr>
@@ -12689,7 +14726,7 @@
       </p:sp>
       <p:pic>
         <p:nvPicPr>
-          <p:cNvPr id="106" name="Google Shape;106;p19"/>
+          <p:cNvPr id="122" name="Google Shape;122;p21"/>
           <p:cNvPicPr preferRelativeResize="0"/>
           <p:nvPr/>
         </p:nvPicPr>
@@ -12717,7 +14754,7 @@
       </p:pic>
       <p:pic>
         <p:nvPicPr>
-          <p:cNvPr id="107" name="Google Shape;107;p19"/>
+          <p:cNvPr id="123" name="Google Shape;123;p21"/>
           <p:cNvPicPr preferRelativeResize="0"/>
           <p:nvPr/>
         </p:nvPicPr>
@@ -12782,7 +14819,7 @@
                                           </p:stCondLst>
                                         </p:cTn>
                                         <p:tgtEl>
-                                          <p:spTgt spid="103"/>
+                                          <p:spTgt spid="119"/>
                                         </p:tgtEl>
                                         <p:attrNameLst>
                                           <p:attrName>style.visibility</p:attrName>
@@ -12796,7 +14833,7 @@
                                       <p:cBhvr>
                                         <p:cTn dur="1000"/>
                                         <p:tgtEl>
-                                          <p:spTgt spid="103"/>
+                                          <p:spTgt spid="119"/>
                                         </p:tgtEl>
                                       </p:cBhvr>
                                     </p:animEffect>
@@ -12823,1224 +14860,6 @@
                             <p:childTnLst>
                               <p:par>
                                 <p:cTn fill="hold" nodeType="clickEffect" presetClass="entr" presetID="10" presetSubtype="0">
-                                  <p:stCondLst>
-                                    <p:cond delay="0"/>
-                                  </p:stCondLst>
-                                  <p:childTnLst>
-                                    <p:set>
-                                      <p:cBhvr>
-                                        <p:cTn dur="1" fill="hold">
-                                          <p:stCondLst>
-                                            <p:cond delay="0"/>
-                                          </p:stCondLst>
-                                        </p:cTn>
-                                        <p:tgtEl>
-                                          <p:spTgt spid="104"/>
-                                        </p:tgtEl>
-                                        <p:attrNameLst>
-                                          <p:attrName>style.visibility</p:attrName>
-                                        </p:attrNameLst>
-                                      </p:cBhvr>
-                                      <p:to>
-                                        <p:strVal val="visible"/>
-                                      </p:to>
-                                    </p:set>
-                                    <p:animEffect filter="fade" transition="in">
-                                      <p:cBhvr>
-                                        <p:cTn dur="1000"/>
-                                        <p:tgtEl>
-                                          <p:spTgt spid="104"/>
-                                        </p:tgtEl>
-                                      </p:cBhvr>
-                                    </p:animEffect>
-                                  </p:childTnLst>
-                                </p:cTn>
-                              </p:par>
-                            </p:childTnLst>
-                          </p:cTn>
-                        </p:par>
-                      </p:childTnLst>
-                    </p:cTn>
-                  </p:par>
-                  <p:par>
-                    <p:cTn fill="hold">
-                      <p:stCondLst>
-                        <p:cond delay="indefinite"/>
-                      </p:stCondLst>
-                      <p:childTnLst>
-                        <p:par>
-                          <p:cTn fill="hold">
-                            <p:stCondLst>
-                              <p:cond delay="0"/>
-                            </p:stCondLst>
-                            <p:childTnLst>
-                              <p:par>
-                                <p:cTn fill="hold" nodeType="clickEffect" presetClass="entr" presetID="10" presetSubtype="0">
-                                  <p:stCondLst>
-                                    <p:cond delay="0"/>
-                                  </p:stCondLst>
-                                  <p:childTnLst>
-                                    <p:set>
-                                      <p:cBhvr>
-                                        <p:cTn dur="1" fill="hold">
-                                          <p:stCondLst>
-                                            <p:cond delay="0"/>
-                                          </p:stCondLst>
-                                        </p:cTn>
-                                        <p:tgtEl>
-                                          <p:spTgt spid="105"/>
-                                        </p:tgtEl>
-                                        <p:attrNameLst>
-                                          <p:attrName>style.visibility</p:attrName>
-                                        </p:attrNameLst>
-                                      </p:cBhvr>
-                                      <p:to>
-                                        <p:strVal val="visible"/>
-                                      </p:to>
-                                    </p:set>
-                                    <p:animEffect filter="fade" transition="in">
-                                      <p:cBhvr>
-                                        <p:cTn dur="1000"/>
-                                        <p:tgtEl>
-                                          <p:spTgt spid="105"/>
-                                        </p:tgtEl>
-                                      </p:cBhvr>
-                                    </p:animEffect>
-                                  </p:childTnLst>
-                                </p:cTn>
-                              </p:par>
-                            </p:childTnLst>
-                          </p:cTn>
-                        </p:par>
-                      </p:childTnLst>
-                    </p:cTn>
-                  </p:par>
-                </p:childTnLst>
-              </p:cTn>
-              <p:prevCondLst>
-                <p:cond evt="onPrev">
-                  <p:tgtEl>
-                    <p:sldTgt/>
-                  </p:tgtEl>
-                </p:cond>
-              </p:prevCondLst>
-              <p:nextCondLst>
-                <p:cond evt="onNext">
-                  <p:tgtEl>
-                    <p:sldTgt/>
-                  </p:tgtEl>
-                </p:cond>
-              </p:nextCondLst>
-            </p:seq>
-          </p:childTnLst>
-        </p:cTn>
-      </p:par>
-    </p:tnLst>
-  </p:timing>
-</p:sld>
-</file>
-
-<file path=ppt/slides/slide8.xml><?xml version="1.0" encoding="utf-8"?>
-<p:sld xmlns:a="http://schemas.openxmlformats.org/drawingml/2006/main" xmlns:r="http://schemas.openxmlformats.org/officeDocument/2006/relationships" xmlns:mc="http://schemas.openxmlformats.org/markup-compatibility/2006" xmlns:mv="urn:schemas-microsoft-com:mac:vml" xmlns:p="http://schemas.openxmlformats.org/presentationml/2006/main" xmlns:c="http://schemas.openxmlformats.org/drawingml/2006/chart" xmlns:dgm="http://schemas.openxmlformats.org/drawingml/2006/diagram" xmlns:o="urn:schemas-microsoft-com:office:office" xmlns:v="urn:schemas-microsoft-com:vml" xmlns:pvml="urn:schemas-microsoft-com:office:powerpoint" xmlns:com="http://schemas.openxmlformats.org/drawingml/2006/compatibility" xmlns:p14="http://schemas.microsoft.com/office/powerpoint/2010/main" xmlns:p15="http://schemas.microsoft.com/office/powerpoint/2012/main">
-  <p:cSld>
-    <p:spTree>
-      <p:nvGrpSpPr>
-        <p:cNvPr id="111" name="Shape 111"/>
-        <p:cNvGrpSpPr/>
-        <p:nvPr/>
-      </p:nvGrpSpPr>
-      <p:grpSpPr>
-        <a:xfrm>
-          <a:off x="0" y="0"/>
-          <a:ext cx="0" cy="0"/>
-          <a:chOff x="0" y="0"/>
-          <a:chExt cx="0" cy="0"/>
-        </a:xfrm>
-      </p:grpSpPr>
-      <p:pic>
-        <p:nvPicPr>
-          <p:cNvPr id="112" name="Google Shape;112;p20"/>
-          <p:cNvPicPr preferRelativeResize="0"/>
-          <p:nvPr/>
-        </p:nvPicPr>
-        <p:blipFill rotWithShape="1">
-          <a:blip r:embed="rId3">
-            <a:alphaModFix/>
-          </a:blip>
-          <a:srcRect b="0" l="-9500" r="9500" t="0"/>
-          <a:stretch/>
-        </p:blipFill>
-        <p:spPr>
-          <a:xfrm>
-            <a:off x="6579900" y="1483350"/>
-            <a:ext cx="2252400" cy="3660150"/>
-          </a:xfrm>
-          <a:prstGeom prst="rect">
-            <a:avLst/>
-          </a:prstGeom>
-          <a:noFill/>
-          <a:ln>
-            <a:noFill/>
-          </a:ln>
-        </p:spPr>
-      </p:pic>
-      <p:sp>
-        <p:nvSpPr>
-          <p:cNvPr id="113" name="Google Shape;113;p20"/>
-          <p:cNvSpPr txBox="1"/>
-          <p:nvPr>
-            <p:ph type="title"/>
-          </p:nvPr>
-        </p:nvSpPr>
-        <p:spPr>
-          <a:xfrm>
-            <a:off x="311700" y="445025"/>
-            <a:ext cx="8520600" cy="572700"/>
-          </a:xfrm>
-          <a:prstGeom prst="rect">
-            <a:avLst/>
-          </a:prstGeom>
-        </p:spPr>
-        <p:txBody>
-          <a:bodyPr anchorCtr="0" anchor="t" bIns="91425" lIns="91425" spcFirstLastPara="1" rIns="91425" wrap="square" tIns="91425">
-            <a:noAutofit/>
-          </a:bodyPr>
-          <a:lstStyle/>
-          <a:p>
-            <a:pPr indent="0" lvl="0" marL="0" rtl="0" algn="l">
-              <a:spcBef>
-                <a:spcPts val="0"/>
-              </a:spcBef>
-              <a:spcAft>
-                <a:spcPts val="0"/>
-              </a:spcAft>
-              <a:buNone/>
-            </a:pPr>
-            <a:r>
-              <a:rPr lang="de"/>
-              <a:t>Binomial Heaps</a:t>
-            </a:r>
-            <a:endParaRPr/>
-          </a:p>
-        </p:txBody>
-      </p:sp>
-      <p:sp>
-        <p:nvSpPr>
-          <p:cNvPr id="114" name="Google Shape;114;p20"/>
-          <p:cNvSpPr txBox="1"/>
-          <p:nvPr>
-            <p:ph idx="1" type="body"/>
-          </p:nvPr>
-        </p:nvSpPr>
-        <p:spPr>
-          <a:xfrm>
-            <a:off x="311700" y="1152475"/>
-            <a:ext cx="8520600" cy="3796500"/>
-          </a:xfrm>
-          <a:prstGeom prst="rect">
-            <a:avLst/>
-          </a:prstGeom>
-        </p:spPr>
-        <p:txBody>
-          <a:bodyPr anchorCtr="0" anchor="t" bIns="91425" lIns="91425" spcFirstLastPara="1" rIns="91425" wrap="square" tIns="91425">
-            <a:noAutofit/>
-          </a:bodyPr>
-          <a:lstStyle/>
-          <a:p>
-            <a:pPr indent="-342900" lvl="0" marL="457200" rtl="0" algn="l">
-              <a:lnSpc>
-                <a:spcPct val="115000"/>
-              </a:lnSpc>
-              <a:spcBef>
-                <a:spcPts val="0"/>
-              </a:spcBef>
-              <a:spcAft>
-                <a:spcPts val="0"/>
-              </a:spcAft>
-              <a:buSzPts val="1800"/>
-              <a:buChar char="➔"/>
-            </a:pPr>
-            <a:r>
-              <a:rPr lang="de"/>
-              <a:t>Binomial Heaps beschreibt man als die Menge verbundener Binomialbäume</a:t>
-            </a:r>
-            <a:endParaRPr/>
-          </a:p>
-          <a:p>
-            <a:pPr indent="-342900" lvl="0" marL="457200" rtl="0" algn="l">
-              <a:lnSpc>
-                <a:spcPct val="115000"/>
-              </a:lnSpc>
-              <a:spcBef>
-                <a:spcPts val="0"/>
-              </a:spcBef>
-              <a:spcAft>
-                <a:spcPts val="0"/>
-              </a:spcAft>
-              <a:buSzPts val="1800"/>
-              <a:buChar char="➔"/>
-            </a:pPr>
-            <a:r>
-              <a:rPr lang="de"/>
-              <a:t>Binomialbäume werden mit zwei Bedingungen definiert</a:t>
-            </a:r>
-            <a:endParaRPr/>
-          </a:p>
-          <a:p>
-            <a:pPr indent="-342900" lvl="0" marL="457200" rtl="0" algn="l">
-              <a:spcBef>
-                <a:spcPts val="0"/>
-              </a:spcBef>
-              <a:spcAft>
-                <a:spcPts val="0"/>
-              </a:spcAft>
-              <a:buSzPts val="1800"/>
-              <a:buChar char="➔"/>
-            </a:pPr>
-            <a:r>
-              <a:rPr lang="de"/>
-              <a:t>Ein Binomialbaum 0-ten Grades hat einen Knoten</a:t>
-            </a:r>
-            <a:endParaRPr/>
-          </a:p>
-          <a:p>
-            <a:pPr indent="-342900" lvl="0" marL="457200" rtl="0" algn="l">
-              <a:lnSpc>
-                <a:spcPct val="115000"/>
-              </a:lnSpc>
-              <a:spcBef>
-                <a:spcPts val="0"/>
-              </a:spcBef>
-              <a:spcAft>
-                <a:spcPts val="0"/>
-              </a:spcAft>
-              <a:buSzPts val="1800"/>
-              <a:buChar char="➔"/>
-            </a:pPr>
-            <a:r>
-              <a:rPr lang="de"/>
-              <a:t>Im Binomial Heap kann es nur einen Teilbaum jeden Grades geben</a:t>
-            </a:r>
-            <a:endParaRPr/>
-          </a:p>
-          <a:p>
-            <a:pPr indent="-342900" lvl="0" marL="457200" rtl="0" algn="l">
-              <a:lnSpc>
-                <a:spcPct val="115000"/>
-              </a:lnSpc>
-              <a:spcBef>
-                <a:spcPts val="0"/>
-              </a:spcBef>
-              <a:spcAft>
-                <a:spcPts val="0"/>
-              </a:spcAft>
-              <a:buSzPts val="1800"/>
-              <a:buChar char="➔"/>
-            </a:pPr>
-            <a:r>
-              <a:rPr lang="de"/>
-              <a:t>Mehrere Teilbäume eines Grades werden “merged”:</a:t>
-            </a:r>
-            <a:endParaRPr/>
-          </a:p>
-          <a:p>
-            <a:pPr indent="0" lvl="0" marL="0" rtl="0" algn="l">
-              <a:spcBef>
-                <a:spcPts val="1600"/>
-              </a:spcBef>
-              <a:spcAft>
-                <a:spcPts val="0"/>
-              </a:spcAft>
-              <a:buNone/>
-            </a:pPr>
-            <a:r>
-              <a:t/>
-            </a:r>
-            <a:endParaRPr/>
-          </a:p>
-          <a:p>
-            <a:pPr indent="0" lvl="0" marL="457200" rtl="0" algn="l">
-              <a:spcBef>
-                <a:spcPts val="1600"/>
-              </a:spcBef>
-              <a:spcAft>
-                <a:spcPts val="1600"/>
-              </a:spcAft>
-              <a:buNone/>
-            </a:pPr>
-            <a:r>
-              <a:rPr lang="de"/>
-              <a:t> </a:t>
-            </a:r>
-            <a:endParaRPr/>
-          </a:p>
-        </p:txBody>
-      </p:sp>
-      <p:pic>
-        <p:nvPicPr>
-          <p:cNvPr id="115" name="Google Shape;115;p20"/>
-          <p:cNvPicPr preferRelativeResize="0"/>
-          <p:nvPr/>
-        </p:nvPicPr>
-        <p:blipFill>
-          <a:blip r:embed="rId4">
-            <a:alphaModFix/>
-          </a:blip>
-          <a:stretch>
-            <a:fillRect/>
-          </a:stretch>
-        </p:blipFill>
-        <p:spPr>
-          <a:xfrm>
-            <a:off x="361475" y="2932150"/>
-            <a:ext cx="1047750" cy="1047750"/>
-          </a:xfrm>
-          <a:prstGeom prst="rect">
-            <a:avLst/>
-          </a:prstGeom>
-          <a:noFill/>
-          <a:ln>
-            <a:noFill/>
-          </a:ln>
-        </p:spPr>
-      </p:pic>
-      <p:pic>
-        <p:nvPicPr>
-          <p:cNvPr id="116" name="Google Shape;116;p20"/>
-          <p:cNvPicPr preferRelativeResize="0"/>
-          <p:nvPr/>
-        </p:nvPicPr>
-        <p:blipFill>
-          <a:blip r:embed="rId5">
-            <a:alphaModFix/>
-          </a:blip>
-          <a:stretch>
-            <a:fillRect/>
-          </a:stretch>
-        </p:blipFill>
-        <p:spPr>
-          <a:xfrm>
-            <a:off x="1409225" y="2896500"/>
-            <a:ext cx="2095500" cy="1047750"/>
-          </a:xfrm>
-          <a:prstGeom prst="rect">
-            <a:avLst/>
-          </a:prstGeom>
-          <a:noFill/>
-          <a:ln>
-            <a:noFill/>
-          </a:ln>
-        </p:spPr>
-      </p:pic>
-      <p:pic>
-        <p:nvPicPr>
-          <p:cNvPr id="117" name="Google Shape;117;p20"/>
-          <p:cNvPicPr preferRelativeResize="0"/>
-          <p:nvPr/>
-        </p:nvPicPr>
-        <p:blipFill>
-          <a:blip r:embed="rId6">
-            <a:alphaModFix/>
-          </a:blip>
-          <a:stretch>
-            <a:fillRect/>
-          </a:stretch>
-        </p:blipFill>
-        <p:spPr>
-          <a:xfrm>
-            <a:off x="3370925" y="2762250"/>
-            <a:ext cx="1143000" cy="2381250"/>
-          </a:xfrm>
-          <a:prstGeom prst="rect">
-            <a:avLst/>
-          </a:prstGeom>
-          <a:noFill/>
-          <a:ln>
-            <a:noFill/>
-          </a:ln>
-        </p:spPr>
-      </p:pic>
-      <p:pic>
-        <p:nvPicPr>
-          <p:cNvPr id="118" name="Google Shape;118;p20"/>
-          <p:cNvPicPr preferRelativeResize="0"/>
-          <p:nvPr/>
-        </p:nvPicPr>
-        <p:blipFill>
-          <a:blip r:embed="rId7">
-            <a:alphaModFix/>
-          </a:blip>
-          <a:stretch>
-            <a:fillRect/>
-          </a:stretch>
-        </p:blipFill>
-        <p:spPr>
-          <a:xfrm>
-            <a:off x="4375675" y="2762250"/>
-            <a:ext cx="2381250" cy="2381250"/>
-          </a:xfrm>
-          <a:prstGeom prst="rect">
-            <a:avLst/>
-          </a:prstGeom>
-          <a:noFill/>
-          <a:ln>
-            <a:noFill/>
-          </a:ln>
-        </p:spPr>
-      </p:pic>
-      <p:cxnSp>
-        <p:nvCxnSpPr>
-          <p:cNvPr id="119" name="Google Shape;119;p20"/>
-          <p:cNvCxnSpPr/>
-          <p:nvPr/>
-        </p:nvCxnSpPr>
-        <p:spPr>
-          <a:xfrm>
-            <a:off x="3454950" y="2813025"/>
-            <a:ext cx="12600" cy="2279700"/>
-          </a:xfrm>
-          <a:prstGeom prst="straightConnector1">
-            <a:avLst/>
-          </a:prstGeom>
-          <a:noFill/>
-          <a:ln cap="flat" cmpd="sng" w="9525">
-            <a:solidFill>
-              <a:schemeClr val="dk2"/>
-            </a:solidFill>
-            <a:prstDash val="solid"/>
-            <a:round/>
-            <a:headEnd len="med" w="med" type="none"/>
-            <a:tailEnd len="med" w="med" type="none"/>
-          </a:ln>
-        </p:spPr>
-      </p:cxnSp>
-      <p:cxnSp>
-        <p:nvCxnSpPr>
-          <p:cNvPr id="120" name="Google Shape;120;p20"/>
-          <p:cNvCxnSpPr/>
-          <p:nvPr/>
-        </p:nvCxnSpPr>
-        <p:spPr>
-          <a:xfrm>
-            <a:off x="4513925" y="2813025"/>
-            <a:ext cx="12600" cy="2279700"/>
-          </a:xfrm>
-          <a:prstGeom prst="straightConnector1">
-            <a:avLst/>
-          </a:prstGeom>
-          <a:noFill/>
-          <a:ln cap="flat" cmpd="sng" w="9525">
-            <a:solidFill>
-              <a:schemeClr val="dk2"/>
-            </a:solidFill>
-            <a:prstDash val="solid"/>
-            <a:round/>
-            <a:headEnd len="med" w="med" type="none"/>
-            <a:tailEnd len="med" w="med" type="none"/>
-          </a:ln>
-        </p:spPr>
-      </p:cxnSp>
-      <p:cxnSp>
-        <p:nvCxnSpPr>
-          <p:cNvPr id="121" name="Google Shape;121;p20"/>
-          <p:cNvCxnSpPr/>
-          <p:nvPr/>
-        </p:nvCxnSpPr>
-        <p:spPr>
-          <a:xfrm>
-            <a:off x="1409225" y="2813025"/>
-            <a:ext cx="12600" cy="2279700"/>
-          </a:xfrm>
-          <a:prstGeom prst="straightConnector1">
-            <a:avLst/>
-          </a:prstGeom>
-          <a:noFill/>
-          <a:ln cap="flat" cmpd="sng" w="9525">
-            <a:solidFill>
-              <a:schemeClr val="dk2"/>
-            </a:solidFill>
-            <a:prstDash val="solid"/>
-            <a:round/>
-            <a:headEnd len="med" w="med" type="none"/>
-            <a:tailEnd len="med" w="med" type="none"/>
-          </a:ln>
-        </p:spPr>
-      </p:cxnSp>
-      <p:cxnSp>
-        <p:nvCxnSpPr>
-          <p:cNvPr id="122" name="Google Shape;122;p20"/>
-          <p:cNvCxnSpPr/>
-          <p:nvPr/>
-        </p:nvCxnSpPr>
-        <p:spPr>
-          <a:xfrm>
-            <a:off x="6682575" y="2813025"/>
-            <a:ext cx="12600" cy="2279700"/>
-          </a:xfrm>
-          <a:prstGeom prst="straightConnector1">
-            <a:avLst/>
-          </a:prstGeom>
-          <a:noFill/>
-          <a:ln cap="flat" cmpd="sng" w="9525">
-            <a:solidFill>
-              <a:schemeClr val="dk2"/>
-            </a:solidFill>
-            <a:prstDash val="solid"/>
-            <a:round/>
-            <a:headEnd len="med" w="med" type="none"/>
-            <a:tailEnd len="med" w="med" type="none"/>
-          </a:ln>
-        </p:spPr>
-      </p:cxnSp>
-    </p:spTree>
-  </p:cSld>
-  <p:clrMapOvr>
-    <a:masterClrMapping/>
-  </p:clrMapOvr>
-  <p:timing>
-    <p:tnLst>
-      <p:par>
-        <p:cTn dur="indefinite" nodeType="tmRoot" restart="never">
-          <p:childTnLst>
-            <p:seq concurrent="1" nextAc="seek">
-              <p:cTn dur="indefinite" id="2" nodeType="mainSeq">
-                <p:childTnLst>
-                  <p:par>
-                    <p:cTn fill="hold">
-                      <p:stCondLst>
-                        <p:cond delay="indefinite"/>
-                      </p:stCondLst>
-                      <p:childTnLst>
-                        <p:par>
-                          <p:cTn fill="hold">
-                            <p:stCondLst>
-                              <p:cond delay="0"/>
-                            </p:stCondLst>
-                            <p:childTnLst>
-                              <p:par>
-                                <p:cTn fill="hold" nodeType="clickEffect" presetClass="entr" presetID="10" presetSubtype="0">
-                                  <p:stCondLst>
-                                    <p:cond delay="0"/>
-                                  </p:stCondLst>
-                                  <p:childTnLst>
-                                    <p:set>
-                                      <p:cBhvr>
-                                        <p:cTn dur="1" fill="hold">
-                                          <p:stCondLst>
-                                            <p:cond delay="0"/>
-                                          </p:stCondLst>
-                                        </p:cTn>
-                                        <p:tgtEl>
-                                          <p:spTgt spid="114">
-                                            <p:txEl>
-                                              <p:pRg end="0" st="0"/>
-                                            </p:txEl>
-                                          </p:spTgt>
-                                        </p:tgtEl>
-                                        <p:attrNameLst>
-                                          <p:attrName>style.visibility</p:attrName>
-                                        </p:attrNameLst>
-                                      </p:cBhvr>
-                                      <p:to>
-                                        <p:strVal val="visible"/>
-                                      </p:to>
-                                    </p:set>
-                                    <p:animEffect filter="fade" transition="in">
-                                      <p:cBhvr>
-                                        <p:cTn dur="1000"/>
-                                        <p:tgtEl>
-                                          <p:spTgt spid="114">
-                                            <p:txEl>
-                                              <p:pRg end="0" st="0"/>
-                                            </p:txEl>
-                                          </p:spTgt>
-                                        </p:tgtEl>
-                                      </p:cBhvr>
-                                    </p:animEffect>
-                                  </p:childTnLst>
-                                </p:cTn>
-                              </p:par>
-                            </p:childTnLst>
-                          </p:cTn>
-                        </p:par>
-                      </p:childTnLst>
-                    </p:cTn>
-                  </p:par>
-                  <p:par>
-                    <p:cTn fill="hold">
-                      <p:stCondLst>
-                        <p:cond delay="indefinite"/>
-                      </p:stCondLst>
-                      <p:childTnLst>
-                        <p:par>
-                          <p:cTn fill="hold">
-                            <p:stCondLst>
-                              <p:cond delay="0"/>
-                            </p:stCondLst>
-                            <p:childTnLst>
-                              <p:par>
-                                <p:cTn fill="hold" nodeType="clickEffect" presetClass="entr" presetID="10" presetSubtype="0">
-                                  <p:stCondLst>
-                                    <p:cond delay="0"/>
-                                  </p:stCondLst>
-                                  <p:childTnLst>
-                                    <p:set>
-                                      <p:cBhvr>
-                                        <p:cTn dur="1" fill="hold">
-                                          <p:stCondLst>
-                                            <p:cond delay="0"/>
-                                          </p:stCondLst>
-                                        </p:cTn>
-                                        <p:tgtEl>
-                                          <p:spTgt spid="114">
-                                            <p:txEl>
-                                              <p:pRg end="1" st="1"/>
-                                            </p:txEl>
-                                          </p:spTgt>
-                                        </p:tgtEl>
-                                        <p:attrNameLst>
-                                          <p:attrName>style.visibility</p:attrName>
-                                        </p:attrNameLst>
-                                      </p:cBhvr>
-                                      <p:to>
-                                        <p:strVal val="visible"/>
-                                      </p:to>
-                                    </p:set>
-                                    <p:animEffect filter="fade" transition="in">
-                                      <p:cBhvr>
-                                        <p:cTn dur="1000"/>
-                                        <p:tgtEl>
-                                          <p:spTgt spid="114">
-                                            <p:txEl>
-                                              <p:pRg end="1" st="1"/>
-                                            </p:txEl>
-                                          </p:spTgt>
-                                        </p:tgtEl>
-                                      </p:cBhvr>
-                                    </p:animEffect>
-                                  </p:childTnLst>
-                                </p:cTn>
-                              </p:par>
-                            </p:childTnLst>
-                          </p:cTn>
-                        </p:par>
-                      </p:childTnLst>
-                    </p:cTn>
-                  </p:par>
-                  <p:par>
-                    <p:cTn fill="hold">
-                      <p:stCondLst>
-                        <p:cond delay="indefinite"/>
-                      </p:stCondLst>
-                      <p:childTnLst>
-                        <p:par>
-                          <p:cTn fill="hold">
-                            <p:stCondLst>
-                              <p:cond delay="0"/>
-                            </p:stCondLst>
-                            <p:childTnLst>
-                              <p:par>
-                                <p:cTn fill="hold" nodeType="clickEffect" presetClass="entr" presetID="10" presetSubtype="0">
-                                  <p:stCondLst>
-                                    <p:cond delay="0"/>
-                                  </p:stCondLst>
-                                  <p:childTnLst>
-                                    <p:set>
-                                      <p:cBhvr>
-                                        <p:cTn dur="1" fill="hold">
-                                          <p:stCondLst>
-                                            <p:cond delay="0"/>
-                                          </p:stCondLst>
-                                        </p:cTn>
-                                        <p:tgtEl>
-                                          <p:spTgt spid="114">
-                                            <p:txEl>
-                                              <p:pRg end="2" st="2"/>
-                                            </p:txEl>
-                                          </p:spTgt>
-                                        </p:tgtEl>
-                                        <p:attrNameLst>
-                                          <p:attrName>style.visibility</p:attrName>
-                                        </p:attrNameLst>
-                                      </p:cBhvr>
-                                      <p:to>
-                                        <p:strVal val="visible"/>
-                                      </p:to>
-                                    </p:set>
-                                    <p:animEffect filter="fade" transition="in">
-                                      <p:cBhvr>
-                                        <p:cTn dur="1000"/>
-                                        <p:tgtEl>
-                                          <p:spTgt spid="114">
-                                            <p:txEl>
-                                              <p:pRg end="2" st="2"/>
-                                            </p:txEl>
-                                          </p:spTgt>
-                                        </p:tgtEl>
-                                      </p:cBhvr>
-                                    </p:animEffect>
-                                  </p:childTnLst>
-                                </p:cTn>
-                              </p:par>
-                            </p:childTnLst>
-                          </p:cTn>
-                        </p:par>
-                      </p:childTnLst>
-                    </p:cTn>
-                  </p:par>
-                  <p:par>
-                    <p:cTn fill="hold">
-                      <p:stCondLst>
-                        <p:cond delay="indefinite"/>
-                      </p:stCondLst>
-                      <p:childTnLst>
-                        <p:par>
-                          <p:cTn fill="hold">
-                            <p:stCondLst>
-                              <p:cond delay="0"/>
-                            </p:stCondLst>
-                            <p:childTnLst>
-                              <p:par>
-                                <p:cTn fill="hold" nodeType="clickEffect" presetClass="entr" presetID="10" presetSubtype="0">
-                                  <p:stCondLst>
-                                    <p:cond delay="0"/>
-                                  </p:stCondLst>
-                                  <p:childTnLst>
-                                    <p:set>
-                                      <p:cBhvr>
-                                        <p:cTn dur="1" fill="hold">
-                                          <p:stCondLst>
-                                            <p:cond delay="0"/>
-                                          </p:stCondLst>
-                                        </p:cTn>
-                                        <p:tgtEl>
-                                          <p:spTgt spid="114">
-                                            <p:txEl>
-                                              <p:pRg end="3" st="3"/>
-                                            </p:txEl>
-                                          </p:spTgt>
-                                        </p:tgtEl>
-                                        <p:attrNameLst>
-                                          <p:attrName>style.visibility</p:attrName>
-                                        </p:attrNameLst>
-                                      </p:cBhvr>
-                                      <p:to>
-                                        <p:strVal val="visible"/>
-                                      </p:to>
-                                    </p:set>
-                                    <p:animEffect filter="fade" transition="in">
-                                      <p:cBhvr>
-                                        <p:cTn dur="1000"/>
-                                        <p:tgtEl>
-                                          <p:spTgt spid="114">
-                                            <p:txEl>
-                                              <p:pRg end="3" st="3"/>
-                                            </p:txEl>
-                                          </p:spTgt>
-                                        </p:tgtEl>
-                                      </p:cBhvr>
-                                    </p:animEffect>
-                                  </p:childTnLst>
-                                </p:cTn>
-                              </p:par>
-                            </p:childTnLst>
-                          </p:cTn>
-                        </p:par>
-                      </p:childTnLst>
-                    </p:cTn>
-                  </p:par>
-                  <p:par>
-                    <p:cTn fill="hold">
-                      <p:stCondLst>
-                        <p:cond delay="indefinite"/>
-                      </p:stCondLst>
-                      <p:childTnLst>
-                        <p:par>
-                          <p:cTn fill="hold">
-                            <p:stCondLst>
-                              <p:cond delay="0"/>
-                            </p:stCondLst>
-                            <p:childTnLst>
-                              <p:par>
-                                <p:cTn fill="hold" nodeType="clickEffect" presetClass="entr" presetID="10" presetSubtype="0">
-                                  <p:stCondLst>
-                                    <p:cond delay="0"/>
-                                  </p:stCondLst>
-                                  <p:childTnLst>
-                                    <p:set>
-                                      <p:cBhvr>
-                                        <p:cTn dur="1" fill="hold">
-                                          <p:stCondLst>
-                                            <p:cond delay="0"/>
-                                          </p:stCondLst>
-                                        </p:cTn>
-                                        <p:tgtEl>
-                                          <p:spTgt spid="114">
-                                            <p:txEl>
-                                              <p:pRg end="4" st="4"/>
-                                            </p:txEl>
-                                          </p:spTgt>
-                                        </p:tgtEl>
-                                        <p:attrNameLst>
-                                          <p:attrName>style.visibility</p:attrName>
-                                        </p:attrNameLst>
-                                      </p:cBhvr>
-                                      <p:to>
-                                        <p:strVal val="visible"/>
-                                      </p:to>
-                                    </p:set>
-                                    <p:animEffect filter="fade" transition="in">
-                                      <p:cBhvr>
-                                        <p:cTn dur="1000"/>
-                                        <p:tgtEl>
-                                          <p:spTgt spid="114">
-                                            <p:txEl>
-                                              <p:pRg end="4" st="4"/>
-                                            </p:txEl>
-                                          </p:spTgt>
-                                        </p:tgtEl>
-                                      </p:cBhvr>
-                                    </p:animEffect>
-                                  </p:childTnLst>
-                                </p:cTn>
-                              </p:par>
-                            </p:childTnLst>
-                          </p:cTn>
-                        </p:par>
-                      </p:childTnLst>
-                    </p:cTn>
-                  </p:par>
-                  <p:par>
-                    <p:cTn fill="hold">
-                      <p:stCondLst>
-                        <p:cond delay="indefinite"/>
-                      </p:stCondLst>
-                      <p:childTnLst>
-                        <p:par>
-                          <p:cTn fill="hold">
-                            <p:stCondLst>
-                              <p:cond delay="0"/>
-                            </p:stCondLst>
-                            <p:childTnLst>
-                              <p:par>
-                                <p:cTn fill="hold" nodeType="clickEffect" presetClass="entr" presetID="10" presetSubtype="0">
-                                  <p:stCondLst>
-                                    <p:cond delay="0"/>
-                                  </p:stCondLst>
-                                  <p:childTnLst>
-                                    <p:set>
-                                      <p:cBhvr>
-                                        <p:cTn dur="1" fill="hold">
-                                          <p:stCondLst>
-                                            <p:cond delay="0"/>
-                                          </p:stCondLst>
-                                        </p:cTn>
-                                        <p:tgtEl>
-                                          <p:spTgt spid="114">
-                                            <p:txEl>
-                                              <p:pRg end="5" st="5"/>
-                                            </p:txEl>
-                                          </p:spTgt>
-                                        </p:tgtEl>
-                                        <p:attrNameLst>
-                                          <p:attrName>style.visibility</p:attrName>
-                                        </p:attrNameLst>
-                                      </p:cBhvr>
-                                      <p:to>
-                                        <p:strVal val="visible"/>
-                                      </p:to>
-                                    </p:set>
-                                    <p:animEffect filter="fade" transition="in">
-                                      <p:cBhvr>
-                                        <p:cTn dur="1000"/>
-                                        <p:tgtEl>
-                                          <p:spTgt spid="114">
-                                            <p:txEl>
-                                              <p:pRg end="5" st="5"/>
-                                            </p:txEl>
-                                          </p:spTgt>
-                                        </p:tgtEl>
-                                      </p:cBhvr>
-                                    </p:animEffect>
-                                  </p:childTnLst>
-                                </p:cTn>
-                              </p:par>
-                            </p:childTnLst>
-                          </p:cTn>
-                        </p:par>
-                      </p:childTnLst>
-                    </p:cTn>
-                  </p:par>
-                  <p:par>
-                    <p:cTn fill="hold">
-                      <p:stCondLst>
-                        <p:cond delay="indefinite"/>
-                      </p:stCondLst>
-                      <p:childTnLst>
-                        <p:par>
-                          <p:cTn fill="hold">
-                            <p:stCondLst>
-                              <p:cond delay="0"/>
-                            </p:stCondLst>
-                            <p:childTnLst>
-                              <p:par>
-                                <p:cTn fill="hold" nodeType="clickEffect" presetClass="entr" presetID="10" presetSubtype="0">
-                                  <p:stCondLst>
-                                    <p:cond delay="0"/>
-                                  </p:stCondLst>
-                                  <p:childTnLst>
-                                    <p:set>
-                                      <p:cBhvr>
-                                        <p:cTn dur="1" fill="hold">
-                                          <p:stCondLst>
-                                            <p:cond delay="0"/>
-                                          </p:stCondLst>
-                                        </p:cTn>
-                                        <p:tgtEl>
-                                          <p:spTgt spid="114">
-                                            <p:txEl>
-                                              <p:pRg end="6" st="6"/>
-                                            </p:txEl>
-                                          </p:spTgt>
-                                        </p:tgtEl>
-                                        <p:attrNameLst>
-                                          <p:attrName>style.visibility</p:attrName>
-                                        </p:attrNameLst>
-                                      </p:cBhvr>
-                                      <p:to>
-                                        <p:strVal val="visible"/>
-                                      </p:to>
-                                    </p:set>
-                                    <p:animEffect filter="fade" transition="in">
-                                      <p:cBhvr>
-                                        <p:cTn dur="1000"/>
-                                        <p:tgtEl>
-                                          <p:spTgt spid="114">
-                                            <p:txEl>
-                                              <p:pRg end="6" st="6"/>
-                                            </p:txEl>
-                                          </p:spTgt>
-                                        </p:tgtEl>
-                                      </p:cBhvr>
-                                    </p:animEffect>
-                                  </p:childTnLst>
-                                </p:cTn>
-                              </p:par>
-                            </p:childTnLst>
-                          </p:cTn>
-                        </p:par>
-                      </p:childTnLst>
-                    </p:cTn>
-                  </p:par>
-                  <p:par>
-                    <p:cTn fill="hold">
-                      <p:stCondLst>
-                        <p:cond delay="indefinite"/>
-                      </p:stCondLst>
-                      <p:childTnLst>
-                        <p:par>
-                          <p:cTn fill="hold">
-                            <p:stCondLst>
-                              <p:cond delay="0"/>
-                            </p:stCondLst>
-                            <p:childTnLst>
-                              <p:par>
-                                <p:cTn fill="hold" nodeType="clickEffect" presetClass="entr" presetID="10" presetSubtype="0">
-                                  <p:stCondLst>
-                                    <p:cond delay="0"/>
-                                  </p:stCondLst>
-                                  <p:childTnLst>
-                                    <p:set>
-                                      <p:cBhvr>
-                                        <p:cTn dur="1" fill="hold">
-                                          <p:stCondLst>
-                                            <p:cond delay="0"/>
-                                          </p:stCondLst>
-                                        </p:cTn>
-                                        <p:tgtEl>
-                                          <p:spTgt spid="115"/>
-                                        </p:tgtEl>
-                                        <p:attrNameLst>
-                                          <p:attrName>style.visibility</p:attrName>
-                                        </p:attrNameLst>
-                                      </p:cBhvr>
-                                      <p:to>
-                                        <p:strVal val="visible"/>
-                                      </p:to>
-                                    </p:set>
-                                    <p:animEffect filter="fade" transition="in">
-                                      <p:cBhvr>
-                                        <p:cTn dur="1000"/>
-                                        <p:tgtEl>
-                                          <p:spTgt spid="115"/>
-                                        </p:tgtEl>
-                                      </p:cBhvr>
-                                    </p:animEffect>
-                                  </p:childTnLst>
-                                </p:cTn>
-                              </p:par>
-                              <p:par>
-                                <p:cTn fill="hold" nodeType="withEffect" presetClass="entr" presetID="10" presetSubtype="0">
-                                  <p:stCondLst>
-                                    <p:cond delay="0"/>
-                                  </p:stCondLst>
-                                  <p:childTnLst>
-                                    <p:set>
-                                      <p:cBhvr>
-                                        <p:cTn dur="1" fill="hold">
-                                          <p:stCondLst>
-                                            <p:cond delay="0"/>
-                                          </p:stCondLst>
-                                        </p:cTn>
-                                        <p:tgtEl>
-                                          <p:spTgt spid="121"/>
-                                        </p:tgtEl>
-                                        <p:attrNameLst>
-                                          <p:attrName>style.visibility</p:attrName>
-                                        </p:attrNameLst>
-                                      </p:cBhvr>
-                                      <p:to>
-                                        <p:strVal val="visible"/>
-                                      </p:to>
-                                    </p:set>
-                                    <p:animEffect filter="fade" transition="in">
-                                      <p:cBhvr>
-                                        <p:cTn dur="1000"/>
-                                        <p:tgtEl>
-                                          <p:spTgt spid="121"/>
-                                        </p:tgtEl>
-                                      </p:cBhvr>
-                                    </p:animEffect>
-                                  </p:childTnLst>
-                                </p:cTn>
-                              </p:par>
-                            </p:childTnLst>
-                          </p:cTn>
-                        </p:par>
-                      </p:childTnLst>
-                    </p:cTn>
-                  </p:par>
-                  <p:par>
-                    <p:cTn fill="hold">
-                      <p:stCondLst>
-                        <p:cond delay="indefinite"/>
-                      </p:stCondLst>
-                      <p:childTnLst>
-                        <p:par>
-                          <p:cTn fill="hold">
-                            <p:stCondLst>
-                              <p:cond delay="0"/>
-                            </p:stCondLst>
-                            <p:childTnLst>
-                              <p:par>
-                                <p:cTn fill="hold" nodeType="clickEffect" presetClass="entr" presetID="1" presetSubtype="0">
-                                  <p:stCondLst>
-                                    <p:cond delay="0"/>
-                                  </p:stCondLst>
-                                  <p:childTnLst>
-                                    <p:set>
-                                      <p:cBhvr>
-                                        <p:cTn dur="1" fill="hold">
-                                          <p:stCondLst>
-                                            <p:cond delay="0"/>
-                                          </p:stCondLst>
-                                        </p:cTn>
-                                        <p:tgtEl>
-                                          <p:spTgt spid="116"/>
-                                        </p:tgtEl>
-                                        <p:attrNameLst>
-                                          <p:attrName>style.visibility</p:attrName>
-                                        </p:attrNameLst>
-                                      </p:cBhvr>
-                                      <p:to>
-                                        <p:strVal val="visible"/>
-                                      </p:to>
-                                    </p:set>
-                                  </p:childTnLst>
-                                </p:cTn>
-                              </p:par>
-                              <p:par>
-                                <p:cTn fill="hold" nodeType="withEffect" presetClass="entr" presetID="1" presetSubtype="0">
-                                  <p:stCondLst>
-                                    <p:cond delay="0"/>
-                                  </p:stCondLst>
-                                  <p:childTnLst>
-                                    <p:set>
-                                      <p:cBhvr>
-                                        <p:cTn dur="1" fill="hold">
-                                          <p:stCondLst>
-                                            <p:cond delay="0"/>
-                                          </p:stCondLst>
-                                        </p:cTn>
-                                        <p:tgtEl>
-                                          <p:spTgt spid="119"/>
-                                        </p:tgtEl>
-                                        <p:attrNameLst>
-                                          <p:attrName>style.visibility</p:attrName>
-                                        </p:attrNameLst>
-                                      </p:cBhvr>
-                                      <p:to>
-                                        <p:strVal val="visible"/>
-                                      </p:to>
-                                    </p:set>
-                                  </p:childTnLst>
-                                </p:cTn>
-                              </p:par>
-                            </p:childTnLst>
-                          </p:cTn>
-                        </p:par>
-                      </p:childTnLst>
-                    </p:cTn>
-                  </p:par>
-                  <p:par>
-                    <p:cTn fill="hold">
-                      <p:stCondLst>
-                        <p:cond delay="indefinite"/>
-                      </p:stCondLst>
-                      <p:childTnLst>
-                        <p:par>
-                          <p:cTn fill="hold">
-                            <p:stCondLst>
-                              <p:cond delay="0"/>
-                            </p:stCondLst>
-                            <p:childTnLst>
-                              <p:par>
-                                <p:cTn fill="hold" nodeType="clickEffect" presetClass="entr" presetID="10" presetSubtype="0">
-                                  <p:stCondLst>
-                                    <p:cond delay="0"/>
-                                  </p:stCondLst>
-                                  <p:childTnLst>
-                                    <p:set>
-                                      <p:cBhvr>
-                                        <p:cTn dur="1" fill="hold">
-                                          <p:stCondLst>
-                                            <p:cond delay="0"/>
-                                          </p:stCondLst>
-                                        </p:cTn>
-                                        <p:tgtEl>
-                                          <p:spTgt spid="117"/>
-                                        </p:tgtEl>
-                                        <p:attrNameLst>
-                                          <p:attrName>style.visibility</p:attrName>
-                                        </p:attrNameLst>
-                                      </p:cBhvr>
-                                      <p:to>
-                                        <p:strVal val="visible"/>
-                                      </p:to>
-                                    </p:set>
-                                    <p:animEffect filter="fade" transition="in">
-                                      <p:cBhvr>
-                                        <p:cTn dur="1000"/>
-                                        <p:tgtEl>
-                                          <p:spTgt spid="117"/>
-                                        </p:tgtEl>
-                                      </p:cBhvr>
-                                    </p:animEffect>
-                                  </p:childTnLst>
-                                </p:cTn>
-                              </p:par>
-                              <p:par>
-                                <p:cTn fill="hold" nodeType="withEffect" presetClass="entr" presetID="10" presetSubtype="0">
                                   <p:stCondLst>
                                     <p:cond delay="0"/>
                                   </p:stCondLst>
@@ -14093,78 +14912,6 @@
                             </p:stCondLst>
                             <p:childTnLst>
                               <p:par>
-                                <p:cTn fill="hold" nodeType="clickEffect" presetClass="entr" presetID="1" presetSubtype="0">
-                                  <p:stCondLst>
-                                    <p:cond delay="0"/>
-                                  </p:stCondLst>
-                                  <p:childTnLst>
-                                    <p:set>
-                                      <p:cBhvr>
-                                        <p:cTn dur="1" fill="hold">
-                                          <p:stCondLst>
-                                            <p:cond delay="0"/>
-                                          </p:stCondLst>
-                                        </p:cTn>
-                                        <p:tgtEl>
-                                          <p:spTgt spid="118"/>
-                                        </p:tgtEl>
-                                        <p:attrNameLst>
-                                          <p:attrName>style.visibility</p:attrName>
-                                        </p:attrNameLst>
-                                      </p:cBhvr>
-                                      <p:to>
-                                        <p:strVal val="visible"/>
-                                      </p:to>
-                                    </p:set>
-                                  </p:childTnLst>
-                                </p:cTn>
-                              </p:par>
-                              <p:par>
-                                <p:cTn fill="hold" nodeType="withEffect" presetClass="entr" presetID="1" presetSubtype="0">
-                                  <p:stCondLst>
-                                    <p:cond delay="0"/>
-                                  </p:stCondLst>
-                                  <p:childTnLst>
-                                    <p:set>
-                                      <p:cBhvr>
-                                        <p:cTn dur="1" fill="hold">
-                                          <p:stCondLst>
-                                            <p:cond delay="0"/>
-                                          </p:stCondLst>
-                                        </p:cTn>
-                                        <p:tgtEl>
-                                          <p:spTgt spid="122"/>
-                                        </p:tgtEl>
-                                        <p:attrNameLst>
-                                          <p:attrName>style.visibility</p:attrName>
-                                        </p:attrNameLst>
-                                      </p:cBhvr>
-                                      <p:to>
-                                        <p:strVal val="visible"/>
-                                      </p:to>
-                                    </p:set>
-                                  </p:childTnLst>
-                                </p:cTn>
-                              </p:par>
-                            </p:childTnLst>
-                          </p:cTn>
-                        </p:par>
-                      </p:childTnLst>
-                    </p:cTn>
-                  </p:par>
-                  <p:par>
-                    <p:cTn fill="hold">
-                      <p:stCondLst>
-                        <p:cond delay="indefinite"/>
-                      </p:stCondLst>
-                      <p:childTnLst>
-                        <p:par>
-                          <p:cTn fill="hold">
-                            <p:stCondLst>
-                              <p:cond delay="0"/>
-                            </p:stCondLst>
-                            <p:childTnLst>
-                              <p:par>
                                 <p:cTn fill="hold" nodeType="clickEffect" presetClass="entr" presetID="10" presetSubtype="0">
                                   <p:stCondLst>
                                     <p:cond delay="0"/>
@@ -14178,7 +14925,7 @@
                                           </p:stCondLst>
                                         </p:cTn>
                                         <p:tgtEl>
-                                          <p:spTgt spid="112"/>
+                                          <p:spTgt spid="121"/>
                                         </p:tgtEl>
                                         <p:attrNameLst>
                                           <p:attrName>style.visibility</p:attrName>
@@ -14192,7 +14939,7 @@
                                       <p:cBhvr>
                                         <p:cTn dur="1000"/>
                                         <p:tgtEl>
-                                          <p:spTgt spid="112"/>
+                                          <p:spTgt spid="121"/>
                                         </p:tgtEl>
                                       </p:cBhvr>
                                     </p:animEffect>
@@ -14230,498 +14977,286 @@
 </p:sld>
 </file>
 
-<file path=ppt/slides/slide9.xml><?xml version="1.0" encoding="utf-8"?>
-<p:sld xmlns:a="http://schemas.openxmlformats.org/drawingml/2006/main" xmlns:r="http://schemas.openxmlformats.org/officeDocument/2006/relationships" xmlns:mc="http://schemas.openxmlformats.org/markup-compatibility/2006" xmlns:mv="urn:schemas-microsoft-com:mac:vml" xmlns:p="http://schemas.openxmlformats.org/presentationml/2006/main" xmlns:c="http://schemas.openxmlformats.org/drawingml/2006/chart" xmlns:dgm="http://schemas.openxmlformats.org/drawingml/2006/diagram" xmlns:o="urn:schemas-microsoft-com:office:office" xmlns:v="urn:schemas-microsoft-com:vml" xmlns:pvml="urn:schemas-microsoft-com:office:powerpoint" xmlns:com="http://schemas.openxmlformats.org/drawingml/2006/compatibility" xmlns:p14="http://schemas.microsoft.com/office/powerpoint/2010/main" xmlns:p15="http://schemas.microsoft.com/office/powerpoint/2012/main">
-  <p:cSld>
-    <p:spTree>
-      <p:nvGrpSpPr>
-        <p:cNvPr id="126" name="Shape 126"/>
-        <p:cNvGrpSpPr/>
-        <p:nvPr/>
-      </p:nvGrpSpPr>
-      <p:grpSpPr>
-        <a:xfrm>
-          <a:off x="0" y="0"/>
-          <a:ext cx="0" cy="0"/>
-          <a:chOff x="0" y="0"/>
-          <a:chExt cx="0" cy="0"/>
-        </a:xfrm>
-      </p:grpSpPr>
-      <p:sp>
-        <p:nvSpPr>
-          <p:cNvPr id="127" name="Google Shape;127;p21"/>
-          <p:cNvSpPr txBox="1"/>
-          <p:nvPr>
-            <p:ph type="title"/>
-          </p:nvPr>
-        </p:nvSpPr>
-        <p:spPr>
-          <a:xfrm>
-            <a:off x="311700" y="445025"/>
-            <a:ext cx="8520600" cy="572700"/>
-          </a:xfrm>
-          <a:prstGeom prst="rect">
-            <a:avLst/>
-          </a:prstGeom>
-        </p:spPr>
-        <p:txBody>
-          <a:bodyPr anchorCtr="0" anchor="t" bIns="91425" lIns="91425" spcFirstLastPara="1" rIns="91425" wrap="square" tIns="91425">
-            <a:noAutofit/>
-          </a:bodyPr>
-          <a:lstStyle/>
-          <a:p>
-            <a:pPr indent="0" lvl="0" marL="0" rtl="0" algn="l">
-              <a:spcBef>
-                <a:spcPts val="0"/>
-              </a:spcBef>
-              <a:spcAft>
-                <a:spcPts val="0"/>
-              </a:spcAft>
-              <a:buNone/>
-            </a:pPr>
-            <a:r>
-              <a:rPr lang="de"/>
-              <a:t>Binomial Heaps</a:t>
-            </a:r>
-            <a:endParaRPr/>
-          </a:p>
-        </p:txBody>
-      </p:sp>
-      <p:sp>
-        <p:nvSpPr>
-          <p:cNvPr id="128" name="Google Shape;128;p21"/>
-          <p:cNvSpPr txBox="1"/>
-          <p:nvPr>
-            <p:ph idx="1" type="body"/>
-          </p:nvPr>
-        </p:nvSpPr>
-        <p:spPr>
-          <a:xfrm>
-            <a:off x="231725" y="1152475"/>
-            <a:ext cx="8716200" cy="3416400"/>
-          </a:xfrm>
-          <a:prstGeom prst="rect">
-            <a:avLst/>
-          </a:prstGeom>
-        </p:spPr>
-        <p:txBody>
-          <a:bodyPr anchorCtr="0" anchor="t" bIns="91425" lIns="91425" spcFirstLastPara="1" rIns="91425" wrap="square" tIns="91425">
-            <a:noAutofit/>
-          </a:bodyPr>
-          <a:lstStyle/>
-          <a:p>
-            <a:pPr indent="-342900" lvl="0" marL="457200" rtl="0" algn="l">
-              <a:spcBef>
-                <a:spcPts val="0"/>
-              </a:spcBef>
-              <a:spcAft>
-                <a:spcPts val="0"/>
-              </a:spcAft>
-              <a:buSzPts val="1800"/>
-              <a:buChar char="➔"/>
-            </a:pPr>
-            <a:r>
-              <a:rPr lang="de"/>
-              <a:t>Beim entfernen eines Knoten, entstehen Teilbäume aus den restlichen Knoten</a:t>
-            </a:r>
-            <a:endParaRPr/>
-          </a:p>
-          <a:p>
-            <a:pPr indent="-342900" lvl="0" marL="457200" rtl="0" algn="l">
-              <a:spcBef>
-                <a:spcPts val="0"/>
-              </a:spcBef>
-              <a:spcAft>
-                <a:spcPts val="0"/>
-              </a:spcAft>
-              <a:buSzPts val="1800"/>
-              <a:buChar char="➔"/>
-            </a:pPr>
-            <a:r>
-              <a:rPr lang="de"/>
-              <a:t>Das entfernen erfolgt mit der Operation Extract min</a:t>
-            </a:r>
-            <a:endParaRPr/>
-          </a:p>
-          <a:p>
-            <a:pPr indent="-342900" lvl="0" marL="457200" rtl="0" algn="l">
-              <a:spcBef>
-                <a:spcPts val="0"/>
-              </a:spcBef>
-              <a:spcAft>
-                <a:spcPts val="0"/>
-              </a:spcAft>
-              <a:buSzPts val="1800"/>
-              <a:buChar char="➔"/>
-            </a:pPr>
-            <a:r>
-              <a:rPr lang="de"/>
-              <a:t>Binomial Heaps lassen sich auch binär darstellen</a:t>
-            </a:r>
-            <a:endParaRPr/>
-          </a:p>
-          <a:p>
-            <a:pPr indent="-342900" lvl="1" marL="914400" rtl="0" algn="l">
-              <a:spcBef>
-                <a:spcPts val="0"/>
-              </a:spcBef>
-              <a:spcAft>
-                <a:spcPts val="0"/>
-              </a:spcAft>
-              <a:buSzPts val="1800"/>
-              <a:buChar char="◆"/>
-            </a:pPr>
-            <a:r>
-              <a:rPr lang="de" sz="1800"/>
-              <a:t>Dafür stelle man die Anzahl der Knoten als Dualzahl da</a:t>
-            </a:r>
-            <a:endParaRPr/>
-          </a:p>
-        </p:txBody>
-      </p:sp>
-    </p:spTree>
-  </p:cSld>
-  <p:clrMapOvr>
-    <a:masterClrMapping/>
-  </p:clrMapOvr>
-  <p:timing>
-    <p:tnLst>
-      <p:par>
-        <p:cTn dur="indefinite" nodeType="tmRoot" restart="never">
-          <p:childTnLst>
-            <p:seq concurrent="1" nextAc="seek">
-              <p:cTn dur="indefinite" id="2" nodeType="mainSeq">
-                <p:childTnLst>
-                  <p:par>
-                    <p:cTn fill="hold">
-                      <p:stCondLst>
-                        <p:cond delay="indefinite"/>
-                      </p:stCondLst>
-                      <p:childTnLst>
-                        <p:par>
-                          <p:cTn fill="hold">
-                            <p:stCondLst>
-                              <p:cond delay="0"/>
-                            </p:stCondLst>
-                            <p:childTnLst>
-                              <p:par>
-                                <p:cTn fill="hold" nodeType="clickEffect" presetClass="entr" presetID="2" presetSubtype="8">
-                                  <p:stCondLst>
-                                    <p:cond delay="0"/>
-                                  </p:stCondLst>
-                                  <p:childTnLst>
-                                    <p:set>
-                                      <p:cBhvr>
-                                        <p:cTn dur="1" fill="hold">
-                                          <p:stCondLst>
-                                            <p:cond delay="0"/>
-                                          </p:stCondLst>
-                                        </p:cTn>
-                                        <p:tgtEl>
-                                          <p:spTgt spid="128">
-                                            <p:txEl>
-                                              <p:pRg end="0" st="0"/>
-                                            </p:txEl>
-                                          </p:spTgt>
-                                        </p:tgtEl>
-                                        <p:attrNameLst>
-                                          <p:attrName>style.visibility</p:attrName>
-                                        </p:attrNameLst>
-                                      </p:cBhvr>
-                                      <p:to>
-                                        <p:strVal val="visible"/>
-                                      </p:to>
-                                    </p:set>
-                                    <p:anim calcmode="lin" valueType="num">
-                                      <p:cBhvr additive="base">
-                                        <p:cTn dur="1000"/>
-                                        <p:tgtEl>
-                                          <p:spTgt spid="128">
-                                            <p:txEl>
-                                              <p:pRg end="0" st="0"/>
-                                            </p:txEl>
-                                          </p:spTgt>
-                                        </p:tgtEl>
-                                        <p:attrNameLst>
-                                          <p:attrName>ppt_x</p:attrName>
-                                        </p:attrNameLst>
-                                      </p:cBhvr>
-                                      <p:tavLst>
-                                        <p:tav fmla="" tm="0">
-                                          <p:val>
-                                            <p:strVal val="#ppt_x-1"/>
-                                          </p:val>
-                                        </p:tav>
-                                        <p:tav fmla="" tm="100000">
-                                          <p:val>
-                                            <p:strVal val="#ppt_x"/>
-                                          </p:val>
-                                        </p:tav>
-                                      </p:tavLst>
-                                    </p:anim>
-                                  </p:childTnLst>
-                                </p:cTn>
-                              </p:par>
-                            </p:childTnLst>
-                          </p:cTn>
-                        </p:par>
-                      </p:childTnLst>
-                    </p:cTn>
-                  </p:par>
-                  <p:par>
-                    <p:cTn fill="hold">
-                      <p:stCondLst>
-                        <p:cond delay="indefinite"/>
-                      </p:stCondLst>
-                      <p:childTnLst>
-                        <p:par>
-                          <p:cTn fill="hold">
-                            <p:stCondLst>
-                              <p:cond delay="0"/>
-                            </p:stCondLst>
-                            <p:childTnLst>
-                              <p:par>
-                                <p:cTn fill="hold" nodeType="clickEffect" presetClass="entr" presetID="2" presetSubtype="8">
-                                  <p:stCondLst>
-                                    <p:cond delay="0"/>
-                                  </p:stCondLst>
-                                  <p:childTnLst>
-                                    <p:set>
-                                      <p:cBhvr>
-                                        <p:cTn dur="1" fill="hold">
-                                          <p:stCondLst>
-                                            <p:cond delay="0"/>
-                                          </p:stCondLst>
-                                        </p:cTn>
-                                        <p:tgtEl>
-                                          <p:spTgt spid="128">
-                                            <p:txEl>
-                                              <p:pRg end="1" st="1"/>
-                                            </p:txEl>
-                                          </p:spTgt>
-                                        </p:tgtEl>
-                                        <p:attrNameLst>
-                                          <p:attrName>style.visibility</p:attrName>
-                                        </p:attrNameLst>
-                                      </p:cBhvr>
-                                      <p:to>
-                                        <p:strVal val="visible"/>
-                                      </p:to>
-                                    </p:set>
-                                    <p:anim calcmode="lin" valueType="num">
-                                      <p:cBhvr additive="base">
-                                        <p:cTn dur="1000"/>
-                                        <p:tgtEl>
-                                          <p:spTgt spid="128">
-                                            <p:txEl>
-                                              <p:pRg end="1" st="1"/>
-                                            </p:txEl>
-                                          </p:spTgt>
-                                        </p:tgtEl>
-                                        <p:attrNameLst>
-                                          <p:attrName>ppt_x</p:attrName>
-                                        </p:attrNameLst>
-                                      </p:cBhvr>
-                                      <p:tavLst>
-                                        <p:tav fmla="" tm="0">
-                                          <p:val>
-                                            <p:strVal val="#ppt_x-1"/>
-                                          </p:val>
-                                        </p:tav>
-                                        <p:tav fmla="" tm="100000">
-                                          <p:val>
-                                            <p:strVal val="#ppt_x"/>
-                                          </p:val>
-                                        </p:tav>
-                                      </p:tavLst>
-                                    </p:anim>
-                                  </p:childTnLst>
-                                </p:cTn>
-                              </p:par>
-                            </p:childTnLst>
-                          </p:cTn>
-                        </p:par>
-                      </p:childTnLst>
-                    </p:cTn>
-                  </p:par>
-                  <p:par>
-                    <p:cTn fill="hold">
-                      <p:stCondLst>
-                        <p:cond delay="indefinite"/>
-                      </p:stCondLst>
-                      <p:childTnLst>
-                        <p:par>
-                          <p:cTn fill="hold">
-                            <p:stCondLst>
-                              <p:cond delay="0"/>
-                            </p:stCondLst>
-                            <p:childTnLst>
-                              <p:par>
-                                <p:cTn fill="hold" nodeType="clickEffect" presetClass="entr" presetID="2" presetSubtype="8">
-                                  <p:stCondLst>
-                                    <p:cond delay="0"/>
-                                  </p:stCondLst>
-                                  <p:childTnLst>
-                                    <p:set>
-                                      <p:cBhvr>
-                                        <p:cTn dur="1" fill="hold">
-                                          <p:stCondLst>
-                                            <p:cond delay="0"/>
-                                          </p:stCondLst>
-                                        </p:cTn>
-                                        <p:tgtEl>
-                                          <p:spTgt spid="128">
-                                            <p:txEl>
-                                              <p:pRg end="2" st="2"/>
-                                            </p:txEl>
-                                          </p:spTgt>
-                                        </p:tgtEl>
-                                        <p:attrNameLst>
-                                          <p:attrName>style.visibility</p:attrName>
-                                        </p:attrNameLst>
-                                      </p:cBhvr>
-                                      <p:to>
-                                        <p:strVal val="visible"/>
-                                      </p:to>
-                                    </p:set>
-                                    <p:anim calcmode="lin" valueType="num">
-                                      <p:cBhvr additive="base">
-                                        <p:cTn dur="1000"/>
-                                        <p:tgtEl>
-                                          <p:spTgt spid="128">
-                                            <p:txEl>
-                                              <p:pRg end="2" st="2"/>
-                                            </p:txEl>
-                                          </p:spTgt>
-                                        </p:tgtEl>
-                                        <p:attrNameLst>
-                                          <p:attrName>ppt_x</p:attrName>
-                                        </p:attrNameLst>
-                                      </p:cBhvr>
-                                      <p:tavLst>
-                                        <p:tav fmla="" tm="0">
-                                          <p:val>
-                                            <p:strVal val="#ppt_x-1"/>
-                                          </p:val>
-                                        </p:tav>
-                                        <p:tav fmla="" tm="100000">
-                                          <p:val>
-                                            <p:strVal val="#ppt_x"/>
-                                          </p:val>
-                                        </p:tav>
-                                      </p:tavLst>
-                                    </p:anim>
-                                  </p:childTnLst>
-                                </p:cTn>
-                              </p:par>
-                            </p:childTnLst>
-                          </p:cTn>
-                        </p:par>
-                      </p:childTnLst>
-                    </p:cTn>
-                  </p:par>
-                  <p:par>
-                    <p:cTn fill="hold">
-                      <p:stCondLst>
-                        <p:cond delay="indefinite"/>
-                      </p:stCondLst>
-                      <p:childTnLst>
-                        <p:par>
-                          <p:cTn fill="hold">
-                            <p:stCondLst>
-                              <p:cond delay="0"/>
-                            </p:stCondLst>
-                            <p:childTnLst>
-                              <p:par>
-                                <p:cTn fill="hold" nodeType="clickEffect" presetClass="entr" presetID="2" presetSubtype="8">
-                                  <p:stCondLst>
-                                    <p:cond delay="0"/>
-                                  </p:stCondLst>
-                                  <p:childTnLst>
-                                    <p:set>
-                                      <p:cBhvr>
-                                        <p:cTn dur="1" fill="hold">
-                                          <p:stCondLst>
-                                            <p:cond delay="0"/>
-                                          </p:stCondLst>
-                                        </p:cTn>
-                                        <p:tgtEl>
-                                          <p:spTgt spid="128">
-                                            <p:txEl>
-                                              <p:pRg end="3" st="3"/>
-                                            </p:txEl>
-                                          </p:spTgt>
-                                        </p:tgtEl>
-                                        <p:attrNameLst>
-                                          <p:attrName>style.visibility</p:attrName>
-                                        </p:attrNameLst>
-                                      </p:cBhvr>
-                                      <p:to>
-                                        <p:strVal val="visible"/>
-                                      </p:to>
-                                    </p:set>
-                                    <p:anim calcmode="lin" valueType="num">
-                                      <p:cBhvr additive="base">
-                                        <p:cTn dur="1000"/>
-                                        <p:tgtEl>
-                                          <p:spTgt spid="128">
-                                            <p:txEl>
-                                              <p:pRg end="3" st="3"/>
-                                            </p:txEl>
-                                          </p:spTgt>
-                                        </p:tgtEl>
-                                        <p:attrNameLst>
-                                          <p:attrName>ppt_x</p:attrName>
-                                        </p:attrNameLst>
-                                      </p:cBhvr>
-                                      <p:tavLst>
-                                        <p:tav fmla="" tm="0">
-                                          <p:val>
-                                            <p:strVal val="#ppt_x-1"/>
-                                          </p:val>
-                                        </p:tav>
-                                        <p:tav fmla="" tm="100000">
-                                          <p:val>
-                                            <p:strVal val="#ppt_x"/>
-                                          </p:val>
-                                        </p:tav>
-                                      </p:tavLst>
-                                    </p:anim>
-                                  </p:childTnLst>
-                                </p:cTn>
-                              </p:par>
-                            </p:childTnLst>
-                          </p:cTn>
-                        </p:par>
-                      </p:childTnLst>
-                    </p:cTn>
-                  </p:par>
-                </p:childTnLst>
-              </p:cTn>
-              <p:prevCondLst>
-                <p:cond evt="onPrev">
-                  <p:tgtEl>
-                    <p:sldTgt/>
-                  </p:tgtEl>
-                </p:cond>
-              </p:prevCondLst>
-              <p:nextCondLst>
-                <p:cond evt="onNext">
-                  <p:tgtEl>
-                    <p:sldTgt/>
-                  </p:tgtEl>
-                </p:cond>
-              </p:nextCondLst>
-            </p:seq>
-          </p:childTnLst>
-        </p:cTn>
-      </p:par>
-    </p:tnLst>
-  </p:timing>
-</p:sld>
+<file path=ppt/theme/theme1.xml><?xml version="1.0" encoding="utf-8"?>
+<a:theme xmlns:a="http://schemas.openxmlformats.org/drawingml/2006/main" xmlns:r="http://schemas.openxmlformats.org/officeDocument/2006/relationships" name="Simple Light">
+  <a:themeElements>
+    <a:clrScheme name="Simple Light">
+      <a:dk1>
+        <a:srgbClr val="000000"/>
+      </a:dk1>
+      <a:lt1>
+        <a:srgbClr val="FFFFFF"/>
+      </a:lt1>
+      <a:dk2>
+        <a:srgbClr val="595959"/>
+      </a:dk2>
+      <a:lt2>
+        <a:srgbClr val="EEEEEE"/>
+      </a:lt2>
+      <a:accent1>
+        <a:srgbClr val="FFAB40"/>
+      </a:accent1>
+      <a:accent2>
+        <a:srgbClr val="212121"/>
+      </a:accent2>
+      <a:accent3>
+        <a:srgbClr val="78909C"/>
+      </a:accent3>
+      <a:accent4>
+        <a:srgbClr val="FFAB40"/>
+      </a:accent4>
+      <a:accent5>
+        <a:srgbClr val="0097A7"/>
+      </a:accent5>
+      <a:accent6>
+        <a:srgbClr val="EEFF41"/>
+      </a:accent6>
+      <a:hlink>
+        <a:srgbClr val="0097A7"/>
+      </a:hlink>
+      <a:folHlink>
+        <a:srgbClr val="0097A7"/>
+      </a:folHlink>
+    </a:clrScheme>
+    <a:fontScheme name="Office">
+      <a:majorFont>
+        <a:latin typeface="Arial"/>
+        <a:ea typeface=""/>
+        <a:cs typeface=""/>
+        <a:font script="Jpan" typeface="ＭＳ Ｐゴシック"/>
+        <a:font script="Hang" typeface="맑은 고딕"/>
+        <a:font script="Hans" typeface="宋体"/>
+        <a:font script="Hant" typeface="新細明體"/>
+        <a:font script="Arab" typeface="Times New Roman"/>
+        <a:font script="Hebr" typeface="Times New Roman"/>
+        <a:font script="Thai" typeface="Angsana New"/>
+        <a:font script="Ethi" typeface="Nyala"/>
+        <a:font script="Beng" typeface="Vrinda"/>
+        <a:font script="Gujr" typeface="Shruti"/>
+        <a:font script="Khmr" typeface="MoolBoran"/>
+        <a:font script="Knda" typeface="Tunga"/>
+        <a:font script="Guru" typeface="Raavi"/>
+        <a:font script="Cans" typeface="Euphemia"/>
+        <a:font script="Cher" typeface="Plantagenet Cherokee"/>
+        <a:font script="Yiii" typeface="Microsoft Yi Baiti"/>
+        <a:font script="Tibt" typeface="Microsoft Himalaya"/>
+        <a:font script="Thaa" typeface="MV Boli"/>
+        <a:font script="Deva" typeface="Mangal"/>
+        <a:font script="Telu" typeface="Gautami"/>
+        <a:font script="Taml" typeface="Latha"/>
+        <a:font script="Syrc" typeface="Estrangelo Edessa"/>
+        <a:font script="Orya" typeface="Kalinga"/>
+        <a:font script="Mlym" typeface="Kartika"/>
+        <a:font script="Laoo" typeface="DokChampa"/>
+        <a:font script="Sinh" typeface="Iskoola Pota"/>
+        <a:font script="Mong" typeface="Mongolian Baiti"/>
+        <a:font script="Viet" typeface="Times New Roman"/>
+        <a:font script="Uigh" typeface="Microsoft Uighur"/>
+        <a:font script="Geor" typeface="Sylfaen"/>
+      </a:majorFont>
+      <a:minorFont>
+        <a:latin typeface="Arial"/>
+        <a:ea typeface=""/>
+        <a:cs typeface=""/>
+        <a:font script="Jpan" typeface="ＭＳ Ｐゴシック"/>
+        <a:font script="Hang" typeface="맑은 고딕"/>
+        <a:font script="Hans" typeface="宋体"/>
+        <a:font script="Hant" typeface="新細明體"/>
+        <a:font script="Arab" typeface="Arial"/>
+        <a:font script="Hebr" typeface="Arial"/>
+        <a:font script="Thai" typeface="Cordia New"/>
+        <a:font script="Ethi" typeface="Nyala"/>
+        <a:font script="Beng" typeface="Vrinda"/>
+        <a:font script="Gujr" typeface="Shruti"/>
+        <a:font script="Khmr" typeface="DaunPenh"/>
+        <a:font script="Knda" typeface="Tunga"/>
+        <a:font script="Guru" typeface="Raavi"/>
+        <a:font script="Cans" typeface="Euphemia"/>
+        <a:font script="Cher" typeface="Plantagenet Cherokee"/>
+        <a:font script="Yiii" typeface="Microsoft Yi Baiti"/>
+        <a:font script="Tibt" typeface="Microsoft Himalaya"/>
+        <a:font script="Thaa" typeface="MV Boli"/>
+        <a:font script="Deva" typeface="Mangal"/>
+        <a:font script="Telu" typeface="Gautami"/>
+        <a:font script="Taml" typeface="Latha"/>
+        <a:font script="Syrc" typeface="Estrangelo Edessa"/>
+        <a:font script="Orya" typeface="Kalinga"/>
+        <a:font script="Mlym" typeface="Kartika"/>
+        <a:font script="Laoo" typeface="DokChampa"/>
+        <a:font script="Sinh" typeface="Iskoola Pota"/>
+        <a:font script="Mong" typeface="Mongolian Baiti"/>
+        <a:font script="Viet" typeface="Arial"/>
+        <a:font script="Uigh" typeface="Microsoft Uighur"/>
+        <a:font script="Geor" typeface="Sylfaen"/>
+      </a:minorFont>
+    </a:fontScheme>
+    <a:fmtScheme name="Office">
+      <a:fillStyleLst>
+        <a:solidFill>
+          <a:schemeClr val="phClr"/>
+        </a:solidFill>
+        <a:gradFill rotWithShape="1">
+          <a:gsLst>
+            <a:gs pos="0">
+              <a:schemeClr val="phClr">
+                <a:tint val="50000"/>
+                <a:satMod val="300000"/>
+              </a:schemeClr>
+            </a:gs>
+            <a:gs pos="35000">
+              <a:schemeClr val="phClr">
+                <a:tint val="37000"/>
+                <a:satMod val="300000"/>
+              </a:schemeClr>
+            </a:gs>
+            <a:gs pos="100000">
+              <a:schemeClr val="phClr">
+                <a:tint val="15000"/>
+                <a:satMod val="350000"/>
+              </a:schemeClr>
+            </a:gs>
+          </a:gsLst>
+          <a:lin ang="16200000" scaled="1"/>
+        </a:gradFill>
+        <a:gradFill rotWithShape="1">
+          <a:gsLst>
+            <a:gs pos="0">
+              <a:schemeClr val="phClr">
+                <a:tint val="100000"/>
+                <a:shade val="100000"/>
+                <a:satMod val="130000"/>
+              </a:schemeClr>
+            </a:gs>
+            <a:gs pos="100000">
+              <a:schemeClr val="phClr">
+                <a:tint val="50000"/>
+                <a:shade val="100000"/>
+                <a:satMod val="350000"/>
+              </a:schemeClr>
+            </a:gs>
+          </a:gsLst>
+          <a:lin ang="16200000" scaled="0"/>
+        </a:gradFill>
+      </a:fillStyleLst>
+      <a:lnStyleLst>
+        <a:ln w="9525" cap="flat" cmpd="sng" algn="ctr">
+          <a:solidFill>
+            <a:schemeClr val="phClr">
+              <a:shade val="95000"/>
+              <a:satMod val="105000"/>
+            </a:schemeClr>
+          </a:solidFill>
+          <a:prstDash val="solid"/>
+        </a:ln>
+        <a:ln w="25400" cap="flat" cmpd="sng" algn="ctr">
+          <a:solidFill>
+            <a:schemeClr val="phClr"/>
+          </a:solidFill>
+          <a:prstDash val="solid"/>
+        </a:ln>
+        <a:ln w="38100" cap="flat" cmpd="sng" algn="ctr">
+          <a:solidFill>
+            <a:schemeClr val="phClr"/>
+          </a:solidFill>
+          <a:prstDash val="solid"/>
+        </a:ln>
+      </a:lnStyleLst>
+      <a:effectStyleLst>
+        <a:effectStyle>
+          <a:effectLst>
+            <a:outerShdw blurRad="40000" dist="20000" dir="5400000" rotWithShape="0">
+              <a:srgbClr val="000000">
+                <a:alpha val="38000"/>
+              </a:srgbClr>
+            </a:outerShdw>
+          </a:effectLst>
+        </a:effectStyle>
+        <a:effectStyle>
+          <a:effectLst>
+            <a:outerShdw blurRad="40000" dist="23000" dir="5400000" rotWithShape="0">
+              <a:srgbClr val="000000">
+                <a:alpha val="35000"/>
+              </a:srgbClr>
+            </a:outerShdw>
+          </a:effectLst>
+        </a:effectStyle>
+        <a:effectStyle>
+          <a:effectLst>
+            <a:outerShdw blurRad="40000" dist="23000" dir="5400000" rotWithShape="0">
+              <a:srgbClr val="000000">
+                <a:alpha val="35000"/>
+              </a:srgbClr>
+            </a:outerShdw>
+          </a:effectLst>
+          <a:scene3d>
+            <a:camera prst="orthographicFront">
+              <a:rot lat="0" lon="0" rev="0"/>
+            </a:camera>
+            <a:lightRig rig="threePt" dir="t">
+              <a:rot lat="0" lon="0" rev="1200000"/>
+            </a:lightRig>
+          </a:scene3d>
+          <a:sp3d>
+            <a:bevelT w="63500" h="25400"/>
+          </a:sp3d>
+        </a:effectStyle>
+      </a:effectStyleLst>
+      <a:bgFillStyleLst>
+        <a:solidFill>
+          <a:schemeClr val="phClr"/>
+        </a:solidFill>
+        <a:gradFill rotWithShape="1">
+          <a:gsLst>
+            <a:gs pos="0">
+              <a:schemeClr val="phClr">
+                <a:tint val="40000"/>
+                <a:satMod val="350000"/>
+              </a:schemeClr>
+            </a:gs>
+            <a:gs pos="40000">
+              <a:schemeClr val="phClr">
+                <a:tint val="45000"/>
+                <a:shade val="99000"/>
+                <a:satMod val="350000"/>
+              </a:schemeClr>
+            </a:gs>
+            <a:gs pos="100000">
+              <a:schemeClr val="phClr">
+                <a:shade val="20000"/>
+                <a:satMod val="255000"/>
+              </a:schemeClr>
+            </a:gs>
+          </a:gsLst>
+          <a:path path="circle">
+            <a:fillToRect l="50000" t="-80000" r="50000" b="180000"/>
+          </a:path>
+        </a:gradFill>
+        <a:gradFill rotWithShape="1">
+          <a:gsLst>
+            <a:gs pos="0">
+              <a:schemeClr val="phClr">
+                <a:tint val="80000"/>
+                <a:satMod val="300000"/>
+              </a:schemeClr>
+            </a:gs>
+            <a:gs pos="100000">
+              <a:schemeClr val="phClr">
+                <a:shade val="30000"/>
+                <a:satMod val="200000"/>
+              </a:schemeClr>
+            </a:gs>
+          </a:gsLst>
+          <a:path path="circle">
+            <a:fillToRect l="50000" t="50000" r="50000" b="50000"/>
+          </a:path>
+        </a:gradFill>
+      </a:bgFillStyleLst>
+    </a:fmtScheme>
+  </a:themeElements>
+</a:theme>
 </file>
 
-<file path=ppt/theme/theme1.xml><?xml version="1.0" encoding="utf-8"?>
+<file path=ppt/theme/theme2.xml><?xml version="1.0" encoding="utf-8"?>
 <a:theme xmlns:a="http://schemas.openxmlformats.org/drawingml/2006/main" xmlns:r="http://schemas.openxmlformats.org/officeDocument/2006/relationships">
   <a:themeElements>
     <a:clrScheme name="Default">
@@ -14998,283 +15533,4 @@
     </a:fmtScheme>
   </a:themeElements>
 </a:theme>
-</file>
-
-<file path=ppt/theme/theme2.xml><?xml version="1.0" encoding="utf-8"?>
-<a:theme xmlns:a="http://schemas.openxmlformats.org/drawingml/2006/main" xmlns:r="http://schemas.openxmlformats.org/officeDocument/2006/relationships" name="Simple Light">
-  <a:themeElements>
-    <a:clrScheme name="Simple Light">
-      <a:dk1>
-        <a:srgbClr val="000000"/>
-      </a:dk1>
-      <a:lt1>
-        <a:srgbClr val="FFFFFF"/>
-      </a:lt1>
-      <a:dk2>
-        <a:srgbClr val="595959"/>
-      </a:dk2>
-      <a:lt2>
-        <a:srgbClr val="EEEEEE"/>
-      </a:lt2>
-      <a:accent1>
-        <a:srgbClr val="FFAB40"/>
-      </a:accent1>
-      <a:accent2>
-        <a:srgbClr val="212121"/>
-      </a:accent2>
-      <a:accent3>
-        <a:srgbClr val="78909C"/>
-      </a:accent3>
-      <a:accent4>
-        <a:srgbClr val="FFAB40"/>
-      </a:accent4>
-      <a:accent5>
-        <a:srgbClr val="0097A7"/>
-      </a:accent5>
-      <a:accent6>
-        <a:srgbClr val="EEFF41"/>
-      </a:accent6>
-      <a:hlink>
-        <a:srgbClr val="0097A7"/>
-      </a:hlink>
-      <a:folHlink>
-        <a:srgbClr val="0097A7"/>
-      </a:folHlink>
-    </a:clrScheme>
-    <a:fontScheme name="Office">
-      <a:majorFont>
-        <a:latin typeface="Arial"/>
-        <a:ea typeface=""/>
-        <a:cs typeface=""/>
-        <a:font script="Jpan" typeface="ＭＳ Ｐゴシック"/>
-        <a:font script="Hang" typeface="맑은 고딕"/>
-        <a:font script="Hans" typeface="宋体"/>
-        <a:font script="Hant" typeface="新細明體"/>
-        <a:font script="Arab" typeface="Times New Roman"/>
-        <a:font script="Hebr" typeface="Times New Roman"/>
-        <a:font script="Thai" typeface="Angsana New"/>
-        <a:font script="Ethi" typeface="Nyala"/>
-        <a:font script="Beng" typeface="Vrinda"/>
-        <a:font script="Gujr" typeface="Shruti"/>
-        <a:font script="Khmr" typeface="MoolBoran"/>
-        <a:font script="Knda" typeface="Tunga"/>
-        <a:font script="Guru" typeface="Raavi"/>
-        <a:font script="Cans" typeface="Euphemia"/>
-        <a:font script="Cher" typeface="Plantagenet Cherokee"/>
-        <a:font script="Yiii" typeface="Microsoft Yi Baiti"/>
-        <a:font script="Tibt" typeface="Microsoft Himalaya"/>
-        <a:font script="Thaa" typeface="MV Boli"/>
-        <a:font script="Deva" typeface="Mangal"/>
-        <a:font script="Telu" typeface="Gautami"/>
-        <a:font script="Taml" typeface="Latha"/>
-        <a:font script="Syrc" typeface="Estrangelo Edessa"/>
-        <a:font script="Orya" typeface="Kalinga"/>
-        <a:font script="Mlym" typeface="Kartika"/>
-        <a:font script="Laoo" typeface="DokChampa"/>
-        <a:font script="Sinh" typeface="Iskoola Pota"/>
-        <a:font script="Mong" typeface="Mongolian Baiti"/>
-        <a:font script="Viet" typeface="Times New Roman"/>
-        <a:font script="Uigh" typeface="Microsoft Uighur"/>
-        <a:font script="Geor" typeface="Sylfaen"/>
-      </a:majorFont>
-      <a:minorFont>
-        <a:latin typeface="Arial"/>
-        <a:ea typeface=""/>
-        <a:cs typeface=""/>
-        <a:font script="Jpan" typeface="ＭＳ Ｐゴシック"/>
-        <a:font script="Hang" typeface="맑은 고딕"/>
-        <a:font script="Hans" typeface="宋体"/>
-        <a:font script="Hant" typeface="新細明體"/>
-        <a:font script="Arab" typeface="Arial"/>
-        <a:font script="Hebr" typeface="Arial"/>
-        <a:font script="Thai" typeface="Cordia New"/>
-        <a:font script="Ethi" typeface="Nyala"/>
-        <a:font script="Beng" typeface="Vrinda"/>
-        <a:font script="Gujr" typeface="Shruti"/>
-        <a:font script="Khmr" typeface="DaunPenh"/>
-        <a:font script="Knda" typeface="Tunga"/>
-        <a:font script="Guru" typeface="Raavi"/>
-        <a:font script="Cans" typeface="Euphemia"/>
-        <a:font script="Cher" typeface="Plantagenet Cherokee"/>
-        <a:font script="Yiii" typeface="Microsoft Yi Baiti"/>
-        <a:font script="Tibt" typeface="Microsoft Himalaya"/>
-        <a:font script="Thaa" typeface="MV Boli"/>
-        <a:font script="Deva" typeface="Mangal"/>
-        <a:font script="Telu" typeface="Gautami"/>
-        <a:font script="Taml" typeface="Latha"/>
-        <a:font script="Syrc" typeface="Estrangelo Edessa"/>
-        <a:font script="Orya" typeface="Kalinga"/>
-        <a:font script="Mlym" typeface="Kartika"/>
-        <a:font script="Laoo" typeface="DokChampa"/>
-        <a:font script="Sinh" typeface="Iskoola Pota"/>
-        <a:font script="Mong" typeface="Mongolian Baiti"/>
-        <a:font script="Viet" typeface="Arial"/>
-        <a:font script="Uigh" typeface="Microsoft Uighur"/>
-        <a:font script="Geor" typeface="Sylfaen"/>
-      </a:minorFont>
-    </a:fontScheme>
-    <a:fmtScheme name="Office">
-      <a:fillStyleLst>
-        <a:solidFill>
-          <a:schemeClr val="phClr"/>
-        </a:solidFill>
-        <a:gradFill rotWithShape="1">
-          <a:gsLst>
-            <a:gs pos="0">
-              <a:schemeClr val="phClr">
-                <a:tint val="50000"/>
-                <a:satMod val="300000"/>
-              </a:schemeClr>
-            </a:gs>
-            <a:gs pos="35000">
-              <a:schemeClr val="phClr">
-                <a:tint val="37000"/>
-                <a:satMod val="300000"/>
-              </a:schemeClr>
-            </a:gs>
-            <a:gs pos="100000">
-              <a:schemeClr val="phClr">
-                <a:tint val="15000"/>
-                <a:satMod val="350000"/>
-              </a:schemeClr>
-            </a:gs>
-          </a:gsLst>
-          <a:lin ang="16200000" scaled="1"/>
-        </a:gradFill>
-        <a:gradFill rotWithShape="1">
-          <a:gsLst>
-            <a:gs pos="0">
-              <a:schemeClr val="phClr">
-                <a:tint val="100000"/>
-                <a:shade val="100000"/>
-                <a:satMod val="130000"/>
-              </a:schemeClr>
-            </a:gs>
-            <a:gs pos="100000">
-              <a:schemeClr val="phClr">
-                <a:tint val="50000"/>
-                <a:shade val="100000"/>
-                <a:satMod val="350000"/>
-              </a:schemeClr>
-            </a:gs>
-          </a:gsLst>
-          <a:lin ang="16200000" scaled="0"/>
-        </a:gradFill>
-      </a:fillStyleLst>
-      <a:lnStyleLst>
-        <a:ln w="9525" cap="flat" cmpd="sng" algn="ctr">
-          <a:solidFill>
-            <a:schemeClr val="phClr">
-              <a:shade val="95000"/>
-              <a:satMod val="105000"/>
-            </a:schemeClr>
-          </a:solidFill>
-          <a:prstDash val="solid"/>
-        </a:ln>
-        <a:ln w="25400" cap="flat" cmpd="sng" algn="ctr">
-          <a:solidFill>
-            <a:schemeClr val="phClr"/>
-          </a:solidFill>
-          <a:prstDash val="solid"/>
-        </a:ln>
-        <a:ln w="38100" cap="flat" cmpd="sng" algn="ctr">
-          <a:solidFill>
-            <a:schemeClr val="phClr"/>
-          </a:solidFill>
-          <a:prstDash val="solid"/>
-        </a:ln>
-      </a:lnStyleLst>
-      <a:effectStyleLst>
-        <a:effectStyle>
-          <a:effectLst>
-            <a:outerShdw blurRad="40000" dist="20000" dir="5400000" rotWithShape="0">
-              <a:srgbClr val="000000">
-                <a:alpha val="38000"/>
-              </a:srgbClr>
-            </a:outerShdw>
-          </a:effectLst>
-        </a:effectStyle>
-        <a:effectStyle>
-          <a:effectLst>
-            <a:outerShdw blurRad="40000" dist="23000" dir="5400000" rotWithShape="0">
-              <a:srgbClr val="000000">
-                <a:alpha val="35000"/>
-              </a:srgbClr>
-            </a:outerShdw>
-          </a:effectLst>
-        </a:effectStyle>
-        <a:effectStyle>
-          <a:effectLst>
-            <a:outerShdw blurRad="40000" dist="23000" dir="5400000" rotWithShape="0">
-              <a:srgbClr val="000000">
-                <a:alpha val="35000"/>
-              </a:srgbClr>
-            </a:outerShdw>
-          </a:effectLst>
-          <a:scene3d>
-            <a:camera prst="orthographicFront">
-              <a:rot lat="0" lon="0" rev="0"/>
-            </a:camera>
-            <a:lightRig rig="threePt" dir="t">
-              <a:rot lat="0" lon="0" rev="1200000"/>
-            </a:lightRig>
-          </a:scene3d>
-          <a:sp3d>
-            <a:bevelT w="63500" h="25400"/>
-          </a:sp3d>
-        </a:effectStyle>
-      </a:effectStyleLst>
-      <a:bgFillStyleLst>
-        <a:solidFill>
-          <a:schemeClr val="phClr"/>
-        </a:solidFill>
-        <a:gradFill rotWithShape="1">
-          <a:gsLst>
-            <a:gs pos="0">
-              <a:schemeClr val="phClr">
-                <a:tint val="40000"/>
-                <a:satMod val="350000"/>
-              </a:schemeClr>
-            </a:gs>
-            <a:gs pos="40000">
-              <a:schemeClr val="phClr">
-                <a:tint val="45000"/>
-                <a:shade val="99000"/>
-                <a:satMod val="350000"/>
-              </a:schemeClr>
-            </a:gs>
-            <a:gs pos="100000">
-              <a:schemeClr val="phClr">
-                <a:shade val="20000"/>
-                <a:satMod val="255000"/>
-              </a:schemeClr>
-            </a:gs>
-          </a:gsLst>
-          <a:path path="circle">
-            <a:fillToRect l="50000" t="-80000" r="50000" b="180000"/>
-          </a:path>
-        </a:gradFill>
-        <a:gradFill rotWithShape="1">
-          <a:gsLst>
-            <a:gs pos="0">
-              <a:schemeClr val="phClr">
-                <a:tint val="80000"/>
-                <a:satMod val="300000"/>
-              </a:schemeClr>
-            </a:gs>
-            <a:gs pos="100000">
-              <a:schemeClr val="phClr">
-                <a:shade val="30000"/>
-                <a:satMod val="200000"/>
-              </a:schemeClr>
-            </a:gs>
-          </a:gsLst>
-          <a:path path="circle">
-            <a:fillToRect l="50000" t="50000" r="50000" b="50000"/>
-          </a:path>
-        </a:gradFill>
-      </a:bgFillStyleLst>
-    </a:fmtScheme>
-  </a:themeElements>
-</a:theme>
 </file>